--- a/R/Conda/conda.pptx
+++ b/R/Conda/conda.pptx
@@ -1,9 +1,12 @@
 
 <file path=ppt/presentation.xml><?xml version="1.0" encoding="utf-8"?>
-<p:presentation xmlns:a="http://schemas.openxmlformats.org/drawingml/2006/main" xmlns:r="http://schemas.openxmlformats.org/officeDocument/2006/relationships" xmlns:p="http://schemas.openxmlformats.org/presentationml/2006/main" saveSubsetFonts="1">
+<p:presentation xmlns:a="http://schemas.openxmlformats.org/drawingml/2006/main" xmlns:r="http://schemas.openxmlformats.org/officeDocument/2006/relationships" xmlns:p="http://schemas.openxmlformats.org/presentationml/2006/main" showSpecialPlsOnTitleSld="0" saveSubsetFonts="1">
   <p:sldMasterIdLst>
-    <p:sldMasterId id="2147483648" r:id="rId1"/>
+    <p:sldMasterId id="2147483660" r:id="rId1"/>
   </p:sldMasterIdLst>
+  <p:notesMasterIdLst>
+    <p:notesMasterId r:id="rId14"/>
+  </p:notesMasterIdLst>
   <p:sldIdLst>
     <p:sldId id="256" r:id="rId2"/>
     <p:sldId id="257" r:id="rId3"/>
@@ -11,9 +14,14 @@
     <p:sldId id="259" r:id="rId5"/>
     <p:sldId id="260" r:id="rId6"/>
     <p:sldId id="261" r:id="rId7"/>
-    <p:sldId id="262" r:id="rId8"/>
+    <p:sldId id="264" r:id="rId8"/>
+    <p:sldId id="263" r:id="rId9"/>
+    <p:sldId id="262" r:id="rId10"/>
+    <p:sldId id="265" r:id="rId11"/>
+    <p:sldId id="266" r:id="rId12"/>
+    <p:sldId id="267" r:id="rId13"/>
   </p:sldIdLst>
-  <p:sldSz cx="12192000" cy="6858000"/>
+  <p:sldSz cx="9144000" cy="6858000" type="screen4x3"/>
   <p:notesSz cx="6858000" cy="9144000"/>
   <p:defaultTextStyle>
     <a:defPPr>
@@ -110,7 +118,446 @@
       </a:defRPr>
     </a:lvl9pPr>
   </p:defaultTextStyle>
+  <p:extLst>
+    <p:ext uri="{EFAFB233-063F-42B5-8137-9DF3F51BA10A}">
+      <p15:sldGuideLst xmlns:p15="http://schemas.microsoft.com/office/powerpoint/2012/main"/>
+    </p:ext>
+  </p:extLst>
 </p:presentation>
+</file>
+
+<file path=ppt/notesMasters/notesMaster1.xml><?xml version="1.0" encoding="utf-8"?>
+<p:notesMaster xmlns:a="http://schemas.openxmlformats.org/drawingml/2006/main" xmlns:r="http://schemas.openxmlformats.org/officeDocument/2006/relationships" xmlns:p="http://schemas.openxmlformats.org/presentationml/2006/main">
+  <p:cSld>
+    <p:bg>
+      <p:bgRef idx="1001">
+        <a:schemeClr val="bg1"/>
+      </p:bgRef>
+    </p:bg>
+    <p:spTree>
+      <p:nvGrpSpPr>
+        <p:cNvPr id="1" name=""/>
+        <p:cNvGrpSpPr/>
+        <p:nvPr/>
+      </p:nvGrpSpPr>
+      <p:grpSpPr>
+        <a:xfrm>
+          <a:off x="0" y="0"/>
+          <a:ext cx="0" cy="0"/>
+          <a:chOff x="0" y="0"/>
+          <a:chExt cx="0" cy="0"/>
+        </a:xfrm>
+      </p:grpSpPr>
+      <p:sp>
+        <p:nvSpPr>
+          <p:cNvPr id="2" name="Header Placeholder 1"/>
+          <p:cNvSpPr>
+            <a:spLocks noGrp="1"/>
+          </p:cNvSpPr>
+          <p:nvPr>
+            <p:ph type="hdr" sz="quarter"/>
+          </p:nvPr>
+        </p:nvSpPr>
+        <p:spPr>
+          <a:xfrm>
+            <a:off x="0" y="0"/>
+            <a:ext cx="2971800" cy="458788"/>
+          </a:xfrm>
+          <a:prstGeom prst="rect">
+            <a:avLst/>
+          </a:prstGeom>
+        </p:spPr>
+        <p:txBody>
+          <a:bodyPr vert="horz" lIns="91440" tIns="45720" rIns="91440" bIns="45720" rtlCol="0"/>
+          <a:lstStyle>
+            <a:lvl1pPr algn="l">
+              <a:defRPr sz="1200"/>
+            </a:lvl1pPr>
+          </a:lstStyle>
+          <a:p>
+            <a:endParaRPr lang="nl-BE"/>
+          </a:p>
+        </p:txBody>
+      </p:sp>
+      <p:sp>
+        <p:nvSpPr>
+          <p:cNvPr id="3" name="Date Placeholder 2"/>
+          <p:cNvSpPr>
+            <a:spLocks noGrp="1"/>
+          </p:cNvSpPr>
+          <p:nvPr>
+            <p:ph type="dt" idx="1"/>
+          </p:nvPr>
+        </p:nvSpPr>
+        <p:spPr>
+          <a:xfrm>
+            <a:off x="3884613" y="0"/>
+            <a:ext cx="2971800" cy="458788"/>
+          </a:xfrm>
+          <a:prstGeom prst="rect">
+            <a:avLst/>
+          </a:prstGeom>
+        </p:spPr>
+        <p:txBody>
+          <a:bodyPr vert="horz" lIns="91440" tIns="45720" rIns="91440" bIns="45720" rtlCol="0"/>
+          <a:lstStyle>
+            <a:lvl1pPr algn="r">
+              <a:defRPr sz="1200"/>
+            </a:lvl1pPr>
+          </a:lstStyle>
+          <a:p>
+            <a:fld id="{A75423B0-5559-4471-962E-44A27D80B424}" type="datetimeFigureOut">
+              <a:rPr lang="nl-BE" smtClean="0"/>
+              <a:t>2016-01-11</a:t>
+            </a:fld>
+            <a:endParaRPr lang="nl-BE"/>
+          </a:p>
+        </p:txBody>
+      </p:sp>
+      <p:sp>
+        <p:nvSpPr>
+          <p:cNvPr id="4" name="Slide Image Placeholder 3"/>
+          <p:cNvSpPr>
+            <a:spLocks noGrp="1" noRot="1" noChangeAspect="1"/>
+          </p:cNvSpPr>
+          <p:nvPr>
+            <p:ph type="sldImg" idx="2"/>
+          </p:nvPr>
+        </p:nvSpPr>
+        <p:spPr>
+          <a:xfrm>
+            <a:off x="1371600" y="1143000"/>
+            <a:ext cx="4114800" cy="3086100"/>
+          </a:xfrm>
+          <a:prstGeom prst="rect">
+            <a:avLst/>
+          </a:prstGeom>
+          <a:noFill/>
+          <a:ln w="12700">
+            <a:solidFill>
+              <a:prstClr val="black"/>
+            </a:solidFill>
+          </a:ln>
+        </p:spPr>
+        <p:txBody>
+          <a:bodyPr vert="horz" lIns="91440" tIns="45720" rIns="91440" bIns="45720" rtlCol="0" anchor="ctr"/>
+          <a:lstStyle/>
+          <a:p>
+            <a:endParaRPr lang="nl-BE"/>
+          </a:p>
+        </p:txBody>
+      </p:sp>
+      <p:sp>
+        <p:nvSpPr>
+          <p:cNvPr id="5" name="Notes Placeholder 4"/>
+          <p:cNvSpPr>
+            <a:spLocks noGrp="1"/>
+          </p:cNvSpPr>
+          <p:nvPr>
+            <p:ph type="body" sz="quarter" idx="3"/>
+          </p:nvPr>
+        </p:nvSpPr>
+        <p:spPr>
+          <a:xfrm>
+            <a:off x="685800" y="4400550"/>
+            <a:ext cx="5486400" cy="3600450"/>
+          </a:xfrm>
+          <a:prstGeom prst="rect">
+            <a:avLst/>
+          </a:prstGeom>
+        </p:spPr>
+        <p:txBody>
+          <a:bodyPr vert="horz" lIns="91440" tIns="45720" rIns="91440" bIns="45720" rtlCol="0"/>
+          <a:lstStyle/>
+          <a:p>
+            <a:pPr lvl="0"/>
+            <a:r>
+              <a:rPr lang="en-US" smtClean="0"/>
+              <a:t>Click to edit Master text styles</a:t>
+            </a:r>
+          </a:p>
+          <a:p>
+            <a:pPr lvl="1"/>
+            <a:r>
+              <a:rPr lang="en-US" smtClean="0"/>
+              <a:t>Second level</a:t>
+            </a:r>
+          </a:p>
+          <a:p>
+            <a:pPr lvl="2"/>
+            <a:r>
+              <a:rPr lang="en-US" smtClean="0"/>
+              <a:t>Third level</a:t>
+            </a:r>
+          </a:p>
+          <a:p>
+            <a:pPr lvl="3"/>
+            <a:r>
+              <a:rPr lang="en-US" smtClean="0"/>
+              <a:t>Fourth level</a:t>
+            </a:r>
+          </a:p>
+          <a:p>
+            <a:pPr lvl="4"/>
+            <a:r>
+              <a:rPr lang="en-US" smtClean="0"/>
+              <a:t>Fifth level</a:t>
+            </a:r>
+            <a:endParaRPr lang="nl-BE"/>
+          </a:p>
+        </p:txBody>
+      </p:sp>
+      <p:sp>
+        <p:nvSpPr>
+          <p:cNvPr id="6" name="Footer Placeholder 5"/>
+          <p:cNvSpPr>
+            <a:spLocks noGrp="1"/>
+          </p:cNvSpPr>
+          <p:nvPr>
+            <p:ph type="ftr" sz="quarter" idx="4"/>
+          </p:nvPr>
+        </p:nvSpPr>
+        <p:spPr>
+          <a:xfrm>
+            <a:off x="0" y="8685213"/>
+            <a:ext cx="2971800" cy="458787"/>
+          </a:xfrm>
+          <a:prstGeom prst="rect">
+            <a:avLst/>
+          </a:prstGeom>
+        </p:spPr>
+        <p:txBody>
+          <a:bodyPr vert="horz" lIns="91440" tIns="45720" rIns="91440" bIns="45720" rtlCol="0" anchor="b"/>
+          <a:lstStyle>
+            <a:lvl1pPr algn="l">
+              <a:defRPr sz="1200"/>
+            </a:lvl1pPr>
+          </a:lstStyle>
+          <a:p>
+            <a:endParaRPr lang="nl-BE"/>
+          </a:p>
+        </p:txBody>
+      </p:sp>
+      <p:sp>
+        <p:nvSpPr>
+          <p:cNvPr id="7" name="Slide Number Placeholder 6"/>
+          <p:cNvSpPr>
+            <a:spLocks noGrp="1"/>
+          </p:cNvSpPr>
+          <p:nvPr>
+            <p:ph type="sldNum" sz="quarter" idx="5"/>
+          </p:nvPr>
+        </p:nvSpPr>
+        <p:spPr>
+          <a:xfrm>
+            <a:off x="3884613" y="8685213"/>
+            <a:ext cx="2971800" cy="458787"/>
+          </a:xfrm>
+          <a:prstGeom prst="rect">
+            <a:avLst/>
+          </a:prstGeom>
+        </p:spPr>
+        <p:txBody>
+          <a:bodyPr vert="horz" lIns="91440" tIns="45720" rIns="91440" bIns="45720" rtlCol="0" anchor="b"/>
+          <a:lstStyle>
+            <a:lvl1pPr algn="r">
+              <a:defRPr sz="1200"/>
+            </a:lvl1pPr>
+          </a:lstStyle>
+          <a:p>
+            <a:fld id="{6483A648-C73D-4ADB-8F2A-0FAD2AC6A53D}" type="slidenum">
+              <a:rPr lang="nl-BE" smtClean="0"/>
+              <a:t>‹#›</a:t>
+            </a:fld>
+            <a:endParaRPr lang="nl-BE"/>
+          </a:p>
+        </p:txBody>
+      </p:sp>
+    </p:spTree>
+    <p:extLst>
+      <p:ext uri="{BB962C8B-B14F-4D97-AF65-F5344CB8AC3E}">
+        <p14:creationId xmlns:p14="http://schemas.microsoft.com/office/powerpoint/2010/main" val="2280988222"/>
+      </p:ext>
+    </p:extLst>
+  </p:cSld>
+  <p:clrMap bg1="lt1" tx1="dk1" bg2="lt2" tx2="dk2" accent1="accent1" accent2="accent2" accent3="accent3" accent4="accent4" accent5="accent5" accent6="accent6" hlink="hlink" folHlink="folHlink"/>
+  <p:notesStyle>
+    <a:lvl1pPr marL="0" algn="l" defTabSz="914400" rtl="0" eaLnBrk="1" latinLnBrk="0" hangingPunct="1">
+      <a:defRPr sz="1200" kern="1200">
+        <a:solidFill>
+          <a:schemeClr val="tx1"/>
+        </a:solidFill>
+        <a:latin typeface="+mn-lt"/>
+        <a:ea typeface="+mn-ea"/>
+        <a:cs typeface="+mn-cs"/>
+      </a:defRPr>
+    </a:lvl1pPr>
+    <a:lvl2pPr marL="457200" algn="l" defTabSz="914400" rtl="0" eaLnBrk="1" latinLnBrk="0" hangingPunct="1">
+      <a:defRPr sz="1200" kern="1200">
+        <a:solidFill>
+          <a:schemeClr val="tx1"/>
+        </a:solidFill>
+        <a:latin typeface="+mn-lt"/>
+        <a:ea typeface="+mn-ea"/>
+        <a:cs typeface="+mn-cs"/>
+      </a:defRPr>
+    </a:lvl2pPr>
+    <a:lvl3pPr marL="914400" algn="l" defTabSz="914400" rtl="0" eaLnBrk="1" latinLnBrk="0" hangingPunct="1">
+      <a:defRPr sz="1200" kern="1200">
+        <a:solidFill>
+          <a:schemeClr val="tx1"/>
+        </a:solidFill>
+        <a:latin typeface="+mn-lt"/>
+        <a:ea typeface="+mn-ea"/>
+        <a:cs typeface="+mn-cs"/>
+      </a:defRPr>
+    </a:lvl3pPr>
+    <a:lvl4pPr marL="1371600" algn="l" defTabSz="914400" rtl="0" eaLnBrk="1" latinLnBrk="0" hangingPunct="1">
+      <a:defRPr sz="1200" kern="1200">
+        <a:solidFill>
+          <a:schemeClr val="tx1"/>
+        </a:solidFill>
+        <a:latin typeface="+mn-lt"/>
+        <a:ea typeface="+mn-ea"/>
+        <a:cs typeface="+mn-cs"/>
+      </a:defRPr>
+    </a:lvl4pPr>
+    <a:lvl5pPr marL="1828800" algn="l" defTabSz="914400" rtl="0" eaLnBrk="1" latinLnBrk="0" hangingPunct="1">
+      <a:defRPr sz="1200" kern="1200">
+        <a:solidFill>
+          <a:schemeClr val="tx1"/>
+        </a:solidFill>
+        <a:latin typeface="+mn-lt"/>
+        <a:ea typeface="+mn-ea"/>
+        <a:cs typeface="+mn-cs"/>
+      </a:defRPr>
+    </a:lvl5pPr>
+    <a:lvl6pPr marL="2286000" algn="l" defTabSz="914400" rtl="0" eaLnBrk="1" latinLnBrk="0" hangingPunct="1">
+      <a:defRPr sz="1200" kern="1200">
+        <a:solidFill>
+          <a:schemeClr val="tx1"/>
+        </a:solidFill>
+        <a:latin typeface="+mn-lt"/>
+        <a:ea typeface="+mn-ea"/>
+        <a:cs typeface="+mn-cs"/>
+      </a:defRPr>
+    </a:lvl6pPr>
+    <a:lvl7pPr marL="2743200" algn="l" defTabSz="914400" rtl="0" eaLnBrk="1" latinLnBrk="0" hangingPunct="1">
+      <a:defRPr sz="1200" kern="1200">
+        <a:solidFill>
+          <a:schemeClr val="tx1"/>
+        </a:solidFill>
+        <a:latin typeface="+mn-lt"/>
+        <a:ea typeface="+mn-ea"/>
+        <a:cs typeface="+mn-cs"/>
+      </a:defRPr>
+    </a:lvl7pPr>
+    <a:lvl8pPr marL="3200400" algn="l" defTabSz="914400" rtl="0" eaLnBrk="1" latinLnBrk="0" hangingPunct="1">
+      <a:defRPr sz="1200" kern="1200">
+        <a:solidFill>
+          <a:schemeClr val="tx1"/>
+        </a:solidFill>
+        <a:latin typeface="+mn-lt"/>
+        <a:ea typeface="+mn-ea"/>
+        <a:cs typeface="+mn-cs"/>
+      </a:defRPr>
+    </a:lvl8pPr>
+    <a:lvl9pPr marL="3657600" algn="l" defTabSz="914400" rtl="0" eaLnBrk="1" latinLnBrk="0" hangingPunct="1">
+      <a:defRPr sz="1200" kern="1200">
+        <a:solidFill>
+          <a:schemeClr val="tx1"/>
+        </a:solidFill>
+        <a:latin typeface="+mn-lt"/>
+        <a:ea typeface="+mn-ea"/>
+        <a:cs typeface="+mn-cs"/>
+      </a:defRPr>
+    </a:lvl9pPr>
+  </p:notesStyle>
+</p:notesMaster>
+</file>
+
+<file path=ppt/notesSlides/notesSlide1.xml><?xml version="1.0" encoding="utf-8"?>
+<p:notes xmlns:a="http://schemas.openxmlformats.org/drawingml/2006/main" xmlns:r="http://schemas.openxmlformats.org/officeDocument/2006/relationships" xmlns:p="http://schemas.openxmlformats.org/presentationml/2006/main">
+  <p:cSld>
+    <p:spTree>
+      <p:nvGrpSpPr>
+        <p:cNvPr id="1" name=""/>
+        <p:cNvGrpSpPr/>
+        <p:nvPr/>
+      </p:nvGrpSpPr>
+      <p:grpSpPr>
+        <a:xfrm>
+          <a:off x="0" y="0"/>
+          <a:ext cx="0" cy="0"/>
+          <a:chOff x="0" y="0"/>
+          <a:chExt cx="0" cy="0"/>
+        </a:xfrm>
+      </p:grpSpPr>
+      <p:sp>
+        <p:nvSpPr>
+          <p:cNvPr id="2" name="Slide Image Placeholder 1"/>
+          <p:cNvSpPr>
+            <a:spLocks noGrp="1" noRot="1" noChangeAspect="1"/>
+          </p:cNvSpPr>
+          <p:nvPr>
+            <p:ph type="sldImg"/>
+          </p:nvPr>
+        </p:nvSpPr>
+        <p:spPr/>
+      </p:sp>
+      <p:sp>
+        <p:nvSpPr>
+          <p:cNvPr id="3" name="Notes Placeholder 2"/>
+          <p:cNvSpPr>
+            <a:spLocks noGrp="1"/>
+          </p:cNvSpPr>
+          <p:nvPr>
+            <p:ph type="body" idx="1"/>
+          </p:nvPr>
+        </p:nvSpPr>
+        <p:spPr/>
+        <p:txBody>
+          <a:bodyPr/>
+          <a:lstStyle/>
+          <a:p>
+            <a:endParaRPr lang="nl-BE"/>
+          </a:p>
+        </p:txBody>
+      </p:sp>
+      <p:sp>
+        <p:nvSpPr>
+          <p:cNvPr id="4" name="Slide Number Placeholder 3"/>
+          <p:cNvSpPr>
+            <a:spLocks noGrp="1"/>
+          </p:cNvSpPr>
+          <p:nvPr>
+            <p:ph type="sldNum" sz="quarter" idx="10"/>
+          </p:nvPr>
+        </p:nvSpPr>
+        <p:spPr/>
+        <p:txBody>
+          <a:bodyPr/>
+          <a:lstStyle/>
+          <a:p>
+            <a:fld id="{6483A648-C73D-4ADB-8F2A-0FAD2AC6A53D}" type="slidenum">
+              <a:rPr lang="nl-BE" smtClean="0"/>
+              <a:t>10</a:t>
+            </a:fld>
+            <a:endParaRPr lang="nl-BE"/>
+          </a:p>
+        </p:txBody>
+      </p:sp>
+    </p:spTree>
+    <p:extLst>
+      <p:ext uri="{BB962C8B-B14F-4D97-AF65-F5344CB8AC3E}">
+        <p14:creationId xmlns:p14="http://schemas.microsoft.com/office/powerpoint/2010/main" val="3167792787"/>
+      </p:ext>
+    </p:extLst>
+  </p:cSld>
+  <p:clrMapOvr>
+    <a:masterClrMapping/>
+  </p:clrMapOvr>
+</p:notes>
 </file>
 
 <file path=ppt/slideLayouts/slideLayout1.xml><?xml version="1.0" encoding="utf-8"?>
@@ -142,8 +589,8 @@
         </p:nvSpPr>
         <p:spPr>
           <a:xfrm>
-            <a:off x="1524000" y="1122363"/>
-            <a:ext cx="9144000" cy="2387600"/>
+            <a:off x="685800" y="1122363"/>
+            <a:ext cx="7772400" cy="2387600"/>
           </a:xfrm>
         </p:spPr>
         <p:txBody>
@@ -158,7 +605,7 @@
               <a:rPr lang="en-US" smtClean="0"/>
               <a:t>Click to edit Master title style</a:t>
             </a:r>
-            <a:endParaRPr lang="nl-BE"/>
+            <a:endParaRPr lang="en-US" dirty="0"/>
           </a:p>
         </p:txBody>
       </p:sp>
@@ -174,8 +621,8 @@
         </p:nvSpPr>
         <p:spPr>
           <a:xfrm>
-            <a:off x="1524000" y="3602038"/>
-            <a:ext cx="9144000" cy="1655762"/>
+            <a:off x="1143000" y="3602038"/>
+            <a:ext cx="6858000" cy="1655762"/>
           </a:xfrm>
         </p:spPr>
         <p:txBody>
@@ -223,7 +670,7 @@
               <a:rPr lang="en-US" smtClean="0"/>
               <a:t>Click to edit Master subtitle style</a:t>
             </a:r>
-            <a:endParaRPr lang="nl-BE"/>
+            <a:endParaRPr lang="en-US" dirty="0"/>
           </a:p>
         </p:txBody>
       </p:sp>
@@ -242,9 +689,9 @@
           <a:bodyPr/>
           <a:lstStyle/>
           <a:p>
-            <a:fld id="{49E0527D-8735-4361-921A-98B851A66E9E}" type="datetimeFigureOut">
+            <a:fld id="{686FA373-BD9C-4E91-93F7-D33713AC9EC2}" type="datetime1">
               <a:rPr lang="nl-BE" smtClean="0"/>
-              <a:t>2016-01-07</a:t>
+              <a:t>2016-01-11</a:t>
             </a:fld>
             <a:endParaRPr lang="nl-BE"/>
           </a:p>
@@ -295,7 +742,7 @@
     </p:spTree>
     <p:extLst>
       <p:ext uri="{BB962C8B-B14F-4D97-AF65-F5344CB8AC3E}">
-        <p14:creationId xmlns:p14="http://schemas.microsoft.com/office/powerpoint/2010/main" val="3924341831"/>
+        <p14:creationId xmlns:p14="http://schemas.microsoft.com/office/powerpoint/2010/main" val="3184023854"/>
       </p:ext>
     </p:extLst>
   </p:cSld>
@@ -341,7 +788,7 @@
               <a:rPr lang="en-US" smtClean="0"/>
               <a:t>Click to edit Master title style</a:t>
             </a:r>
-            <a:endParaRPr lang="nl-BE"/>
+            <a:endParaRPr lang="en-US" dirty="0"/>
           </a:p>
         </p:txBody>
       </p:sp>
@@ -393,7 +840,7 @@
               <a:rPr lang="en-US" smtClean="0"/>
               <a:t>Fifth level</a:t>
             </a:r>
-            <a:endParaRPr lang="nl-BE"/>
+            <a:endParaRPr lang="en-US" dirty="0"/>
           </a:p>
         </p:txBody>
       </p:sp>
@@ -412,9 +859,9 @@
           <a:bodyPr/>
           <a:lstStyle/>
           <a:p>
-            <a:fld id="{49E0527D-8735-4361-921A-98B851A66E9E}" type="datetimeFigureOut">
+            <a:fld id="{4DF2C210-D48F-4B06-BACE-3B126E0EBD8A}" type="datetime1">
               <a:rPr lang="nl-BE" smtClean="0"/>
-              <a:t>2016-01-07</a:t>
+              <a:t>2016-01-11</a:t>
             </a:fld>
             <a:endParaRPr lang="nl-BE"/>
           </a:p>
@@ -465,7 +912,7 @@
     </p:spTree>
     <p:extLst>
       <p:ext uri="{BB962C8B-B14F-4D97-AF65-F5344CB8AC3E}">
-        <p14:creationId xmlns:p14="http://schemas.microsoft.com/office/powerpoint/2010/main" val="1941845087"/>
+        <p14:creationId xmlns:p14="http://schemas.microsoft.com/office/powerpoint/2010/main" val="2444883813"/>
       </p:ext>
     </p:extLst>
   </p:cSld>
@@ -504,8 +951,8 @@
         </p:nvSpPr>
         <p:spPr>
           <a:xfrm>
-            <a:off x="8724900" y="365125"/>
-            <a:ext cx="2628900" cy="5811838"/>
+            <a:off x="6543675" y="365125"/>
+            <a:ext cx="1971675" cy="5811838"/>
           </a:xfrm>
         </p:spPr>
         <p:txBody>
@@ -516,7 +963,7 @@
               <a:rPr lang="en-US" smtClean="0"/>
               <a:t>Click to edit Master title style</a:t>
             </a:r>
-            <a:endParaRPr lang="nl-BE"/>
+            <a:endParaRPr lang="en-US" dirty="0"/>
           </a:p>
         </p:txBody>
       </p:sp>
@@ -532,8 +979,8 @@
         </p:nvSpPr>
         <p:spPr>
           <a:xfrm>
-            <a:off x="838200" y="365125"/>
-            <a:ext cx="7734300" cy="5811838"/>
+            <a:off x="628650" y="365125"/>
+            <a:ext cx="5800725" cy="5811838"/>
           </a:xfrm>
         </p:spPr>
         <p:txBody>
@@ -573,7 +1020,7 @@
               <a:rPr lang="en-US" smtClean="0"/>
               <a:t>Fifth level</a:t>
             </a:r>
-            <a:endParaRPr lang="nl-BE"/>
+            <a:endParaRPr lang="en-US" dirty="0"/>
           </a:p>
         </p:txBody>
       </p:sp>
@@ -592,9 +1039,9 @@
           <a:bodyPr/>
           <a:lstStyle/>
           <a:p>
-            <a:fld id="{49E0527D-8735-4361-921A-98B851A66E9E}" type="datetimeFigureOut">
+            <a:fld id="{2A1C394C-E082-46E5-A29C-2B3E42C8C1B9}" type="datetime1">
               <a:rPr lang="nl-BE" smtClean="0"/>
-              <a:t>2016-01-07</a:t>
+              <a:t>2016-01-11</a:t>
             </a:fld>
             <a:endParaRPr lang="nl-BE"/>
           </a:p>
@@ -645,7 +1092,7 @@
     </p:spTree>
     <p:extLst>
       <p:ext uri="{BB962C8B-B14F-4D97-AF65-F5344CB8AC3E}">
-        <p14:creationId xmlns:p14="http://schemas.microsoft.com/office/powerpoint/2010/main" val="1548237827"/>
+        <p14:creationId xmlns:p14="http://schemas.microsoft.com/office/powerpoint/2010/main" val="24067172"/>
       </p:ext>
     </p:extLst>
   </p:cSld>
@@ -691,7 +1138,7 @@
               <a:rPr lang="en-US" smtClean="0"/>
               <a:t>Click to edit Master title style</a:t>
             </a:r>
-            <a:endParaRPr lang="nl-BE"/>
+            <a:endParaRPr lang="en-US" dirty="0"/>
           </a:p>
         </p:txBody>
       </p:sp>
@@ -743,7 +1190,7 @@
               <a:rPr lang="en-US" smtClean="0"/>
               <a:t>Fifth level</a:t>
             </a:r>
-            <a:endParaRPr lang="nl-BE"/>
+            <a:endParaRPr lang="en-US" dirty="0"/>
           </a:p>
         </p:txBody>
       </p:sp>
@@ -762,9 +1209,9 @@
           <a:bodyPr/>
           <a:lstStyle/>
           <a:p>
-            <a:fld id="{49E0527D-8735-4361-921A-98B851A66E9E}" type="datetimeFigureOut">
+            <a:fld id="{9DA0CB6E-F841-4348-835A-DFE7DEADFAB2}" type="datetime1">
               <a:rPr lang="nl-BE" smtClean="0"/>
-              <a:t>2016-01-07</a:t>
+              <a:t>2016-01-11</a:t>
             </a:fld>
             <a:endParaRPr lang="nl-BE"/>
           </a:p>
@@ -815,7 +1262,7 @@
     </p:spTree>
     <p:extLst>
       <p:ext uri="{BB962C8B-B14F-4D97-AF65-F5344CB8AC3E}">
-        <p14:creationId xmlns:p14="http://schemas.microsoft.com/office/powerpoint/2010/main" val="3460238995"/>
+        <p14:creationId xmlns:p14="http://schemas.microsoft.com/office/powerpoint/2010/main" val="2398348752"/>
       </p:ext>
     </p:extLst>
   </p:cSld>
@@ -854,8 +1301,8 @@
         </p:nvSpPr>
         <p:spPr>
           <a:xfrm>
-            <a:off x="831850" y="1709738"/>
-            <a:ext cx="10515600" cy="2852737"/>
+            <a:off x="623888" y="1709739"/>
+            <a:ext cx="7886700" cy="2852737"/>
           </a:xfrm>
         </p:spPr>
         <p:txBody>
@@ -870,7 +1317,7 @@
               <a:rPr lang="en-US" smtClean="0"/>
               <a:t>Click to edit Master title style</a:t>
             </a:r>
-            <a:endParaRPr lang="nl-BE"/>
+            <a:endParaRPr lang="en-US" dirty="0"/>
           </a:p>
         </p:txBody>
       </p:sp>
@@ -886,8 +1333,8 @@
         </p:nvSpPr>
         <p:spPr>
           <a:xfrm>
-            <a:off x="831850" y="4589463"/>
-            <a:ext cx="10515600" cy="1500187"/>
+            <a:off x="623888" y="4589464"/>
+            <a:ext cx="7886700" cy="1500187"/>
           </a:xfrm>
         </p:spPr>
         <p:txBody>
@@ -897,9 +1344,7 @@
               <a:buNone/>
               <a:defRPr sz="2400">
                 <a:solidFill>
-                  <a:schemeClr val="tx1">
-                    <a:tint val="75000"/>
-                  </a:schemeClr>
+                  <a:schemeClr val="tx1"/>
                 </a:solidFill>
               </a:defRPr>
             </a:lvl1pPr>
@@ -1008,9 +1453,9 @@
           <a:bodyPr/>
           <a:lstStyle/>
           <a:p>
-            <a:fld id="{49E0527D-8735-4361-921A-98B851A66E9E}" type="datetimeFigureOut">
+            <a:fld id="{D72DEE7C-0189-434D-B689-ACD9BB284BB2}" type="datetime1">
               <a:rPr lang="nl-BE" smtClean="0"/>
-              <a:t>2016-01-07</a:t>
+              <a:t>2016-01-11</a:t>
             </a:fld>
             <a:endParaRPr lang="nl-BE"/>
           </a:p>
@@ -1061,7 +1506,7 @@
     </p:spTree>
     <p:extLst>
       <p:ext uri="{BB962C8B-B14F-4D97-AF65-F5344CB8AC3E}">
-        <p14:creationId xmlns:p14="http://schemas.microsoft.com/office/powerpoint/2010/main" val="1142510943"/>
+        <p14:creationId xmlns:p14="http://schemas.microsoft.com/office/powerpoint/2010/main" val="783844673"/>
       </p:ext>
     </p:extLst>
   </p:cSld>
@@ -1107,7 +1552,7 @@
               <a:rPr lang="en-US" smtClean="0"/>
               <a:t>Click to edit Master title style</a:t>
             </a:r>
-            <a:endParaRPr lang="nl-BE"/>
+            <a:endParaRPr lang="en-US" dirty="0"/>
           </a:p>
         </p:txBody>
       </p:sp>
@@ -1123,8 +1568,8 @@
         </p:nvSpPr>
         <p:spPr>
           <a:xfrm>
-            <a:off x="838200" y="1825625"/>
-            <a:ext cx="5181600" cy="4351338"/>
+            <a:off x="628650" y="1825625"/>
+            <a:ext cx="3886200" cy="4351338"/>
           </a:xfrm>
         </p:spPr>
         <p:txBody>
@@ -1164,7 +1609,7 @@
               <a:rPr lang="en-US" smtClean="0"/>
               <a:t>Fifth level</a:t>
             </a:r>
-            <a:endParaRPr lang="nl-BE"/>
+            <a:endParaRPr lang="en-US" dirty="0"/>
           </a:p>
         </p:txBody>
       </p:sp>
@@ -1180,8 +1625,8 @@
         </p:nvSpPr>
         <p:spPr>
           <a:xfrm>
-            <a:off x="6172200" y="1825625"/>
-            <a:ext cx="5181600" cy="4351338"/>
+            <a:off x="4629150" y="1825625"/>
+            <a:ext cx="3886200" cy="4351338"/>
           </a:xfrm>
         </p:spPr>
         <p:txBody>
@@ -1221,7 +1666,7 @@
               <a:rPr lang="en-US" smtClean="0"/>
               <a:t>Fifth level</a:t>
             </a:r>
-            <a:endParaRPr lang="nl-BE"/>
+            <a:endParaRPr lang="en-US" dirty="0"/>
           </a:p>
         </p:txBody>
       </p:sp>
@@ -1240,9 +1685,9 @@
           <a:bodyPr/>
           <a:lstStyle/>
           <a:p>
-            <a:fld id="{49E0527D-8735-4361-921A-98B851A66E9E}" type="datetimeFigureOut">
+            <a:fld id="{79D5BFDE-F220-49E4-A982-A73A2656829B}" type="datetime1">
               <a:rPr lang="nl-BE" smtClean="0"/>
-              <a:t>2016-01-07</a:t>
+              <a:t>2016-01-11</a:t>
             </a:fld>
             <a:endParaRPr lang="nl-BE"/>
           </a:p>
@@ -1293,7 +1738,7 @@
     </p:spTree>
     <p:extLst>
       <p:ext uri="{BB962C8B-B14F-4D97-AF65-F5344CB8AC3E}">
-        <p14:creationId xmlns:p14="http://schemas.microsoft.com/office/powerpoint/2010/main" val="3743322951"/>
+        <p14:creationId xmlns:p14="http://schemas.microsoft.com/office/powerpoint/2010/main" val="781994136"/>
       </p:ext>
     </p:extLst>
   </p:cSld>
@@ -1332,8 +1777,8 @@
         </p:nvSpPr>
         <p:spPr>
           <a:xfrm>
-            <a:off x="839788" y="365125"/>
-            <a:ext cx="10515600" cy="1325563"/>
+            <a:off x="629841" y="365126"/>
+            <a:ext cx="7886700" cy="1325563"/>
           </a:xfrm>
         </p:spPr>
         <p:txBody>
@@ -1344,7 +1789,7 @@
               <a:rPr lang="en-US" smtClean="0"/>
               <a:t>Click to edit Master title style</a:t>
             </a:r>
-            <a:endParaRPr lang="nl-BE"/>
+            <a:endParaRPr lang="en-US" dirty="0"/>
           </a:p>
         </p:txBody>
       </p:sp>
@@ -1360,8 +1805,8 @@
         </p:nvSpPr>
         <p:spPr>
           <a:xfrm>
-            <a:off x="839788" y="1681163"/>
-            <a:ext cx="5157787" cy="823912"/>
+            <a:off x="629842" y="1681163"/>
+            <a:ext cx="3868340" cy="823912"/>
           </a:xfrm>
         </p:spPr>
         <p:txBody>
@@ -1425,8 +1870,8 @@
         </p:nvSpPr>
         <p:spPr>
           <a:xfrm>
-            <a:off x="839788" y="2505075"/>
-            <a:ext cx="5157787" cy="3684588"/>
+            <a:off x="629842" y="2505075"/>
+            <a:ext cx="3868340" cy="3684588"/>
           </a:xfrm>
         </p:spPr>
         <p:txBody>
@@ -1466,7 +1911,7 @@
               <a:rPr lang="en-US" smtClean="0"/>
               <a:t>Fifth level</a:t>
             </a:r>
-            <a:endParaRPr lang="nl-BE"/>
+            <a:endParaRPr lang="en-US" dirty="0"/>
           </a:p>
         </p:txBody>
       </p:sp>
@@ -1482,8 +1927,8 @@
         </p:nvSpPr>
         <p:spPr>
           <a:xfrm>
-            <a:off x="6172200" y="1681163"/>
-            <a:ext cx="5183188" cy="823912"/>
+            <a:off x="4629150" y="1681163"/>
+            <a:ext cx="3887391" cy="823912"/>
           </a:xfrm>
         </p:spPr>
         <p:txBody>
@@ -1547,8 +1992,8 @@
         </p:nvSpPr>
         <p:spPr>
           <a:xfrm>
-            <a:off x="6172200" y="2505075"/>
-            <a:ext cx="5183188" cy="3684588"/>
+            <a:off x="4629150" y="2505075"/>
+            <a:ext cx="3887391" cy="3684588"/>
           </a:xfrm>
         </p:spPr>
         <p:txBody>
@@ -1588,7 +2033,7 @@
               <a:rPr lang="en-US" smtClean="0"/>
               <a:t>Fifth level</a:t>
             </a:r>
-            <a:endParaRPr lang="nl-BE"/>
+            <a:endParaRPr lang="en-US" dirty="0"/>
           </a:p>
         </p:txBody>
       </p:sp>
@@ -1607,9 +2052,9 @@
           <a:bodyPr/>
           <a:lstStyle/>
           <a:p>
-            <a:fld id="{49E0527D-8735-4361-921A-98B851A66E9E}" type="datetimeFigureOut">
+            <a:fld id="{B586F026-0425-415D-BC1C-9DD54C5BE30C}" type="datetime1">
               <a:rPr lang="nl-BE" smtClean="0"/>
-              <a:t>2016-01-07</a:t>
+              <a:t>2016-01-11</a:t>
             </a:fld>
             <a:endParaRPr lang="nl-BE"/>
           </a:p>
@@ -1660,7 +2105,7 @@
     </p:spTree>
     <p:extLst>
       <p:ext uri="{BB962C8B-B14F-4D97-AF65-F5344CB8AC3E}">
-        <p14:creationId xmlns:p14="http://schemas.microsoft.com/office/powerpoint/2010/main" val="2120599088"/>
+        <p14:creationId xmlns:p14="http://schemas.microsoft.com/office/powerpoint/2010/main" val="1156070860"/>
       </p:ext>
     </p:extLst>
   </p:cSld>
@@ -1706,7 +2151,7 @@
               <a:rPr lang="en-US" smtClean="0"/>
               <a:t>Click to edit Master title style</a:t>
             </a:r>
-            <a:endParaRPr lang="nl-BE"/>
+            <a:endParaRPr lang="en-US" dirty="0"/>
           </a:p>
         </p:txBody>
       </p:sp>
@@ -1725,9 +2170,9 @@
           <a:bodyPr/>
           <a:lstStyle/>
           <a:p>
-            <a:fld id="{49E0527D-8735-4361-921A-98B851A66E9E}" type="datetimeFigureOut">
+            <a:fld id="{909B9ED4-0FB0-4E91-9713-CF8AFB422703}" type="datetime1">
               <a:rPr lang="nl-BE" smtClean="0"/>
-              <a:t>2016-01-07</a:t>
+              <a:t>2016-01-11</a:t>
             </a:fld>
             <a:endParaRPr lang="nl-BE"/>
           </a:p>
@@ -1778,7 +2223,7 @@
     </p:spTree>
     <p:extLst>
       <p:ext uri="{BB962C8B-B14F-4D97-AF65-F5344CB8AC3E}">
-        <p14:creationId xmlns:p14="http://schemas.microsoft.com/office/powerpoint/2010/main" val="3230867648"/>
+        <p14:creationId xmlns:p14="http://schemas.microsoft.com/office/powerpoint/2010/main" val="2898090611"/>
       </p:ext>
     </p:extLst>
   </p:cSld>
@@ -1820,9 +2265,9 @@
           <a:bodyPr/>
           <a:lstStyle/>
           <a:p>
-            <a:fld id="{49E0527D-8735-4361-921A-98B851A66E9E}" type="datetimeFigureOut">
+            <a:fld id="{C362DD12-1484-42BC-AC34-54C77652C51D}" type="datetime1">
               <a:rPr lang="nl-BE" smtClean="0"/>
-              <a:t>2016-01-07</a:t>
+              <a:t>2016-01-11</a:t>
             </a:fld>
             <a:endParaRPr lang="nl-BE"/>
           </a:p>
@@ -1873,7 +2318,7 @@
     </p:spTree>
     <p:extLst>
       <p:ext uri="{BB962C8B-B14F-4D97-AF65-F5344CB8AC3E}">
-        <p14:creationId xmlns:p14="http://schemas.microsoft.com/office/powerpoint/2010/main" val="428955431"/>
+        <p14:creationId xmlns:p14="http://schemas.microsoft.com/office/powerpoint/2010/main" val="1615121047"/>
       </p:ext>
     </p:extLst>
   </p:cSld>
@@ -1912,8 +2357,8 @@
         </p:nvSpPr>
         <p:spPr>
           <a:xfrm>
-            <a:off x="839788" y="457200"/>
-            <a:ext cx="3932237" cy="1600200"/>
+            <a:off x="629841" y="457200"/>
+            <a:ext cx="2949178" cy="1600200"/>
           </a:xfrm>
         </p:spPr>
         <p:txBody>
@@ -1928,7 +2373,7 @@
               <a:rPr lang="en-US" smtClean="0"/>
               <a:t>Click to edit Master title style</a:t>
             </a:r>
-            <a:endParaRPr lang="nl-BE"/>
+            <a:endParaRPr lang="en-US" dirty="0"/>
           </a:p>
         </p:txBody>
       </p:sp>
@@ -1944,8 +2389,8 @@
         </p:nvSpPr>
         <p:spPr>
           <a:xfrm>
-            <a:off x="5183188" y="987425"/>
-            <a:ext cx="6172200" cy="4873625"/>
+            <a:off x="3887391" y="987426"/>
+            <a:ext cx="4629150" cy="4873625"/>
           </a:xfrm>
         </p:spPr>
         <p:txBody>
@@ -2013,7 +2458,7 @@
               <a:rPr lang="en-US" smtClean="0"/>
               <a:t>Fifth level</a:t>
             </a:r>
-            <a:endParaRPr lang="nl-BE"/>
+            <a:endParaRPr lang="en-US" dirty="0"/>
           </a:p>
         </p:txBody>
       </p:sp>
@@ -2029,8 +2474,8 @@
         </p:nvSpPr>
         <p:spPr>
           <a:xfrm>
-            <a:off x="839788" y="2057400"/>
-            <a:ext cx="3932237" cy="3811588"/>
+            <a:off x="629841" y="2057400"/>
+            <a:ext cx="2949178" cy="3811588"/>
           </a:xfrm>
         </p:spPr>
         <p:txBody>
@@ -2097,9 +2542,9 @@
           <a:bodyPr/>
           <a:lstStyle/>
           <a:p>
-            <a:fld id="{49E0527D-8735-4361-921A-98B851A66E9E}" type="datetimeFigureOut">
+            <a:fld id="{2D287371-76E5-493E-8E6D-41AE773DECA9}" type="datetime1">
               <a:rPr lang="nl-BE" smtClean="0"/>
-              <a:t>2016-01-07</a:t>
+              <a:t>2016-01-11</a:t>
             </a:fld>
             <a:endParaRPr lang="nl-BE"/>
           </a:p>
@@ -2150,7 +2595,7 @@
     </p:spTree>
     <p:extLst>
       <p:ext uri="{BB962C8B-B14F-4D97-AF65-F5344CB8AC3E}">
-        <p14:creationId xmlns:p14="http://schemas.microsoft.com/office/powerpoint/2010/main" val="4270011069"/>
+        <p14:creationId xmlns:p14="http://schemas.microsoft.com/office/powerpoint/2010/main" val="2769360355"/>
       </p:ext>
     </p:extLst>
   </p:cSld>
@@ -2189,8 +2634,8 @@
         </p:nvSpPr>
         <p:spPr>
           <a:xfrm>
-            <a:off x="839788" y="457200"/>
-            <a:ext cx="3932237" cy="1600200"/>
+            <a:off x="629841" y="457200"/>
+            <a:ext cx="2949178" cy="1600200"/>
           </a:xfrm>
         </p:spPr>
         <p:txBody>
@@ -2205,7 +2650,7 @@
               <a:rPr lang="en-US" smtClean="0"/>
               <a:t>Click to edit Master title style</a:t>
             </a:r>
-            <a:endParaRPr lang="nl-BE"/>
+            <a:endParaRPr lang="en-US" dirty="0"/>
           </a:p>
         </p:txBody>
       </p:sp>
@@ -2213,7 +2658,7 @@
         <p:nvSpPr>
           <p:cNvPr id="3" name="Picture Placeholder 2"/>
           <p:cNvSpPr>
-            <a:spLocks noGrp="1"/>
+            <a:spLocks noGrp="1" noChangeAspect="1"/>
           </p:cNvSpPr>
           <p:nvPr>
             <p:ph type="pic" idx="1"/>
@@ -2221,12 +2666,12 @@
         </p:nvSpPr>
         <p:spPr>
           <a:xfrm>
-            <a:off x="5183188" y="987425"/>
-            <a:ext cx="6172200" cy="4873625"/>
+            <a:off x="3887391" y="987426"/>
+            <a:ext cx="4629150" cy="4873625"/>
           </a:xfrm>
         </p:spPr>
         <p:txBody>
-          <a:bodyPr/>
+          <a:bodyPr anchor="t"/>
           <a:lstStyle>
             <a:lvl1pPr marL="0" indent="0">
               <a:buNone/>
@@ -2266,7 +2711,11 @@
             </a:lvl9pPr>
           </a:lstStyle>
           <a:p>
-            <a:endParaRPr lang="nl-BE"/>
+            <a:r>
+              <a:rPr lang="en-US" smtClean="0"/>
+              <a:t>Click icon to add picture</a:t>
+            </a:r>
+            <a:endParaRPr lang="en-US" dirty="0"/>
           </a:p>
         </p:txBody>
       </p:sp>
@@ -2282,8 +2731,8 @@
         </p:nvSpPr>
         <p:spPr>
           <a:xfrm>
-            <a:off x="839788" y="2057400"/>
-            <a:ext cx="3932237" cy="3811588"/>
+            <a:off x="629841" y="2057400"/>
+            <a:ext cx="2949178" cy="3811588"/>
           </a:xfrm>
         </p:spPr>
         <p:txBody>
@@ -2350,9 +2799,9 @@
           <a:bodyPr/>
           <a:lstStyle/>
           <a:p>
-            <a:fld id="{49E0527D-8735-4361-921A-98B851A66E9E}" type="datetimeFigureOut">
+            <a:fld id="{B1E0782B-8E35-4BFF-A594-A2C221F4E786}" type="datetime1">
               <a:rPr lang="nl-BE" smtClean="0"/>
-              <a:t>2016-01-07</a:t>
+              <a:t>2016-01-11</a:t>
             </a:fld>
             <a:endParaRPr lang="nl-BE"/>
           </a:p>
@@ -2403,7 +2852,7 @@
     </p:spTree>
     <p:extLst>
       <p:ext uri="{BB962C8B-B14F-4D97-AF65-F5344CB8AC3E}">
-        <p14:creationId xmlns:p14="http://schemas.microsoft.com/office/powerpoint/2010/main" val="3077911693"/>
+        <p14:creationId xmlns:p14="http://schemas.microsoft.com/office/powerpoint/2010/main" val="1890076810"/>
       </p:ext>
     </p:extLst>
   </p:cSld>
@@ -2447,8 +2896,8 @@
         </p:nvSpPr>
         <p:spPr>
           <a:xfrm>
-            <a:off x="838200" y="365125"/>
-            <a:ext cx="10515600" cy="1325563"/>
+            <a:off x="628650" y="365126"/>
+            <a:ext cx="7886700" cy="1325563"/>
           </a:xfrm>
           <a:prstGeom prst="rect">
             <a:avLst/>
@@ -2464,7 +2913,7 @@
               <a:rPr lang="en-US" smtClean="0"/>
               <a:t>Click to edit Master title style</a:t>
             </a:r>
-            <a:endParaRPr lang="nl-BE"/>
+            <a:endParaRPr lang="en-US" dirty="0"/>
           </a:p>
         </p:txBody>
       </p:sp>
@@ -2480,8 +2929,8 @@
         </p:nvSpPr>
         <p:spPr>
           <a:xfrm>
-            <a:off x="838200" y="1825625"/>
-            <a:ext cx="10515600" cy="4351338"/>
+            <a:off x="628650" y="1825625"/>
+            <a:ext cx="7886700" cy="4351338"/>
           </a:xfrm>
           <a:prstGeom prst="rect">
             <a:avLst/>
@@ -2526,7 +2975,7 @@
               <a:rPr lang="en-US" smtClean="0"/>
               <a:t>Fifth level</a:t>
             </a:r>
-            <a:endParaRPr lang="nl-BE"/>
+            <a:endParaRPr lang="en-US" dirty="0"/>
           </a:p>
         </p:txBody>
       </p:sp>
@@ -2542,8 +2991,8 @@
         </p:nvSpPr>
         <p:spPr>
           <a:xfrm>
-            <a:off x="838200" y="6356350"/>
-            <a:ext cx="2743200" cy="365125"/>
+            <a:off x="628650" y="6356351"/>
+            <a:ext cx="2057400" cy="365125"/>
           </a:xfrm>
           <a:prstGeom prst="rect">
             <a:avLst/>
@@ -2563,9 +3012,9 @@
             </a:lvl1pPr>
           </a:lstStyle>
           <a:p>
-            <a:fld id="{49E0527D-8735-4361-921A-98B851A66E9E}" type="datetimeFigureOut">
+            <a:fld id="{121B80C9-C09F-4ACE-B296-5791D63C3E98}" type="datetime1">
               <a:rPr lang="nl-BE" smtClean="0"/>
-              <a:t>2016-01-07</a:t>
+              <a:t>2016-01-11</a:t>
             </a:fld>
             <a:endParaRPr lang="nl-BE"/>
           </a:p>
@@ -2583,8 +3032,8 @@
         </p:nvSpPr>
         <p:spPr>
           <a:xfrm>
-            <a:off x="4038600" y="6356350"/>
-            <a:ext cx="4114800" cy="365125"/>
+            <a:off x="3028950" y="6356351"/>
+            <a:ext cx="3086100" cy="365125"/>
           </a:xfrm>
           <a:prstGeom prst="rect">
             <a:avLst/>
@@ -2620,8 +3069,8 @@
         </p:nvSpPr>
         <p:spPr>
           <a:xfrm>
-            <a:off x="8610600" y="6356350"/>
-            <a:ext cx="2743200" cy="365125"/>
+            <a:off x="6457950" y="6356351"/>
+            <a:ext cx="2057400" cy="365125"/>
           </a:xfrm>
           <a:prstGeom prst="rect">
             <a:avLst/>
@@ -2652,24 +3101,25 @@
     </p:spTree>
     <p:extLst>
       <p:ext uri="{BB962C8B-B14F-4D97-AF65-F5344CB8AC3E}">
-        <p14:creationId xmlns:p14="http://schemas.microsoft.com/office/powerpoint/2010/main" val="214476947"/>
+        <p14:creationId xmlns:p14="http://schemas.microsoft.com/office/powerpoint/2010/main" val="2173136555"/>
       </p:ext>
     </p:extLst>
   </p:cSld>
   <p:clrMap bg1="lt1" tx1="dk1" bg2="lt2" tx2="dk2" accent1="accent1" accent2="accent2" accent3="accent3" accent4="accent4" accent5="accent5" accent6="accent6" hlink="hlink" folHlink="folHlink"/>
   <p:sldLayoutIdLst>
-    <p:sldLayoutId id="2147483649" r:id="rId1"/>
-    <p:sldLayoutId id="2147483650" r:id="rId2"/>
-    <p:sldLayoutId id="2147483651" r:id="rId3"/>
-    <p:sldLayoutId id="2147483652" r:id="rId4"/>
-    <p:sldLayoutId id="2147483653" r:id="rId5"/>
-    <p:sldLayoutId id="2147483654" r:id="rId6"/>
-    <p:sldLayoutId id="2147483655" r:id="rId7"/>
-    <p:sldLayoutId id="2147483656" r:id="rId8"/>
-    <p:sldLayoutId id="2147483657" r:id="rId9"/>
-    <p:sldLayoutId id="2147483658" r:id="rId10"/>
-    <p:sldLayoutId id="2147483659" r:id="rId11"/>
+    <p:sldLayoutId id="2147483661" r:id="rId1"/>
+    <p:sldLayoutId id="2147483662" r:id="rId2"/>
+    <p:sldLayoutId id="2147483663" r:id="rId3"/>
+    <p:sldLayoutId id="2147483664" r:id="rId4"/>
+    <p:sldLayoutId id="2147483665" r:id="rId5"/>
+    <p:sldLayoutId id="2147483666" r:id="rId6"/>
+    <p:sldLayoutId id="2147483667" r:id="rId7"/>
+    <p:sldLayoutId id="2147483668" r:id="rId8"/>
+    <p:sldLayoutId id="2147483669" r:id="rId9"/>
+    <p:sldLayoutId id="2147483670" r:id="rId10"/>
+    <p:sldLayoutId id="2147483671" r:id="rId11"/>
   </p:sldLayoutIdLst>
+  <p:hf hdr="0" ftr="0" dt="0"/>
   <p:txStyles>
     <p:titleStyle>
       <a:lvl1pPr algn="l" defTabSz="914400" rtl="0" eaLnBrk="1" latinLnBrk="0" hangingPunct="1">
@@ -2856,7 +3306,7 @@
     </p:bodyStyle>
     <p:otherStyle>
       <a:defPPr>
-        <a:defRPr lang="nl-BE"/>
+        <a:defRPr lang="en-US"/>
       </a:defPPr>
       <a:lvl1pPr marL="0" algn="l" defTabSz="914400" rtl="0" eaLnBrk="1" latinLnBrk="0" hangingPunct="1">
         <a:defRPr sz="1800" kern="1200">
@@ -3054,6 +3504,1776 @@
   <p:clrMapOvr>
     <a:masterClrMapping/>
   </p:clrMapOvr>
+  <p:timing>
+    <p:tnLst>
+      <p:par>
+        <p:cTn id="1" dur="indefinite" restart="never" nodeType="tmRoot"/>
+      </p:par>
+    </p:tnLst>
+  </p:timing>
+</p:sld>
+</file>
+
+<file path=ppt/slides/slide10.xml><?xml version="1.0" encoding="utf-8"?>
+<p:sld xmlns:a="http://schemas.openxmlformats.org/drawingml/2006/main" xmlns:r="http://schemas.openxmlformats.org/officeDocument/2006/relationships" xmlns:p="http://schemas.openxmlformats.org/presentationml/2006/main">
+  <p:cSld>
+    <p:spTree>
+      <p:nvGrpSpPr>
+        <p:cNvPr id="1" name=""/>
+        <p:cNvGrpSpPr/>
+        <p:nvPr/>
+      </p:nvGrpSpPr>
+      <p:grpSpPr>
+        <a:xfrm>
+          <a:off x="0" y="0"/>
+          <a:ext cx="0" cy="0"/>
+          <a:chOff x="0" y="0"/>
+          <a:chExt cx="0" cy="0"/>
+        </a:xfrm>
+      </p:grpSpPr>
+      <p:sp>
+        <p:nvSpPr>
+          <p:cNvPr id="2" name="Title 1"/>
+          <p:cNvSpPr>
+            <a:spLocks noGrp="1"/>
+          </p:cNvSpPr>
+          <p:nvPr>
+            <p:ph type="title"/>
+          </p:nvPr>
+        </p:nvSpPr>
+        <p:spPr/>
+        <p:txBody>
+          <a:bodyPr/>
+          <a:lstStyle/>
+          <a:p>
+            <a:r>
+              <a:rPr lang="en-US" dirty="0" smtClean="0"/>
+              <a:t>Identical environments</a:t>
+            </a:r>
+            <a:endParaRPr lang="nl-BE" dirty="0"/>
+          </a:p>
+        </p:txBody>
+      </p:sp>
+      <p:sp>
+        <p:nvSpPr>
+          <p:cNvPr id="3" name="Content Placeholder 2"/>
+          <p:cNvSpPr>
+            <a:spLocks noGrp="1"/>
+          </p:cNvSpPr>
+          <p:nvPr>
+            <p:ph idx="1"/>
+          </p:nvPr>
+        </p:nvSpPr>
+        <p:spPr/>
+        <p:txBody>
+          <a:bodyPr/>
+          <a:lstStyle/>
+          <a:p>
+            <a:r>
+              <a:rPr lang="en-US" dirty="0" smtClean="0"/>
+              <a:t>Reproducibility!</a:t>
+            </a:r>
+          </a:p>
+          <a:p>
+            <a:r>
+              <a:rPr lang="en-US" dirty="0" smtClean="0"/>
+              <a:t>Create package list</a:t>
+            </a:r>
+          </a:p>
+          <a:p>
+            <a:endParaRPr lang="en-US" dirty="0"/>
+          </a:p>
+          <a:p>
+            <a:endParaRPr lang="en-US" dirty="0" smtClean="0"/>
+          </a:p>
+          <a:p>
+            <a:r>
+              <a:rPr lang="en-US" dirty="0" smtClean="0"/>
+              <a:t>Recreate environment</a:t>
+            </a:r>
+          </a:p>
+        </p:txBody>
+      </p:sp>
+      <p:sp>
+        <p:nvSpPr>
+          <p:cNvPr id="4" name="TextBox 3"/>
+          <p:cNvSpPr txBox="1"/>
+          <p:nvPr/>
+        </p:nvSpPr>
+        <p:spPr>
+          <a:xfrm>
+            <a:off x="55331" y="2840988"/>
+            <a:ext cx="8941186" cy="646331"/>
+          </a:xfrm>
+          <a:prstGeom prst="rect">
+            <a:avLst/>
+          </a:prstGeom>
+          <a:solidFill>
+            <a:schemeClr val="accent1">
+              <a:lumMod val="20000"/>
+              <a:lumOff val="80000"/>
+            </a:schemeClr>
+          </a:solidFill>
+          <a:ln>
+            <a:solidFill>
+              <a:schemeClr val="tx1"/>
+            </a:solidFill>
+          </a:ln>
+        </p:spPr>
+        <p:txBody>
+          <a:bodyPr wrap="square" rtlCol="0">
+            <a:spAutoFit/>
+          </a:bodyPr>
+          <a:lstStyle/>
+          <a:p>
+            <a:r>
+              <a:rPr lang="pt-BR" dirty="0">
+                <a:latin typeface="Courier New" panose="02070309020205020404" pitchFamily="49" charset="0"/>
+                <a:cs typeface="Courier New" panose="02070309020205020404" pitchFamily="49" charset="0"/>
+              </a:rPr>
+              <a:t>$ source activate  R_base</a:t>
+            </a:r>
+            <a:br>
+              <a:rPr lang="pt-BR" dirty="0">
+                <a:latin typeface="Courier New" panose="02070309020205020404" pitchFamily="49" charset="0"/>
+                <a:cs typeface="Courier New" panose="02070309020205020404" pitchFamily="49" charset="0"/>
+              </a:rPr>
+            </a:br>
+            <a:r>
+              <a:rPr lang="pt-BR" dirty="0">
+                <a:latin typeface="Courier New" panose="02070309020205020404" pitchFamily="49" charset="0"/>
+                <a:cs typeface="Courier New" panose="02070309020205020404" pitchFamily="49" charset="0"/>
+              </a:rPr>
+              <a:t>$ conda list  --explicit  &gt;  R_base_spec_file.txt</a:t>
+            </a:r>
+            <a:endParaRPr lang="nl-BE" dirty="0">
+              <a:latin typeface="Courier New" panose="02070309020205020404" pitchFamily="49" charset="0"/>
+              <a:cs typeface="Courier New" panose="02070309020205020404" pitchFamily="49" charset="0"/>
+            </a:endParaRPr>
+          </a:p>
+        </p:txBody>
+      </p:sp>
+      <p:sp>
+        <p:nvSpPr>
+          <p:cNvPr id="5" name="TextBox 4"/>
+          <p:cNvSpPr txBox="1"/>
+          <p:nvPr/>
+        </p:nvSpPr>
+        <p:spPr>
+          <a:xfrm>
+            <a:off x="55331" y="4419065"/>
+            <a:ext cx="8941186" cy="646331"/>
+          </a:xfrm>
+          <a:prstGeom prst="rect">
+            <a:avLst/>
+          </a:prstGeom>
+          <a:solidFill>
+            <a:schemeClr val="accent1">
+              <a:lumMod val="20000"/>
+              <a:lumOff val="80000"/>
+            </a:schemeClr>
+          </a:solidFill>
+          <a:ln>
+            <a:solidFill>
+              <a:schemeClr val="tx1"/>
+            </a:solidFill>
+          </a:ln>
+        </p:spPr>
+        <p:txBody>
+          <a:bodyPr wrap="square" rtlCol="0">
+            <a:spAutoFit/>
+          </a:bodyPr>
+          <a:lstStyle/>
+          <a:p>
+            <a:r>
+              <a:rPr lang="pt-BR" dirty="0">
+                <a:latin typeface="Courier New" panose="02070309020205020404" pitchFamily="49" charset="0"/>
+                <a:cs typeface="Courier New" panose="02070309020205020404" pitchFamily="49" charset="0"/>
+              </a:rPr>
+              <a:t>$ source deactivate</a:t>
+            </a:r>
+            <a:br>
+              <a:rPr lang="pt-BR" dirty="0">
+                <a:latin typeface="Courier New" panose="02070309020205020404" pitchFamily="49" charset="0"/>
+                <a:cs typeface="Courier New" panose="02070309020205020404" pitchFamily="49" charset="0"/>
+              </a:rPr>
+            </a:br>
+            <a:r>
+              <a:rPr lang="pt-BR" dirty="0">
+                <a:latin typeface="Courier New" panose="02070309020205020404" pitchFamily="49" charset="0"/>
+                <a:cs typeface="Courier New" panose="02070309020205020404" pitchFamily="49" charset="0"/>
+              </a:rPr>
+              <a:t>$ conda create  --name R_base_repr  --file R_base_spec_file.txt</a:t>
+            </a:r>
+            <a:endParaRPr lang="nl-BE" dirty="0">
+              <a:latin typeface="Courier New" panose="02070309020205020404" pitchFamily="49" charset="0"/>
+              <a:cs typeface="Courier New" panose="02070309020205020404" pitchFamily="49" charset="0"/>
+            </a:endParaRPr>
+          </a:p>
+        </p:txBody>
+      </p:sp>
+      <p:sp>
+        <p:nvSpPr>
+          <p:cNvPr id="6" name="TextBox 5"/>
+          <p:cNvSpPr txBox="1"/>
+          <p:nvPr/>
+        </p:nvSpPr>
+        <p:spPr>
+          <a:xfrm>
+            <a:off x="953731" y="5496233"/>
+            <a:ext cx="6470489" cy="584775"/>
+          </a:xfrm>
+          <a:prstGeom prst="rect">
+            <a:avLst/>
+          </a:prstGeom>
+          <a:solidFill>
+            <a:schemeClr val="accent2">
+              <a:lumMod val="60000"/>
+              <a:lumOff val="40000"/>
+            </a:schemeClr>
+          </a:solidFill>
+          <a:ln>
+            <a:solidFill>
+              <a:srgbClr val="C00000"/>
+            </a:solidFill>
+          </a:ln>
+        </p:spPr>
+        <p:txBody>
+          <a:bodyPr wrap="none" rtlCol="0">
+            <a:spAutoFit/>
+          </a:bodyPr>
+          <a:lstStyle/>
+          <a:p>
+            <a:r>
+              <a:rPr lang="en-US" sz="3200" dirty="0">
+                <a:solidFill>
+                  <a:srgbClr val="C00000"/>
+                </a:solidFill>
+              </a:rPr>
+              <a:t>Note: may not work across platforms!</a:t>
+            </a:r>
+            <a:endParaRPr lang="nl-BE" sz="3200" dirty="0">
+              <a:solidFill>
+                <a:srgbClr val="C00000"/>
+              </a:solidFill>
+            </a:endParaRPr>
+          </a:p>
+        </p:txBody>
+      </p:sp>
+      <p:sp>
+        <p:nvSpPr>
+          <p:cNvPr id="7" name="Slide Number Placeholder 6"/>
+          <p:cNvSpPr>
+            <a:spLocks noGrp="1"/>
+          </p:cNvSpPr>
+          <p:nvPr>
+            <p:ph type="sldNum" sz="quarter" idx="12"/>
+          </p:nvPr>
+        </p:nvSpPr>
+        <p:spPr/>
+        <p:txBody>
+          <a:bodyPr/>
+          <a:lstStyle/>
+          <a:p>
+            <a:fld id="{A985FA6B-0B33-4DDF-AAD2-6441C501957A}" type="slidenum">
+              <a:rPr lang="nl-BE" smtClean="0"/>
+              <a:t>10</a:t>
+            </a:fld>
+            <a:endParaRPr lang="nl-BE"/>
+          </a:p>
+        </p:txBody>
+      </p:sp>
+    </p:spTree>
+    <p:extLst>
+      <p:ext uri="{BB962C8B-B14F-4D97-AF65-F5344CB8AC3E}">
+        <p14:creationId xmlns:p14="http://schemas.microsoft.com/office/powerpoint/2010/main" val="1765161023"/>
+      </p:ext>
+    </p:extLst>
+  </p:cSld>
+  <p:clrMapOvr>
+    <a:masterClrMapping/>
+  </p:clrMapOvr>
+  <p:timing>
+    <p:tnLst>
+      <p:par>
+        <p:cTn id="1" dur="indefinite" restart="never" nodeType="tmRoot">
+          <p:childTnLst>
+            <p:seq concurrent="1" nextAc="seek">
+              <p:cTn id="2" dur="indefinite" nodeType="mainSeq">
+                <p:childTnLst>
+                  <p:par>
+                    <p:cTn id="3" fill="hold">
+                      <p:stCondLst>
+                        <p:cond delay="indefinite"/>
+                        <p:cond evt="onBegin" delay="0">
+                          <p:tn val="2"/>
+                        </p:cond>
+                      </p:stCondLst>
+                      <p:childTnLst>
+                        <p:par>
+                          <p:cTn id="4" fill="hold">
+                            <p:stCondLst>
+                              <p:cond delay="0"/>
+                            </p:stCondLst>
+                            <p:childTnLst>
+                              <p:par>
+                                <p:cTn id="5" presetID="1" presetClass="entr" presetSubtype="0" fill="hold" grpId="0" nodeType="withEffect">
+                                  <p:stCondLst>
+                                    <p:cond delay="0"/>
+                                  </p:stCondLst>
+                                  <p:childTnLst>
+                                    <p:set>
+                                      <p:cBhvr>
+                                        <p:cTn id="6" dur="1" fill="hold">
+                                          <p:stCondLst>
+                                            <p:cond delay="0"/>
+                                          </p:stCondLst>
+                                        </p:cTn>
+                                        <p:tgtEl>
+                                          <p:spTgt spid="3">
+                                            <p:txEl>
+                                              <p:pRg st="0" end="0"/>
+                                            </p:txEl>
+                                          </p:spTgt>
+                                        </p:tgtEl>
+                                        <p:attrNameLst>
+                                          <p:attrName>style.visibility</p:attrName>
+                                        </p:attrNameLst>
+                                      </p:cBhvr>
+                                      <p:to>
+                                        <p:strVal val="visible"/>
+                                      </p:to>
+                                    </p:set>
+                                  </p:childTnLst>
+                                </p:cTn>
+                              </p:par>
+                            </p:childTnLst>
+                          </p:cTn>
+                        </p:par>
+                      </p:childTnLst>
+                    </p:cTn>
+                  </p:par>
+                  <p:par>
+                    <p:cTn id="7" fill="hold">
+                      <p:stCondLst>
+                        <p:cond delay="indefinite"/>
+                      </p:stCondLst>
+                      <p:childTnLst>
+                        <p:par>
+                          <p:cTn id="8" fill="hold">
+                            <p:stCondLst>
+                              <p:cond delay="0"/>
+                            </p:stCondLst>
+                            <p:childTnLst>
+                              <p:par>
+                                <p:cTn id="9" presetID="1" presetClass="entr" presetSubtype="0" fill="hold" grpId="0" nodeType="clickEffect">
+                                  <p:stCondLst>
+                                    <p:cond delay="0"/>
+                                  </p:stCondLst>
+                                  <p:childTnLst>
+                                    <p:set>
+                                      <p:cBhvr>
+                                        <p:cTn id="10" dur="1" fill="hold">
+                                          <p:stCondLst>
+                                            <p:cond delay="0"/>
+                                          </p:stCondLst>
+                                        </p:cTn>
+                                        <p:tgtEl>
+                                          <p:spTgt spid="3">
+                                            <p:txEl>
+                                              <p:pRg st="1" end="1"/>
+                                            </p:txEl>
+                                          </p:spTgt>
+                                        </p:tgtEl>
+                                        <p:attrNameLst>
+                                          <p:attrName>style.visibility</p:attrName>
+                                        </p:attrNameLst>
+                                      </p:cBhvr>
+                                      <p:to>
+                                        <p:strVal val="visible"/>
+                                      </p:to>
+                                    </p:set>
+                                  </p:childTnLst>
+                                </p:cTn>
+                              </p:par>
+                              <p:par>
+                                <p:cTn id="11" presetID="1" presetClass="entr" presetSubtype="0" fill="hold" grpId="0" nodeType="withEffect">
+                                  <p:stCondLst>
+                                    <p:cond delay="0"/>
+                                  </p:stCondLst>
+                                  <p:childTnLst>
+                                    <p:set>
+                                      <p:cBhvr>
+                                        <p:cTn id="12" dur="1" fill="hold">
+                                          <p:stCondLst>
+                                            <p:cond delay="0"/>
+                                          </p:stCondLst>
+                                        </p:cTn>
+                                        <p:tgtEl>
+                                          <p:spTgt spid="4"/>
+                                        </p:tgtEl>
+                                        <p:attrNameLst>
+                                          <p:attrName>style.visibility</p:attrName>
+                                        </p:attrNameLst>
+                                      </p:cBhvr>
+                                      <p:to>
+                                        <p:strVal val="visible"/>
+                                      </p:to>
+                                    </p:set>
+                                  </p:childTnLst>
+                                </p:cTn>
+                              </p:par>
+                            </p:childTnLst>
+                          </p:cTn>
+                        </p:par>
+                      </p:childTnLst>
+                    </p:cTn>
+                  </p:par>
+                  <p:par>
+                    <p:cTn id="13" fill="hold">
+                      <p:stCondLst>
+                        <p:cond delay="indefinite"/>
+                      </p:stCondLst>
+                      <p:childTnLst>
+                        <p:par>
+                          <p:cTn id="14" fill="hold">
+                            <p:stCondLst>
+                              <p:cond delay="0"/>
+                            </p:stCondLst>
+                            <p:childTnLst>
+                              <p:par>
+                                <p:cTn id="15" presetID="1" presetClass="entr" presetSubtype="0" fill="hold" grpId="0" nodeType="clickEffect">
+                                  <p:stCondLst>
+                                    <p:cond delay="0"/>
+                                  </p:stCondLst>
+                                  <p:childTnLst>
+                                    <p:set>
+                                      <p:cBhvr>
+                                        <p:cTn id="16" dur="1" fill="hold">
+                                          <p:stCondLst>
+                                            <p:cond delay="0"/>
+                                          </p:stCondLst>
+                                        </p:cTn>
+                                        <p:tgtEl>
+                                          <p:spTgt spid="3">
+                                            <p:txEl>
+                                              <p:pRg st="4" end="4"/>
+                                            </p:txEl>
+                                          </p:spTgt>
+                                        </p:tgtEl>
+                                        <p:attrNameLst>
+                                          <p:attrName>style.visibility</p:attrName>
+                                        </p:attrNameLst>
+                                      </p:cBhvr>
+                                      <p:to>
+                                        <p:strVal val="visible"/>
+                                      </p:to>
+                                    </p:set>
+                                  </p:childTnLst>
+                                </p:cTn>
+                              </p:par>
+                              <p:par>
+                                <p:cTn id="17" presetID="1" presetClass="entr" presetSubtype="0" fill="hold" grpId="0" nodeType="withEffect">
+                                  <p:stCondLst>
+                                    <p:cond delay="0"/>
+                                  </p:stCondLst>
+                                  <p:childTnLst>
+                                    <p:set>
+                                      <p:cBhvr>
+                                        <p:cTn id="18" dur="1" fill="hold">
+                                          <p:stCondLst>
+                                            <p:cond delay="0"/>
+                                          </p:stCondLst>
+                                        </p:cTn>
+                                        <p:tgtEl>
+                                          <p:spTgt spid="5"/>
+                                        </p:tgtEl>
+                                        <p:attrNameLst>
+                                          <p:attrName>style.visibility</p:attrName>
+                                        </p:attrNameLst>
+                                      </p:cBhvr>
+                                      <p:to>
+                                        <p:strVal val="visible"/>
+                                      </p:to>
+                                    </p:set>
+                                  </p:childTnLst>
+                                </p:cTn>
+                              </p:par>
+                            </p:childTnLst>
+                          </p:cTn>
+                        </p:par>
+                      </p:childTnLst>
+                    </p:cTn>
+                  </p:par>
+                  <p:par>
+                    <p:cTn id="19" fill="hold">
+                      <p:stCondLst>
+                        <p:cond delay="indefinite"/>
+                      </p:stCondLst>
+                      <p:childTnLst>
+                        <p:par>
+                          <p:cTn id="20" fill="hold">
+                            <p:stCondLst>
+                              <p:cond delay="0"/>
+                            </p:stCondLst>
+                            <p:childTnLst>
+                              <p:par>
+                                <p:cTn id="21" presetID="1" presetClass="entr" presetSubtype="0" fill="hold" grpId="0" nodeType="clickEffect">
+                                  <p:stCondLst>
+                                    <p:cond delay="0"/>
+                                  </p:stCondLst>
+                                  <p:childTnLst>
+                                    <p:set>
+                                      <p:cBhvr>
+                                        <p:cTn id="22" dur="1" fill="hold">
+                                          <p:stCondLst>
+                                            <p:cond delay="0"/>
+                                          </p:stCondLst>
+                                        </p:cTn>
+                                        <p:tgtEl>
+                                          <p:spTgt spid="6"/>
+                                        </p:tgtEl>
+                                        <p:attrNameLst>
+                                          <p:attrName>style.visibility</p:attrName>
+                                        </p:attrNameLst>
+                                      </p:cBhvr>
+                                      <p:to>
+                                        <p:strVal val="visible"/>
+                                      </p:to>
+                                    </p:set>
+                                  </p:childTnLst>
+                                </p:cTn>
+                              </p:par>
+                            </p:childTnLst>
+                          </p:cTn>
+                        </p:par>
+                      </p:childTnLst>
+                    </p:cTn>
+                  </p:par>
+                </p:childTnLst>
+              </p:cTn>
+              <p:prevCondLst>
+                <p:cond evt="onPrev" delay="0">
+                  <p:tgtEl>
+                    <p:sldTgt/>
+                  </p:tgtEl>
+                </p:cond>
+              </p:prevCondLst>
+              <p:nextCondLst>
+                <p:cond evt="onNext" delay="0">
+                  <p:tgtEl>
+                    <p:sldTgt/>
+                  </p:tgtEl>
+                </p:cond>
+              </p:nextCondLst>
+            </p:seq>
+          </p:childTnLst>
+        </p:cTn>
+      </p:par>
+    </p:tnLst>
+    <p:bldLst>
+      <p:bldP spid="3" grpId="0" uiExpand="1" build="p"/>
+      <p:bldP spid="4" grpId="0" animBg="1"/>
+      <p:bldP spid="5" grpId="0" animBg="1"/>
+      <p:bldP spid="6" grpId="0" animBg="1"/>
+    </p:bldLst>
+  </p:timing>
+</p:sld>
+</file>
+
+<file path=ppt/slides/slide11.xml><?xml version="1.0" encoding="utf-8"?>
+<p:sld xmlns:a="http://schemas.openxmlformats.org/drawingml/2006/main" xmlns:r="http://schemas.openxmlformats.org/officeDocument/2006/relationships" xmlns:p="http://schemas.openxmlformats.org/presentationml/2006/main">
+  <p:cSld>
+    <p:spTree>
+      <p:nvGrpSpPr>
+        <p:cNvPr id="1" name=""/>
+        <p:cNvGrpSpPr/>
+        <p:nvPr/>
+      </p:nvGrpSpPr>
+      <p:grpSpPr>
+        <a:xfrm>
+          <a:off x="0" y="0"/>
+          <a:ext cx="0" cy="0"/>
+          <a:chOff x="0" y="0"/>
+          <a:chExt cx="0" cy="0"/>
+        </a:xfrm>
+      </p:grpSpPr>
+      <p:sp>
+        <p:nvSpPr>
+          <p:cNvPr id="2" name="Title 1"/>
+          <p:cNvSpPr>
+            <a:spLocks noGrp="1"/>
+          </p:cNvSpPr>
+          <p:nvPr>
+            <p:ph type="title"/>
+          </p:nvPr>
+        </p:nvSpPr>
+        <p:spPr/>
+        <p:txBody>
+          <a:bodyPr/>
+          <a:lstStyle/>
+          <a:p>
+            <a:r>
+              <a:rPr lang="en-US" dirty="0" err="1" smtClean="0"/>
+              <a:t>Conda</a:t>
+            </a:r>
+            <a:r>
+              <a:rPr lang="en-US" dirty="0" smtClean="0"/>
+              <a:t> online</a:t>
+            </a:r>
+            <a:endParaRPr lang="nl-BE" dirty="0"/>
+          </a:p>
+        </p:txBody>
+      </p:sp>
+      <p:sp>
+        <p:nvSpPr>
+          <p:cNvPr id="3" name="Content Placeholder 2"/>
+          <p:cNvSpPr>
+            <a:spLocks noGrp="1"/>
+          </p:cNvSpPr>
+          <p:nvPr>
+            <p:ph idx="1"/>
+          </p:nvPr>
+        </p:nvSpPr>
+        <p:spPr/>
+        <p:txBody>
+          <a:bodyPr/>
+          <a:lstStyle/>
+          <a:p>
+            <a:r>
+              <a:rPr lang="en-US" dirty="0">
+                <a:hlinkClick r:id="rId2"/>
+              </a:rPr>
+              <a:t>http://anaconda.org</a:t>
+            </a:r>
+            <a:r>
+              <a:rPr lang="en-US" dirty="0" smtClean="0">
+                <a:hlinkClick r:id="rId2"/>
+              </a:rPr>
+              <a:t>/</a:t>
+            </a:r>
+            <a:r>
+              <a:rPr lang="en-US" dirty="0" smtClean="0"/>
+              <a:t>, share</a:t>
+            </a:r>
+          </a:p>
+          <a:p>
+            <a:pPr lvl="1"/>
+            <a:r>
+              <a:rPr lang="en-US" dirty="0" smtClean="0"/>
+              <a:t>Packages</a:t>
+            </a:r>
+          </a:p>
+          <a:p>
+            <a:pPr lvl="1"/>
+            <a:r>
+              <a:rPr lang="en-US" dirty="0" smtClean="0"/>
+              <a:t>Notebooks</a:t>
+            </a:r>
+          </a:p>
+          <a:p>
+            <a:pPr lvl="1"/>
+            <a:r>
+              <a:rPr lang="en-US" dirty="0" smtClean="0"/>
+              <a:t>Environments</a:t>
+            </a:r>
+          </a:p>
+          <a:p>
+            <a:pPr lvl="1"/>
+            <a:endParaRPr lang="en-US" dirty="0"/>
+          </a:p>
+          <a:p>
+            <a:pPr lvl="1"/>
+            <a:endParaRPr lang="en-US" dirty="0" smtClean="0"/>
+          </a:p>
+          <a:p>
+            <a:r>
+              <a:rPr lang="en-US" dirty="0" smtClean="0"/>
+              <a:t>Create and publish own packages</a:t>
+            </a:r>
+            <a:endParaRPr lang="nl-BE" dirty="0"/>
+          </a:p>
+        </p:txBody>
+      </p:sp>
+      <p:sp>
+        <p:nvSpPr>
+          <p:cNvPr id="4" name="Slide Number Placeholder 3"/>
+          <p:cNvSpPr>
+            <a:spLocks noGrp="1"/>
+          </p:cNvSpPr>
+          <p:nvPr>
+            <p:ph type="sldNum" sz="quarter" idx="12"/>
+          </p:nvPr>
+        </p:nvSpPr>
+        <p:spPr/>
+        <p:txBody>
+          <a:bodyPr/>
+          <a:lstStyle/>
+          <a:p>
+            <a:fld id="{A985FA6B-0B33-4DDF-AAD2-6441C501957A}" type="slidenum">
+              <a:rPr lang="nl-BE" smtClean="0"/>
+              <a:t>11</a:t>
+            </a:fld>
+            <a:endParaRPr lang="nl-BE"/>
+          </a:p>
+        </p:txBody>
+      </p:sp>
+      <p:sp>
+        <p:nvSpPr>
+          <p:cNvPr id="5" name="TextBox 4"/>
+          <p:cNvSpPr txBox="1"/>
+          <p:nvPr/>
+        </p:nvSpPr>
+        <p:spPr>
+          <a:xfrm rot="20902755">
+            <a:off x="2638989" y="3257552"/>
+            <a:ext cx="4850880" cy="461665"/>
+          </a:xfrm>
+          <a:prstGeom prst="rect">
+            <a:avLst/>
+          </a:prstGeom>
+          <a:solidFill>
+            <a:schemeClr val="accent2">
+              <a:lumMod val="60000"/>
+              <a:lumOff val="40000"/>
+            </a:schemeClr>
+          </a:solidFill>
+          <a:ln>
+            <a:solidFill>
+              <a:srgbClr val="C00000"/>
+            </a:solidFill>
+          </a:ln>
+        </p:spPr>
+        <p:txBody>
+          <a:bodyPr wrap="none" rtlCol="0">
+            <a:spAutoFit/>
+          </a:bodyPr>
+          <a:lstStyle/>
+          <a:p>
+            <a:r>
+              <a:rPr lang="en-US" sz="2400" dirty="0" smtClean="0">
+                <a:solidFill>
+                  <a:srgbClr val="C00000"/>
+                </a:solidFill>
+              </a:rPr>
+              <a:t>Note: backed by Continuum Analytics</a:t>
+            </a:r>
+            <a:endParaRPr lang="nl-BE" sz="2400" dirty="0">
+              <a:solidFill>
+                <a:srgbClr val="C00000"/>
+              </a:solidFill>
+            </a:endParaRPr>
+          </a:p>
+        </p:txBody>
+      </p:sp>
+      <p:pic>
+        <p:nvPicPr>
+          <p:cNvPr id="1026" name="Picture 2" descr="http://binstar-static-prod.s3.amazonaws.com/latest/img/AnacondaCloud_logo_V_green.png"/>
+          <p:cNvPicPr>
+            <a:picLocks noChangeAspect="1" noChangeArrowheads="1"/>
+          </p:cNvPicPr>
+          <p:nvPr/>
+        </p:nvPicPr>
+        <p:blipFill>
+          <a:blip r:embed="rId3" cstate="print">
+            <a:extLst>
+              <a:ext uri="{28A0092B-C50C-407E-A947-70E740481C1C}">
+                <a14:useLocalDpi xmlns:a14="http://schemas.microsoft.com/office/drawing/2010/main" val="0"/>
+              </a:ext>
+            </a:extLst>
+          </a:blip>
+          <a:srcRect/>
+          <a:stretch>
+            <a:fillRect/>
+          </a:stretch>
+        </p:blipFill>
+        <p:spPr bwMode="auto">
+          <a:xfrm>
+            <a:off x="5495018" y="1172113"/>
+            <a:ext cx="1787525" cy="1216540"/>
+          </a:xfrm>
+          <a:prstGeom prst="rect">
+            <a:avLst/>
+          </a:prstGeom>
+          <a:noFill/>
+          <a:extLst>
+            <a:ext uri="{909E8E84-426E-40DD-AFC4-6F175D3DCCD1}">
+              <a14:hiddenFill xmlns:a14="http://schemas.microsoft.com/office/drawing/2010/main">
+                <a:solidFill>
+                  <a:srgbClr val="FFFFFF"/>
+                </a:solidFill>
+              </a14:hiddenFill>
+            </a:ext>
+          </a:extLst>
+        </p:spPr>
+      </p:pic>
+    </p:spTree>
+    <p:extLst>
+      <p:ext uri="{BB962C8B-B14F-4D97-AF65-F5344CB8AC3E}">
+        <p14:creationId xmlns:p14="http://schemas.microsoft.com/office/powerpoint/2010/main" val="3460590979"/>
+      </p:ext>
+    </p:extLst>
+  </p:cSld>
+  <p:clrMapOvr>
+    <a:masterClrMapping/>
+  </p:clrMapOvr>
+  <p:timing>
+    <p:tnLst>
+      <p:par>
+        <p:cTn id="1" dur="indefinite" restart="never" nodeType="tmRoot">
+          <p:childTnLst>
+            <p:seq concurrent="1" nextAc="seek">
+              <p:cTn id="2" dur="indefinite" nodeType="mainSeq">
+                <p:childTnLst>
+                  <p:par>
+                    <p:cTn id="3" fill="hold">
+                      <p:stCondLst>
+                        <p:cond delay="indefinite"/>
+                        <p:cond evt="onBegin" delay="0">
+                          <p:tn val="2"/>
+                        </p:cond>
+                      </p:stCondLst>
+                      <p:childTnLst>
+                        <p:par>
+                          <p:cTn id="4" fill="hold">
+                            <p:stCondLst>
+                              <p:cond delay="0"/>
+                            </p:stCondLst>
+                            <p:childTnLst>
+                              <p:par>
+                                <p:cTn id="5" presetID="1" presetClass="entr" presetSubtype="0" fill="hold" grpId="0" nodeType="withEffect">
+                                  <p:stCondLst>
+                                    <p:cond delay="0"/>
+                                  </p:stCondLst>
+                                  <p:childTnLst>
+                                    <p:set>
+                                      <p:cBhvr>
+                                        <p:cTn id="6" dur="1" fill="hold">
+                                          <p:stCondLst>
+                                            <p:cond delay="0"/>
+                                          </p:stCondLst>
+                                        </p:cTn>
+                                        <p:tgtEl>
+                                          <p:spTgt spid="3">
+                                            <p:txEl>
+                                              <p:pRg st="0" end="0"/>
+                                            </p:txEl>
+                                          </p:spTgt>
+                                        </p:tgtEl>
+                                        <p:attrNameLst>
+                                          <p:attrName>style.visibility</p:attrName>
+                                        </p:attrNameLst>
+                                      </p:cBhvr>
+                                      <p:to>
+                                        <p:strVal val="visible"/>
+                                      </p:to>
+                                    </p:set>
+                                  </p:childTnLst>
+                                </p:cTn>
+                              </p:par>
+                              <p:par>
+                                <p:cTn id="7" presetID="1" presetClass="entr" presetSubtype="0" fill="hold" grpId="0" nodeType="withEffect">
+                                  <p:stCondLst>
+                                    <p:cond delay="0"/>
+                                  </p:stCondLst>
+                                  <p:childTnLst>
+                                    <p:set>
+                                      <p:cBhvr>
+                                        <p:cTn id="8" dur="1" fill="hold">
+                                          <p:stCondLst>
+                                            <p:cond delay="0"/>
+                                          </p:stCondLst>
+                                        </p:cTn>
+                                        <p:tgtEl>
+                                          <p:spTgt spid="3">
+                                            <p:txEl>
+                                              <p:pRg st="1" end="1"/>
+                                            </p:txEl>
+                                          </p:spTgt>
+                                        </p:tgtEl>
+                                        <p:attrNameLst>
+                                          <p:attrName>style.visibility</p:attrName>
+                                        </p:attrNameLst>
+                                      </p:cBhvr>
+                                      <p:to>
+                                        <p:strVal val="visible"/>
+                                      </p:to>
+                                    </p:set>
+                                  </p:childTnLst>
+                                </p:cTn>
+                              </p:par>
+                              <p:par>
+                                <p:cTn id="9" presetID="1" presetClass="entr" presetSubtype="0" fill="hold" grpId="0" nodeType="withEffect">
+                                  <p:stCondLst>
+                                    <p:cond delay="0"/>
+                                  </p:stCondLst>
+                                  <p:childTnLst>
+                                    <p:set>
+                                      <p:cBhvr>
+                                        <p:cTn id="10" dur="1" fill="hold">
+                                          <p:stCondLst>
+                                            <p:cond delay="0"/>
+                                          </p:stCondLst>
+                                        </p:cTn>
+                                        <p:tgtEl>
+                                          <p:spTgt spid="3">
+                                            <p:txEl>
+                                              <p:pRg st="2" end="2"/>
+                                            </p:txEl>
+                                          </p:spTgt>
+                                        </p:tgtEl>
+                                        <p:attrNameLst>
+                                          <p:attrName>style.visibility</p:attrName>
+                                        </p:attrNameLst>
+                                      </p:cBhvr>
+                                      <p:to>
+                                        <p:strVal val="visible"/>
+                                      </p:to>
+                                    </p:set>
+                                  </p:childTnLst>
+                                </p:cTn>
+                              </p:par>
+                              <p:par>
+                                <p:cTn id="11" presetID="1" presetClass="entr" presetSubtype="0" fill="hold" grpId="0" nodeType="withEffect">
+                                  <p:stCondLst>
+                                    <p:cond delay="0"/>
+                                  </p:stCondLst>
+                                  <p:childTnLst>
+                                    <p:set>
+                                      <p:cBhvr>
+                                        <p:cTn id="12" dur="1" fill="hold">
+                                          <p:stCondLst>
+                                            <p:cond delay="0"/>
+                                          </p:stCondLst>
+                                        </p:cTn>
+                                        <p:tgtEl>
+                                          <p:spTgt spid="3">
+                                            <p:txEl>
+                                              <p:pRg st="3" end="3"/>
+                                            </p:txEl>
+                                          </p:spTgt>
+                                        </p:tgtEl>
+                                        <p:attrNameLst>
+                                          <p:attrName>style.visibility</p:attrName>
+                                        </p:attrNameLst>
+                                      </p:cBhvr>
+                                      <p:to>
+                                        <p:strVal val="visible"/>
+                                      </p:to>
+                                    </p:set>
+                                  </p:childTnLst>
+                                </p:cTn>
+                              </p:par>
+                            </p:childTnLst>
+                          </p:cTn>
+                        </p:par>
+                      </p:childTnLst>
+                    </p:cTn>
+                  </p:par>
+                  <p:par>
+                    <p:cTn id="13" fill="hold">
+                      <p:stCondLst>
+                        <p:cond delay="indefinite"/>
+                      </p:stCondLst>
+                      <p:childTnLst>
+                        <p:par>
+                          <p:cTn id="14" fill="hold">
+                            <p:stCondLst>
+                              <p:cond delay="0"/>
+                            </p:stCondLst>
+                            <p:childTnLst>
+                              <p:par>
+                                <p:cTn id="15" presetID="1" presetClass="entr" presetSubtype="0" fill="hold" grpId="0" nodeType="clickEffect">
+                                  <p:stCondLst>
+                                    <p:cond delay="0"/>
+                                  </p:stCondLst>
+                                  <p:childTnLst>
+                                    <p:set>
+                                      <p:cBhvr>
+                                        <p:cTn id="16" dur="1" fill="hold">
+                                          <p:stCondLst>
+                                            <p:cond delay="0"/>
+                                          </p:stCondLst>
+                                        </p:cTn>
+                                        <p:tgtEl>
+                                          <p:spTgt spid="5"/>
+                                        </p:tgtEl>
+                                        <p:attrNameLst>
+                                          <p:attrName>style.visibility</p:attrName>
+                                        </p:attrNameLst>
+                                      </p:cBhvr>
+                                      <p:to>
+                                        <p:strVal val="visible"/>
+                                      </p:to>
+                                    </p:set>
+                                  </p:childTnLst>
+                                </p:cTn>
+                              </p:par>
+                            </p:childTnLst>
+                          </p:cTn>
+                        </p:par>
+                      </p:childTnLst>
+                    </p:cTn>
+                  </p:par>
+                  <p:par>
+                    <p:cTn id="17" fill="hold">
+                      <p:stCondLst>
+                        <p:cond delay="indefinite"/>
+                      </p:stCondLst>
+                      <p:childTnLst>
+                        <p:par>
+                          <p:cTn id="18" fill="hold">
+                            <p:stCondLst>
+                              <p:cond delay="0"/>
+                            </p:stCondLst>
+                            <p:childTnLst>
+                              <p:par>
+                                <p:cTn id="19" presetID="1" presetClass="entr" presetSubtype="0" fill="hold" grpId="0" nodeType="clickEffect">
+                                  <p:stCondLst>
+                                    <p:cond delay="0"/>
+                                  </p:stCondLst>
+                                  <p:childTnLst>
+                                    <p:set>
+                                      <p:cBhvr>
+                                        <p:cTn id="20" dur="1" fill="hold">
+                                          <p:stCondLst>
+                                            <p:cond delay="0"/>
+                                          </p:stCondLst>
+                                        </p:cTn>
+                                        <p:tgtEl>
+                                          <p:spTgt spid="3">
+                                            <p:txEl>
+                                              <p:pRg st="6" end="6"/>
+                                            </p:txEl>
+                                          </p:spTgt>
+                                        </p:tgtEl>
+                                        <p:attrNameLst>
+                                          <p:attrName>style.visibility</p:attrName>
+                                        </p:attrNameLst>
+                                      </p:cBhvr>
+                                      <p:to>
+                                        <p:strVal val="visible"/>
+                                      </p:to>
+                                    </p:set>
+                                  </p:childTnLst>
+                                </p:cTn>
+                              </p:par>
+                            </p:childTnLst>
+                          </p:cTn>
+                        </p:par>
+                      </p:childTnLst>
+                    </p:cTn>
+                  </p:par>
+                </p:childTnLst>
+              </p:cTn>
+              <p:prevCondLst>
+                <p:cond evt="onPrev" delay="0">
+                  <p:tgtEl>
+                    <p:sldTgt/>
+                  </p:tgtEl>
+                </p:cond>
+              </p:prevCondLst>
+              <p:nextCondLst>
+                <p:cond evt="onNext" delay="0">
+                  <p:tgtEl>
+                    <p:sldTgt/>
+                  </p:tgtEl>
+                </p:cond>
+              </p:nextCondLst>
+            </p:seq>
+          </p:childTnLst>
+        </p:cTn>
+      </p:par>
+    </p:tnLst>
+    <p:bldLst>
+      <p:bldP spid="3" grpId="0" uiExpand="1" build="p"/>
+      <p:bldP spid="5" grpId="0" animBg="1"/>
+    </p:bldLst>
+  </p:timing>
+</p:sld>
+</file>
+
+<file path=ppt/slides/slide12.xml><?xml version="1.0" encoding="utf-8"?>
+<p:sld xmlns:a="http://schemas.openxmlformats.org/drawingml/2006/main" xmlns:r="http://schemas.openxmlformats.org/officeDocument/2006/relationships" xmlns:p="http://schemas.openxmlformats.org/presentationml/2006/main">
+  <p:cSld>
+    <p:spTree>
+      <p:nvGrpSpPr>
+        <p:cNvPr id="1" name=""/>
+        <p:cNvGrpSpPr/>
+        <p:nvPr/>
+      </p:nvGrpSpPr>
+      <p:grpSpPr>
+        <a:xfrm>
+          <a:off x="0" y="0"/>
+          <a:ext cx="0" cy="0"/>
+          <a:chOff x="0" y="0"/>
+          <a:chExt cx="0" cy="0"/>
+        </a:xfrm>
+      </p:grpSpPr>
+      <p:sp>
+        <p:nvSpPr>
+          <p:cNvPr id="2" name="Title 1"/>
+          <p:cNvSpPr>
+            <a:spLocks noGrp="1"/>
+          </p:cNvSpPr>
+          <p:nvPr>
+            <p:ph type="title"/>
+          </p:nvPr>
+        </p:nvSpPr>
+        <p:spPr/>
+        <p:txBody>
+          <a:bodyPr/>
+          <a:lstStyle/>
+          <a:p>
+            <a:r>
+              <a:rPr lang="en-US" dirty="0" smtClean="0"/>
+              <a:t>Conclusion</a:t>
+            </a:r>
+            <a:endParaRPr lang="nl-BE" dirty="0"/>
+          </a:p>
+        </p:txBody>
+      </p:sp>
+      <p:sp>
+        <p:nvSpPr>
+          <p:cNvPr id="3" name="Content Placeholder 2"/>
+          <p:cNvSpPr>
+            <a:spLocks noGrp="1"/>
+          </p:cNvSpPr>
+          <p:nvPr>
+            <p:ph idx="1"/>
+          </p:nvPr>
+        </p:nvSpPr>
+        <p:spPr/>
+        <p:txBody>
+          <a:bodyPr/>
+          <a:lstStyle/>
+          <a:p>
+            <a:r>
+              <a:rPr lang="en-US" dirty="0" err="1" smtClean="0"/>
+              <a:t>Conda</a:t>
+            </a:r>
+            <a:r>
+              <a:rPr lang="en-US" dirty="0" smtClean="0"/>
+              <a:t> is useful!</a:t>
+            </a:r>
+          </a:p>
+          <a:p>
+            <a:pPr lvl="1"/>
+            <a:r>
+              <a:rPr lang="en-US" dirty="0" smtClean="0"/>
+              <a:t>Easily install packages</a:t>
+            </a:r>
+          </a:p>
+          <a:p>
+            <a:pPr lvl="1"/>
+            <a:r>
+              <a:rPr lang="en-US" dirty="0" smtClean="0"/>
+              <a:t>Manage multiple environments</a:t>
+            </a:r>
+          </a:p>
+          <a:p>
+            <a:pPr lvl="1"/>
+            <a:r>
+              <a:rPr lang="en-US" dirty="0" smtClean="0"/>
+              <a:t>Share environment for collaboration</a:t>
+            </a:r>
+          </a:p>
+          <a:p>
+            <a:pPr lvl="1"/>
+            <a:r>
+              <a:rPr lang="en-US" dirty="0" smtClean="0"/>
+              <a:t>Recreate environment for reproducibility</a:t>
+            </a:r>
+          </a:p>
+          <a:p>
+            <a:pPr lvl="1"/>
+            <a:r>
+              <a:rPr lang="en-US" dirty="0" smtClean="0"/>
+              <a:t>Publish new packages</a:t>
+            </a:r>
+          </a:p>
+          <a:p>
+            <a:r>
+              <a:rPr lang="en-US" smtClean="0"/>
+              <a:t>However…</a:t>
+            </a:r>
+            <a:endParaRPr lang="en-US" dirty="0" smtClean="0"/>
+          </a:p>
+          <a:p>
+            <a:pPr lvl="1"/>
+            <a:r>
+              <a:rPr lang="en-US" dirty="0"/>
+              <a:t>M</a:t>
+            </a:r>
+            <a:r>
+              <a:rPr lang="en-US" dirty="0" smtClean="0"/>
+              <a:t>ay </a:t>
+            </a:r>
+            <a:r>
+              <a:rPr lang="en-US" b="1" dirty="0" smtClean="0">
+                <a:solidFill>
+                  <a:srgbClr val="C00000"/>
+                </a:solidFill>
+              </a:rPr>
+              <a:t>not</a:t>
+            </a:r>
+            <a:r>
+              <a:rPr lang="en-US" dirty="0" smtClean="0">
+                <a:solidFill>
+                  <a:srgbClr val="C00000"/>
+                </a:solidFill>
+              </a:rPr>
+              <a:t> </a:t>
+            </a:r>
+            <a:r>
+              <a:rPr lang="en-US" dirty="0" smtClean="0"/>
+              <a:t>be optimized for HPC usage</a:t>
+            </a:r>
+            <a:r>
+              <a:rPr lang="en-US" dirty="0" smtClean="0"/>
+              <a:t>! (No </a:t>
+            </a:r>
+            <a:r>
+              <a:rPr lang="en-US" dirty="0" smtClean="0"/>
+              <a:t>hardware-specific builds for critical </a:t>
+            </a:r>
+            <a:r>
+              <a:rPr lang="en-US" dirty="0" smtClean="0"/>
+              <a:t>libraries, e.g</a:t>
+            </a:r>
+            <a:r>
+              <a:rPr lang="en-US" dirty="0" smtClean="0"/>
+              <a:t>., BLAS, </a:t>
+            </a:r>
+            <a:r>
+              <a:rPr lang="en-US" dirty="0" err="1" smtClean="0"/>
+              <a:t>Lapack</a:t>
+            </a:r>
+            <a:r>
+              <a:rPr lang="en-US" dirty="0" smtClean="0"/>
+              <a:t>)</a:t>
+            </a:r>
+          </a:p>
+          <a:p>
+            <a:pPr lvl="1"/>
+            <a:r>
+              <a:rPr lang="en-US" dirty="0" smtClean="0"/>
+              <a:t>Depends on Continuum Analytics</a:t>
+            </a:r>
+            <a:endParaRPr lang="nl-BE" dirty="0"/>
+          </a:p>
+        </p:txBody>
+      </p:sp>
+      <p:sp>
+        <p:nvSpPr>
+          <p:cNvPr id="4" name="Slide Number Placeholder 3"/>
+          <p:cNvSpPr>
+            <a:spLocks noGrp="1"/>
+          </p:cNvSpPr>
+          <p:nvPr>
+            <p:ph type="sldNum" sz="quarter" idx="12"/>
+          </p:nvPr>
+        </p:nvSpPr>
+        <p:spPr/>
+        <p:txBody>
+          <a:bodyPr/>
+          <a:lstStyle/>
+          <a:p>
+            <a:fld id="{A985FA6B-0B33-4DDF-AAD2-6441C501957A}" type="slidenum">
+              <a:rPr lang="nl-BE" smtClean="0"/>
+              <a:t>12</a:t>
+            </a:fld>
+            <a:endParaRPr lang="nl-BE"/>
+          </a:p>
+        </p:txBody>
+      </p:sp>
+    </p:spTree>
+    <p:extLst>
+      <p:ext uri="{BB962C8B-B14F-4D97-AF65-F5344CB8AC3E}">
+        <p14:creationId xmlns:p14="http://schemas.microsoft.com/office/powerpoint/2010/main" val="1021377149"/>
+      </p:ext>
+    </p:extLst>
+  </p:cSld>
+  <p:clrMapOvr>
+    <a:masterClrMapping/>
+  </p:clrMapOvr>
+  <p:timing>
+    <p:tnLst>
+      <p:par>
+        <p:cTn id="1" dur="indefinite" restart="never" nodeType="tmRoot">
+          <p:childTnLst>
+            <p:seq concurrent="1" nextAc="seek">
+              <p:cTn id="2" dur="indefinite" nodeType="mainSeq">
+                <p:childTnLst>
+                  <p:par>
+                    <p:cTn id="3" fill="hold">
+                      <p:stCondLst>
+                        <p:cond delay="indefinite"/>
+                        <p:cond evt="onBegin" delay="0">
+                          <p:tn val="2"/>
+                        </p:cond>
+                      </p:stCondLst>
+                      <p:childTnLst>
+                        <p:par>
+                          <p:cTn id="4" fill="hold">
+                            <p:stCondLst>
+                              <p:cond delay="0"/>
+                            </p:stCondLst>
+                            <p:childTnLst>
+                              <p:par>
+                                <p:cTn id="5" presetID="1" presetClass="entr" presetSubtype="0" fill="hold" grpId="0" nodeType="withEffect">
+                                  <p:stCondLst>
+                                    <p:cond delay="0"/>
+                                  </p:stCondLst>
+                                  <p:childTnLst>
+                                    <p:set>
+                                      <p:cBhvr>
+                                        <p:cTn id="6" dur="1" fill="hold">
+                                          <p:stCondLst>
+                                            <p:cond delay="0"/>
+                                          </p:stCondLst>
+                                        </p:cTn>
+                                        <p:tgtEl>
+                                          <p:spTgt spid="3">
+                                            <p:txEl>
+                                              <p:pRg st="0" end="0"/>
+                                            </p:txEl>
+                                          </p:spTgt>
+                                        </p:tgtEl>
+                                        <p:attrNameLst>
+                                          <p:attrName>style.visibility</p:attrName>
+                                        </p:attrNameLst>
+                                      </p:cBhvr>
+                                      <p:to>
+                                        <p:strVal val="visible"/>
+                                      </p:to>
+                                    </p:set>
+                                  </p:childTnLst>
+                                </p:cTn>
+                              </p:par>
+                            </p:childTnLst>
+                          </p:cTn>
+                        </p:par>
+                      </p:childTnLst>
+                    </p:cTn>
+                  </p:par>
+                  <p:par>
+                    <p:cTn id="7" fill="hold">
+                      <p:stCondLst>
+                        <p:cond delay="indefinite"/>
+                      </p:stCondLst>
+                      <p:childTnLst>
+                        <p:par>
+                          <p:cTn id="8" fill="hold">
+                            <p:stCondLst>
+                              <p:cond delay="0"/>
+                            </p:stCondLst>
+                            <p:childTnLst>
+                              <p:par>
+                                <p:cTn id="9" presetID="1" presetClass="entr" presetSubtype="0" fill="hold" grpId="0" nodeType="clickEffect">
+                                  <p:stCondLst>
+                                    <p:cond delay="0"/>
+                                  </p:stCondLst>
+                                  <p:childTnLst>
+                                    <p:set>
+                                      <p:cBhvr>
+                                        <p:cTn id="10" dur="1" fill="hold">
+                                          <p:stCondLst>
+                                            <p:cond delay="0"/>
+                                          </p:stCondLst>
+                                        </p:cTn>
+                                        <p:tgtEl>
+                                          <p:spTgt spid="3">
+                                            <p:txEl>
+                                              <p:pRg st="1" end="1"/>
+                                            </p:txEl>
+                                          </p:spTgt>
+                                        </p:tgtEl>
+                                        <p:attrNameLst>
+                                          <p:attrName>style.visibility</p:attrName>
+                                        </p:attrNameLst>
+                                      </p:cBhvr>
+                                      <p:to>
+                                        <p:strVal val="visible"/>
+                                      </p:to>
+                                    </p:set>
+                                  </p:childTnLst>
+                                </p:cTn>
+                              </p:par>
+                            </p:childTnLst>
+                          </p:cTn>
+                        </p:par>
+                      </p:childTnLst>
+                    </p:cTn>
+                  </p:par>
+                  <p:par>
+                    <p:cTn id="11" fill="hold">
+                      <p:stCondLst>
+                        <p:cond delay="indefinite"/>
+                      </p:stCondLst>
+                      <p:childTnLst>
+                        <p:par>
+                          <p:cTn id="12" fill="hold">
+                            <p:stCondLst>
+                              <p:cond delay="0"/>
+                            </p:stCondLst>
+                            <p:childTnLst>
+                              <p:par>
+                                <p:cTn id="13" presetID="1" presetClass="entr" presetSubtype="0" fill="hold" grpId="0" nodeType="clickEffect">
+                                  <p:stCondLst>
+                                    <p:cond delay="0"/>
+                                  </p:stCondLst>
+                                  <p:childTnLst>
+                                    <p:set>
+                                      <p:cBhvr>
+                                        <p:cTn id="14" dur="1" fill="hold">
+                                          <p:stCondLst>
+                                            <p:cond delay="0"/>
+                                          </p:stCondLst>
+                                        </p:cTn>
+                                        <p:tgtEl>
+                                          <p:spTgt spid="3">
+                                            <p:txEl>
+                                              <p:pRg st="2" end="2"/>
+                                            </p:txEl>
+                                          </p:spTgt>
+                                        </p:tgtEl>
+                                        <p:attrNameLst>
+                                          <p:attrName>style.visibility</p:attrName>
+                                        </p:attrNameLst>
+                                      </p:cBhvr>
+                                      <p:to>
+                                        <p:strVal val="visible"/>
+                                      </p:to>
+                                    </p:set>
+                                  </p:childTnLst>
+                                </p:cTn>
+                              </p:par>
+                            </p:childTnLst>
+                          </p:cTn>
+                        </p:par>
+                      </p:childTnLst>
+                    </p:cTn>
+                  </p:par>
+                  <p:par>
+                    <p:cTn id="15" fill="hold">
+                      <p:stCondLst>
+                        <p:cond delay="indefinite"/>
+                      </p:stCondLst>
+                      <p:childTnLst>
+                        <p:par>
+                          <p:cTn id="16" fill="hold">
+                            <p:stCondLst>
+                              <p:cond delay="0"/>
+                            </p:stCondLst>
+                            <p:childTnLst>
+                              <p:par>
+                                <p:cTn id="17" presetID="1" presetClass="entr" presetSubtype="0" fill="hold" grpId="0" nodeType="clickEffect">
+                                  <p:stCondLst>
+                                    <p:cond delay="0"/>
+                                  </p:stCondLst>
+                                  <p:childTnLst>
+                                    <p:set>
+                                      <p:cBhvr>
+                                        <p:cTn id="18" dur="1" fill="hold">
+                                          <p:stCondLst>
+                                            <p:cond delay="0"/>
+                                          </p:stCondLst>
+                                        </p:cTn>
+                                        <p:tgtEl>
+                                          <p:spTgt spid="3">
+                                            <p:txEl>
+                                              <p:pRg st="3" end="3"/>
+                                            </p:txEl>
+                                          </p:spTgt>
+                                        </p:tgtEl>
+                                        <p:attrNameLst>
+                                          <p:attrName>style.visibility</p:attrName>
+                                        </p:attrNameLst>
+                                      </p:cBhvr>
+                                      <p:to>
+                                        <p:strVal val="visible"/>
+                                      </p:to>
+                                    </p:set>
+                                  </p:childTnLst>
+                                </p:cTn>
+                              </p:par>
+                            </p:childTnLst>
+                          </p:cTn>
+                        </p:par>
+                      </p:childTnLst>
+                    </p:cTn>
+                  </p:par>
+                  <p:par>
+                    <p:cTn id="19" fill="hold">
+                      <p:stCondLst>
+                        <p:cond delay="indefinite"/>
+                      </p:stCondLst>
+                      <p:childTnLst>
+                        <p:par>
+                          <p:cTn id="20" fill="hold">
+                            <p:stCondLst>
+                              <p:cond delay="0"/>
+                            </p:stCondLst>
+                            <p:childTnLst>
+                              <p:par>
+                                <p:cTn id="21" presetID="1" presetClass="entr" presetSubtype="0" fill="hold" grpId="0" nodeType="clickEffect">
+                                  <p:stCondLst>
+                                    <p:cond delay="0"/>
+                                  </p:stCondLst>
+                                  <p:childTnLst>
+                                    <p:set>
+                                      <p:cBhvr>
+                                        <p:cTn id="22" dur="1" fill="hold">
+                                          <p:stCondLst>
+                                            <p:cond delay="0"/>
+                                          </p:stCondLst>
+                                        </p:cTn>
+                                        <p:tgtEl>
+                                          <p:spTgt spid="3">
+                                            <p:txEl>
+                                              <p:pRg st="4" end="4"/>
+                                            </p:txEl>
+                                          </p:spTgt>
+                                        </p:tgtEl>
+                                        <p:attrNameLst>
+                                          <p:attrName>style.visibility</p:attrName>
+                                        </p:attrNameLst>
+                                      </p:cBhvr>
+                                      <p:to>
+                                        <p:strVal val="visible"/>
+                                      </p:to>
+                                    </p:set>
+                                  </p:childTnLst>
+                                </p:cTn>
+                              </p:par>
+                            </p:childTnLst>
+                          </p:cTn>
+                        </p:par>
+                      </p:childTnLst>
+                    </p:cTn>
+                  </p:par>
+                  <p:par>
+                    <p:cTn id="23" fill="hold">
+                      <p:stCondLst>
+                        <p:cond delay="indefinite"/>
+                      </p:stCondLst>
+                      <p:childTnLst>
+                        <p:par>
+                          <p:cTn id="24" fill="hold">
+                            <p:stCondLst>
+                              <p:cond delay="0"/>
+                            </p:stCondLst>
+                            <p:childTnLst>
+                              <p:par>
+                                <p:cTn id="25" presetID="1" presetClass="entr" presetSubtype="0" fill="hold" grpId="0" nodeType="clickEffect">
+                                  <p:stCondLst>
+                                    <p:cond delay="0"/>
+                                  </p:stCondLst>
+                                  <p:childTnLst>
+                                    <p:set>
+                                      <p:cBhvr>
+                                        <p:cTn id="26" dur="1" fill="hold">
+                                          <p:stCondLst>
+                                            <p:cond delay="0"/>
+                                          </p:stCondLst>
+                                        </p:cTn>
+                                        <p:tgtEl>
+                                          <p:spTgt spid="3">
+                                            <p:txEl>
+                                              <p:pRg st="5" end="5"/>
+                                            </p:txEl>
+                                          </p:spTgt>
+                                        </p:tgtEl>
+                                        <p:attrNameLst>
+                                          <p:attrName>style.visibility</p:attrName>
+                                        </p:attrNameLst>
+                                      </p:cBhvr>
+                                      <p:to>
+                                        <p:strVal val="visible"/>
+                                      </p:to>
+                                    </p:set>
+                                  </p:childTnLst>
+                                </p:cTn>
+                              </p:par>
+                            </p:childTnLst>
+                          </p:cTn>
+                        </p:par>
+                      </p:childTnLst>
+                    </p:cTn>
+                  </p:par>
+                  <p:par>
+                    <p:cTn id="27" fill="hold">
+                      <p:stCondLst>
+                        <p:cond delay="indefinite"/>
+                      </p:stCondLst>
+                      <p:childTnLst>
+                        <p:par>
+                          <p:cTn id="28" fill="hold">
+                            <p:stCondLst>
+                              <p:cond delay="0"/>
+                            </p:stCondLst>
+                            <p:childTnLst>
+                              <p:par>
+                                <p:cTn id="29" presetID="1" presetClass="entr" presetSubtype="0" fill="hold" grpId="0" nodeType="clickEffect">
+                                  <p:stCondLst>
+                                    <p:cond delay="0"/>
+                                  </p:stCondLst>
+                                  <p:childTnLst>
+                                    <p:set>
+                                      <p:cBhvr>
+                                        <p:cTn id="30" dur="1" fill="hold">
+                                          <p:stCondLst>
+                                            <p:cond delay="0"/>
+                                          </p:stCondLst>
+                                        </p:cTn>
+                                        <p:tgtEl>
+                                          <p:spTgt spid="3">
+                                            <p:txEl>
+                                              <p:pRg st="6" end="6"/>
+                                            </p:txEl>
+                                          </p:spTgt>
+                                        </p:tgtEl>
+                                        <p:attrNameLst>
+                                          <p:attrName>style.visibility</p:attrName>
+                                        </p:attrNameLst>
+                                      </p:cBhvr>
+                                      <p:to>
+                                        <p:strVal val="visible"/>
+                                      </p:to>
+                                    </p:set>
+                                  </p:childTnLst>
+                                </p:cTn>
+                              </p:par>
+                            </p:childTnLst>
+                          </p:cTn>
+                        </p:par>
+                      </p:childTnLst>
+                    </p:cTn>
+                  </p:par>
+                  <p:par>
+                    <p:cTn id="31" fill="hold">
+                      <p:stCondLst>
+                        <p:cond delay="indefinite"/>
+                      </p:stCondLst>
+                      <p:childTnLst>
+                        <p:par>
+                          <p:cTn id="32" fill="hold">
+                            <p:stCondLst>
+                              <p:cond delay="0"/>
+                            </p:stCondLst>
+                            <p:childTnLst>
+                              <p:par>
+                                <p:cTn id="33" presetID="1" presetClass="entr" presetSubtype="0" fill="hold" grpId="0" nodeType="clickEffect">
+                                  <p:stCondLst>
+                                    <p:cond delay="0"/>
+                                  </p:stCondLst>
+                                  <p:childTnLst>
+                                    <p:set>
+                                      <p:cBhvr>
+                                        <p:cTn id="34" dur="1" fill="hold">
+                                          <p:stCondLst>
+                                            <p:cond delay="0"/>
+                                          </p:stCondLst>
+                                        </p:cTn>
+                                        <p:tgtEl>
+                                          <p:spTgt spid="3">
+                                            <p:txEl>
+                                              <p:pRg st="7" end="7"/>
+                                            </p:txEl>
+                                          </p:spTgt>
+                                        </p:tgtEl>
+                                        <p:attrNameLst>
+                                          <p:attrName>style.visibility</p:attrName>
+                                        </p:attrNameLst>
+                                      </p:cBhvr>
+                                      <p:to>
+                                        <p:strVal val="visible"/>
+                                      </p:to>
+                                    </p:set>
+                                  </p:childTnLst>
+                                </p:cTn>
+                              </p:par>
+                            </p:childTnLst>
+                          </p:cTn>
+                        </p:par>
+                      </p:childTnLst>
+                    </p:cTn>
+                  </p:par>
+                  <p:par>
+                    <p:cTn id="35" fill="hold">
+                      <p:stCondLst>
+                        <p:cond delay="indefinite"/>
+                      </p:stCondLst>
+                      <p:childTnLst>
+                        <p:par>
+                          <p:cTn id="36" fill="hold">
+                            <p:stCondLst>
+                              <p:cond delay="0"/>
+                            </p:stCondLst>
+                            <p:childTnLst>
+                              <p:par>
+                                <p:cTn id="37" presetID="1" presetClass="entr" presetSubtype="0" fill="hold" grpId="0" nodeType="clickEffect">
+                                  <p:stCondLst>
+                                    <p:cond delay="0"/>
+                                  </p:stCondLst>
+                                  <p:childTnLst>
+                                    <p:set>
+                                      <p:cBhvr>
+                                        <p:cTn id="38" dur="1" fill="hold">
+                                          <p:stCondLst>
+                                            <p:cond delay="0"/>
+                                          </p:stCondLst>
+                                        </p:cTn>
+                                        <p:tgtEl>
+                                          <p:spTgt spid="3">
+                                            <p:txEl>
+                                              <p:pRg st="8" end="8"/>
+                                            </p:txEl>
+                                          </p:spTgt>
+                                        </p:tgtEl>
+                                        <p:attrNameLst>
+                                          <p:attrName>style.visibility</p:attrName>
+                                        </p:attrNameLst>
+                                      </p:cBhvr>
+                                      <p:to>
+                                        <p:strVal val="visible"/>
+                                      </p:to>
+                                    </p:set>
+                                  </p:childTnLst>
+                                </p:cTn>
+                              </p:par>
+                            </p:childTnLst>
+                          </p:cTn>
+                        </p:par>
+                      </p:childTnLst>
+                    </p:cTn>
+                  </p:par>
+                </p:childTnLst>
+              </p:cTn>
+              <p:prevCondLst>
+                <p:cond evt="onPrev" delay="0">
+                  <p:tgtEl>
+                    <p:sldTgt/>
+                  </p:tgtEl>
+                </p:cond>
+              </p:prevCondLst>
+              <p:nextCondLst>
+                <p:cond evt="onNext" delay="0">
+                  <p:tgtEl>
+                    <p:sldTgt/>
+                  </p:tgtEl>
+                </p:cond>
+              </p:nextCondLst>
+            </p:seq>
+          </p:childTnLst>
+        </p:cTn>
+      </p:par>
+    </p:tnLst>
+    <p:bldLst>
+      <p:bldP spid="3" grpId="0" uiExpand="1" build="p" bldLvl="2"/>
+    </p:bldLst>
+  </p:timing>
 </p:sld>
 </file>
 
@@ -3213,6 +5433,29 @@
           </a:p>
         </p:txBody>
       </p:sp>
+      <p:sp>
+        <p:nvSpPr>
+          <p:cNvPr id="4" name="Slide Number Placeholder 3"/>
+          <p:cNvSpPr>
+            <a:spLocks noGrp="1"/>
+          </p:cNvSpPr>
+          <p:nvPr>
+            <p:ph type="sldNum" sz="quarter" idx="12"/>
+          </p:nvPr>
+        </p:nvSpPr>
+        <p:spPr/>
+        <p:txBody>
+          <a:bodyPr/>
+          <a:lstStyle/>
+          <a:p>
+            <a:fld id="{A985FA6B-0B33-4DDF-AAD2-6441C501957A}" type="slidenum">
+              <a:rPr lang="nl-BE" smtClean="0"/>
+              <a:t>2</a:t>
+            </a:fld>
+            <a:endParaRPr lang="nl-BE"/>
+          </a:p>
+        </p:txBody>
+      </p:sp>
     </p:spTree>
     <p:extLst>
       <p:ext uri="{BB962C8B-B14F-4D97-AF65-F5344CB8AC3E}">
@@ -3223,6 +5466,406 @@
   <p:clrMapOvr>
     <a:masterClrMapping/>
   </p:clrMapOvr>
+  <p:timing>
+    <p:tnLst>
+      <p:par>
+        <p:cTn id="1" dur="indefinite" restart="never" nodeType="tmRoot">
+          <p:childTnLst>
+            <p:seq concurrent="1" nextAc="seek">
+              <p:cTn id="2" dur="indefinite" nodeType="mainSeq">
+                <p:childTnLst>
+                  <p:par>
+                    <p:cTn id="3" fill="hold">
+                      <p:stCondLst>
+                        <p:cond delay="indefinite"/>
+                        <p:cond evt="onBegin" delay="0">
+                          <p:tn val="2"/>
+                        </p:cond>
+                      </p:stCondLst>
+                      <p:childTnLst>
+                        <p:par>
+                          <p:cTn id="4" fill="hold">
+                            <p:stCondLst>
+                              <p:cond delay="0"/>
+                            </p:stCondLst>
+                            <p:childTnLst>
+                              <p:par>
+                                <p:cTn id="5" presetID="1" presetClass="entr" presetSubtype="0" fill="hold" grpId="0" nodeType="withEffect">
+                                  <p:stCondLst>
+                                    <p:cond delay="0"/>
+                                  </p:stCondLst>
+                                  <p:childTnLst>
+                                    <p:set>
+                                      <p:cBhvr>
+                                        <p:cTn id="6" dur="1" fill="hold">
+                                          <p:stCondLst>
+                                            <p:cond delay="0"/>
+                                          </p:stCondLst>
+                                        </p:cTn>
+                                        <p:tgtEl>
+                                          <p:spTgt spid="3">
+                                            <p:txEl>
+                                              <p:pRg st="0" end="0"/>
+                                            </p:txEl>
+                                          </p:spTgt>
+                                        </p:tgtEl>
+                                        <p:attrNameLst>
+                                          <p:attrName>style.visibility</p:attrName>
+                                        </p:attrNameLst>
+                                      </p:cBhvr>
+                                      <p:to>
+                                        <p:strVal val="visible"/>
+                                      </p:to>
+                                    </p:set>
+                                  </p:childTnLst>
+                                </p:cTn>
+                              </p:par>
+                              <p:par>
+                                <p:cTn id="7" presetID="1" presetClass="entr" presetSubtype="0" fill="hold" grpId="0" nodeType="withEffect">
+                                  <p:stCondLst>
+                                    <p:cond delay="0"/>
+                                  </p:stCondLst>
+                                  <p:childTnLst>
+                                    <p:set>
+                                      <p:cBhvr>
+                                        <p:cTn id="8" dur="1" fill="hold">
+                                          <p:stCondLst>
+                                            <p:cond delay="0"/>
+                                          </p:stCondLst>
+                                        </p:cTn>
+                                        <p:tgtEl>
+                                          <p:spTgt spid="3">
+                                            <p:txEl>
+                                              <p:pRg st="1" end="1"/>
+                                            </p:txEl>
+                                          </p:spTgt>
+                                        </p:tgtEl>
+                                        <p:attrNameLst>
+                                          <p:attrName>style.visibility</p:attrName>
+                                        </p:attrNameLst>
+                                      </p:cBhvr>
+                                      <p:to>
+                                        <p:strVal val="visible"/>
+                                      </p:to>
+                                    </p:set>
+                                  </p:childTnLst>
+                                </p:cTn>
+                              </p:par>
+                              <p:par>
+                                <p:cTn id="9" presetID="1" presetClass="entr" presetSubtype="0" fill="hold" grpId="0" nodeType="withEffect">
+                                  <p:stCondLst>
+                                    <p:cond delay="0"/>
+                                  </p:stCondLst>
+                                  <p:childTnLst>
+                                    <p:set>
+                                      <p:cBhvr>
+                                        <p:cTn id="10" dur="1" fill="hold">
+                                          <p:stCondLst>
+                                            <p:cond delay="0"/>
+                                          </p:stCondLst>
+                                        </p:cTn>
+                                        <p:tgtEl>
+                                          <p:spTgt spid="3">
+                                            <p:txEl>
+                                              <p:pRg st="2" end="2"/>
+                                            </p:txEl>
+                                          </p:spTgt>
+                                        </p:tgtEl>
+                                        <p:attrNameLst>
+                                          <p:attrName>style.visibility</p:attrName>
+                                        </p:attrNameLst>
+                                      </p:cBhvr>
+                                      <p:to>
+                                        <p:strVal val="visible"/>
+                                      </p:to>
+                                    </p:set>
+                                  </p:childTnLst>
+                                </p:cTn>
+                              </p:par>
+                            </p:childTnLst>
+                          </p:cTn>
+                        </p:par>
+                      </p:childTnLst>
+                    </p:cTn>
+                  </p:par>
+                  <p:par>
+                    <p:cTn id="11" fill="hold">
+                      <p:stCondLst>
+                        <p:cond delay="indefinite"/>
+                      </p:stCondLst>
+                      <p:childTnLst>
+                        <p:par>
+                          <p:cTn id="12" fill="hold">
+                            <p:stCondLst>
+                              <p:cond delay="0"/>
+                            </p:stCondLst>
+                            <p:childTnLst>
+                              <p:par>
+                                <p:cTn id="13" presetID="1" presetClass="entr" presetSubtype="0" fill="hold" grpId="0" nodeType="clickEffect">
+                                  <p:stCondLst>
+                                    <p:cond delay="0"/>
+                                  </p:stCondLst>
+                                  <p:childTnLst>
+                                    <p:set>
+                                      <p:cBhvr>
+                                        <p:cTn id="14" dur="1" fill="hold">
+                                          <p:stCondLst>
+                                            <p:cond delay="0"/>
+                                          </p:stCondLst>
+                                        </p:cTn>
+                                        <p:tgtEl>
+                                          <p:spTgt spid="3">
+                                            <p:txEl>
+                                              <p:pRg st="3" end="3"/>
+                                            </p:txEl>
+                                          </p:spTgt>
+                                        </p:tgtEl>
+                                        <p:attrNameLst>
+                                          <p:attrName>style.visibility</p:attrName>
+                                        </p:attrNameLst>
+                                      </p:cBhvr>
+                                      <p:to>
+                                        <p:strVal val="visible"/>
+                                      </p:to>
+                                    </p:set>
+                                  </p:childTnLst>
+                                </p:cTn>
+                              </p:par>
+                              <p:par>
+                                <p:cTn id="15" presetID="1" presetClass="entr" presetSubtype="0" fill="hold" grpId="0" nodeType="withEffect">
+                                  <p:stCondLst>
+                                    <p:cond delay="0"/>
+                                  </p:stCondLst>
+                                  <p:childTnLst>
+                                    <p:set>
+                                      <p:cBhvr>
+                                        <p:cTn id="16" dur="1" fill="hold">
+                                          <p:stCondLst>
+                                            <p:cond delay="0"/>
+                                          </p:stCondLst>
+                                        </p:cTn>
+                                        <p:tgtEl>
+                                          <p:spTgt spid="3">
+                                            <p:txEl>
+                                              <p:pRg st="4" end="4"/>
+                                            </p:txEl>
+                                          </p:spTgt>
+                                        </p:tgtEl>
+                                        <p:attrNameLst>
+                                          <p:attrName>style.visibility</p:attrName>
+                                        </p:attrNameLst>
+                                      </p:cBhvr>
+                                      <p:to>
+                                        <p:strVal val="visible"/>
+                                      </p:to>
+                                    </p:set>
+                                  </p:childTnLst>
+                                </p:cTn>
+                              </p:par>
+                              <p:par>
+                                <p:cTn id="17" presetID="1" presetClass="entr" presetSubtype="0" fill="hold" grpId="0" nodeType="withEffect">
+                                  <p:stCondLst>
+                                    <p:cond delay="0"/>
+                                  </p:stCondLst>
+                                  <p:childTnLst>
+                                    <p:set>
+                                      <p:cBhvr>
+                                        <p:cTn id="18" dur="1" fill="hold">
+                                          <p:stCondLst>
+                                            <p:cond delay="0"/>
+                                          </p:stCondLst>
+                                        </p:cTn>
+                                        <p:tgtEl>
+                                          <p:spTgt spid="3">
+                                            <p:txEl>
+                                              <p:pRg st="5" end="5"/>
+                                            </p:txEl>
+                                          </p:spTgt>
+                                        </p:tgtEl>
+                                        <p:attrNameLst>
+                                          <p:attrName>style.visibility</p:attrName>
+                                        </p:attrNameLst>
+                                      </p:cBhvr>
+                                      <p:to>
+                                        <p:strVal val="visible"/>
+                                      </p:to>
+                                    </p:set>
+                                  </p:childTnLst>
+                                </p:cTn>
+                              </p:par>
+                            </p:childTnLst>
+                          </p:cTn>
+                        </p:par>
+                      </p:childTnLst>
+                    </p:cTn>
+                  </p:par>
+                  <p:par>
+                    <p:cTn id="19" fill="hold">
+                      <p:stCondLst>
+                        <p:cond delay="indefinite"/>
+                      </p:stCondLst>
+                      <p:childTnLst>
+                        <p:par>
+                          <p:cTn id="20" fill="hold">
+                            <p:stCondLst>
+                              <p:cond delay="0"/>
+                            </p:stCondLst>
+                            <p:childTnLst>
+                              <p:par>
+                                <p:cTn id="21" presetID="1" presetClass="entr" presetSubtype="0" fill="hold" grpId="0" nodeType="clickEffect">
+                                  <p:stCondLst>
+                                    <p:cond delay="0"/>
+                                  </p:stCondLst>
+                                  <p:childTnLst>
+                                    <p:set>
+                                      <p:cBhvr>
+                                        <p:cTn id="22" dur="1" fill="hold">
+                                          <p:stCondLst>
+                                            <p:cond delay="0"/>
+                                          </p:stCondLst>
+                                        </p:cTn>
+                                        <p:tgtEl>
+                                          <p:spTgt spid="3">
+                                            <p:txEl>
+                                              <p:pRg st="6" end="6"/>
+                                            </p:txEl>
+                                          </p:spTgt>
+                                        </p:tgtEl>
+                                        <p:attrNameLst>
+                                          <p:attrName>style.visibility</p:attrName>
+                                        </p:attrNameLst>
+                                      </p:cBhvr>
+                                      <p:to>
+                                        <p:strVal val="visible"/>
+                                      </p:to>
+                                    </p:set>
+                                  </p:childTnLst>
+                                </p:cTn>
+                              </p:par>
+                              <p:par>
+                                <p:cTn id="23" presetID="1" presetClass="entr" presetSubtype="0" fill="hold" grpId="0" nodeType="withEffect">
+                                  <p:stCondLst>
+                                    <p:cond delay="0"/>
+                                  </p:stCondLst>
+                                  <p:childTnLst>
+                                    <p:set>
+                                      <p:cBhvr>
+                                        <p:cTn id="24" dur="1" fill="hold">
+                                          <p:stCondLst>
+                                            <p:cond delay="0"/>
+                                          </p:stCondLst>
+                                        </p:cTn>
+                                        <p:tgtEl>
+                                          <p:spTgt spid="3">
+                                            <p:txEl>
+                                              <p:pRg st="7" end="7"/>
+                                            </p:txEl>
+                                          </p:spTgt>
+                                        </p:tgtEl>
+                                        <p:attrNameLst>
+                                          <p:attrName>style.visibility</p:attrName>
+                                        </p:attrNameLst>
+                                      </p:cBhvr>
+                                      <p:to>
+                                        <p:strVal val="visible"/>
+                                      </p:to>
+                                    </p:set>
+                                  </p:childTnLst>
+                                </p:cTn>
+                              </p:par>
+                              <p:par>
+                                <p:cTn id="25" presetID="1" presetClass="entr" presetSubtype="0" fill="hold" grpId="0" nodeType="withEffect">
+                                  <p:stCondLst>
+                                    <p:cond delay="0"/>
+                                  </p:stCondLst>
+                                  <p:childTnLst>
+                                    <p:set>
+                                      <p:cBhvr>
+                                        <p:cTn id="26" dur="1" fill="hold">
+                                          <p:stCondLst>
+                                            <p:cond delay="0"/>
+                                          </p:stCondLst>
+                                        </p:cTn>
+                                        <p:tgtEl>
+                                          <p:spTgt spid="3">
+                                            <p:txEl>
+                                              <p:pRg st="8" end="8"/>
+                                            </p:txEl>
+                                          </p:spTgt>
+                                        </p:tgtEl>
+                                        <p:attrNameLst>
+                                          <p:attrName>style.visibility</p:attrName>
+                                        </p:attrNameLst>
+                                      </p:cBhvr>
+                                      <p:to>
+                                        <p:strVal val="visible"/>
+                                      </p:to>
+                                    </p:set>
+                                  </p:childTnLst>
+                                </p:cTn>
+                              </p:par>
+                              <p:par>
+                                <p:cTn id="27" presetID="1" presetClass="entr" presetSubtype="0" fill="hold" grpId="0" nodeType="withEffect">
+                                  <p:stCondLst>
+                                    <p:cond delay="0"/>
+                                  </p:stCondLst>
+                                  <p:childTnLst>
+                                    <p:set>
+                                      <p:cBhvr>
+                                        <p:cTn id="28" dur="1" fill="hold">
+                                          <p:stCondLst>
+                                            <p:cond delay="0"/>
+                                          </p:stCondLst>
+                                        </p:cTn>
+                                        <p:tgtEl>
+                                          <p:spTgt spid="3">
+                                            <p:txEl>
+                                              <p:pRg st="9" end="9"/>
+                                            </p:txEl>
+                                          </p:spTgt>
+                                        </p:tgtEl>
+                                        <p:attrNameLst>
+                                          <p:attrName>style.visibility</p:attrName>
+                                        </p:attrNameLst>
+                                      </p:cBhvr>
+                                      <p:to>
+                                        <p:strVal val="visible"/>
+                                      </p:to>
+                                    </p:set>
+                                  </p:childTnLst>
+                                </p:cTn>
+                              </p:par>
+                            </p:childTnLst>
+                          </p:cTn>
+                        </p:par>
+                      </p:childTnLst>
+                    </p:cTn>
+                  </p:par>
+                </p:childTnLst>
+              </p:cTn>
+              <p:prevCondLst>
+                <p:cond evt="onPrev" delay="0">
+                  <p:tgtEl>
+                    <p:sldTgt/>
+                  </p:tgtEl>
+                </p:cond>
+              </p:prevCondLst>
+              <p:nextCondLst>
+                <p:cond evt="onNext" delay="0">
+                  <p:tgtEl>
+                    <p:sldTgt/>
+                  </p:tgtEl>
+                </p:cond>
+              </p:nextCondLst>
+            </p:seq>
+          </p:childTnLst>
+        </p:cTn>
+      </p:par>
+    </p:tnLst>
+    <p:bldLst>
+      <p:bldP spid="3" grpId="0" uiExpand="1" build="p"/>
+    </p:bldLst>
+  </p:timing>
 </p:sld>
 </file>
 
@@ -3403,6 +6046,29 @@
           </a:p>
         </p:txBody>
       </p:sp>
+      <p:sp>
+        <p:nvSpPr>
+          <p:cNvPr id="4" name="Slide Number Placeholder 3"/>
+          <p:cNvSpPr>
+            <a:spLocks noGrp="1"/>
+          </p:cNvSpPr>
+          <p:nvPr>
+            <p:ph type="sldNum" sz="quarter" idx="12"/>
+          </p:nvPr>
+        </p:nvSpPr>
+        <p:spPr/>
+        <p:txBody>
+          <a:bodyPr/>
+          <a:lstStyle/>
+          <a:p>
+            <a:fld id="{A985FA6B-0B33-4DDF-AAD2-6441C501957A}" type="slidenum">
+              <a:rPr lang="nl-BE" smtClean="0"/>
+              <a:t>3</a:t>
+            </a:fld>
+            <a:endParaRPr lang="nl-BE"/>
+          </a:p>
+        </p:txBody>
+      </p:sp>
     </p:spTree>
     <p:extLst>
       <p:ext uri="{BB962C8B-B14F-4D97-AF65-F5344CB8AC3E}">
@@ -3413,6 +6079,450 @@
   <p:clrMapOvr>
     <a:masterClrMapping/>
   </p:clrMapOvr>
+  <p:timing>
+    <p:tnLst>
+      <p:par>
+        <p:cTn id="1" dur="indefinite" restart="never" nodeType="tmRoot">
+          <p:childTnLst>
+            <p:seq concurrent="1" nextAc="seek">
+              <p:cTn id="2" dur="indefinite" nodeType="mainSeq">
+                <p:childTnLst>
+                  <p:par>
+                    <p:cTn id="3" fill="hold">
+                      <p:stCondLst>
+                        <p:cond delay="indefinite"/>
+                        <p:cond evt="onBegin" delay="0">
+                          <p:tn val="2"/>
+                        </p:cond>
+                      </p:stCondLst>
+                      <p:childTnLst>
+                        <p:par>
+                          <p:cTn id="4" fill="hold">
+                            <p:stCondLst>
+                              <p:cond delay="0"/>
+                            </p:stCondLst>
+                            <p:childTnLst>
+                              <p:par>
+                                <p:cTn id="5" presetID="1" presetClass="entr" presetSubtype="0" fill="hold" grpId="0" nodeType="withEffect">
+                                  <p:stCondLst>
+                                    <p:cond delay="0"/>
+                                  </p:stCondLst>
+                                  <p:childTnLst>
+                                    <p:set>
+                                      <p:cBhvr>
+                                        <p:cTn id="6" dur="1" fill="hold">
+                                          <p:stCondLst>
+                                            <p:cond delay="0"/>
+                                          </p:stCondLst>
+                                        </p:cTn>
+                                        <p:tgtEl>
+                                          <p:spTgt spid="3">
+                                            <p:txEl>
+                                              <p:pRg st="0" end="0"/>
+                                            </p:txEl>
+                                          </p:spTgt>
+                                        </p:tgtEl>
+                                        <p:attrNameLst>
+                                          <p:attrName>style.visibility</p:attrName>
+                                        </p:attrNameLst>
+                                      </p:cBhvr>
+                                      <p:to>
+                                        <p:strVal val="visible"/>
+                                      </p:to>
+                                    </p:set>
+                                  </p:childTnLst>
+                                </p:cTn>
+                              </p:par>
+                              <p:par>
+                                <p:cTn id="7" presetID="1" presetClass="entr" presetSubtype="0" fill="hold" grpId="0" nodeType="withEffect">
+                                  <p:stCondLst>
+                                    <p:cond delay="0"/>
+                                  </p:stCondLst>
+                                  <p:childTnLst>
+                                    <p:set>
+                                      <p:cBhvr>
+                                        <p:cTn id="8" dur="1" fill="hold">
+                                          <p:stCondLst>
+                                            <p:cond delay="0"/>
+                                          </p:stCondLst>
+                                        </p:cTn>
+                                        <p:tgtEl>
+                                          <p:spTgt spid="3">
+                                            <p:txEl>
+                                              <p:pRg st="1" end="1"/>
+                                            </p:txEl>
+                                          </p:spTgt>
+                                        </p:tgtEl>
+                                        <p:attrNameLst>
+                                          <p:attrName>style.visibility</p:attrName>
+                                        </p:attrNameLst>
+                                      </p:cBhvr>
+                                      <p:to>
+                                        <p:strVal val="visible"/>
+                                      </p:to>
+                                    </p:set>
+                                  </p:childTnLst>
+                                </p:cTn>
+                              </p:par>
+                              <p:par>
+                                <p:cTn id="9" presetID="1" presetClass="entr" presetSubtype="0" fill="hold" grpId="0" nodeType="withEffect">
+                                  <p:stCondLst>
+                                    <p:cond delay="0"/>
+                                  </p:stCondLst>
+                                  <p:childTnLst>
+                                    <p:set>
+                                      <p:cBhvr>
+                                        <p:cTn id="10" dur="1" fill="hold">
+                                          <p:stCondLst>
+                                            <p:cond delay="0"/>
+                                          </p:stCondLst>
+                                        </p:cTn>
+                                        <p:tgtEl>
+                                          <p:spTgt spid="3">
+                                            <p:txEl>
+                                              <p:pRg st="2" end="2"/>
+                                            </p:txEl>
+                                          </p:spTgt>
+                                        </p:tgtEl>
+                                        <p:attrNameLst>
+                                          <p:attrName>style.visibility</p:attrName>
+                                        </p:attrNameLst>
+                                      </p:cBhvr>
+                                      <p:to>
+                                        <p:strVal val="visible"/>
+                                      </p:to>
+                                    </p:set>
+                                  </p:childTnLst>
+                                </p:cTn>
+                              </p:par>
+                            </p:childTnLst>
+                          </p:cTn>
+                        </p:par>
+                      </p:childTnLst>
+                    </p:cTn>
+                  </p:par>
+                  <p:par>
+                    <p:cTn id="11" fill="hold">
+                      <p:stCondLst>
+                        <p:cond delay="indefinite"/>
+                      </p:stCondLst>
+                      <p:childTnLst>
+                        <p:par>
+                          <p:cTn id="12" fill="hold">
+                            <p:stCondLst>
+                              <p:cond delay="0"/>
+                            </p:stCondLst>
+                            <p:childTnLst>
+                              <p:par>
+                                <p:cTn id="13" presetID="1" presetClass="entr" presetSubtype="0" fill="hold" grpId="0" nodeType="clickEffect">
+                                  <p:stCondLst>
+                                    <p:cond delay="0"/>
+                                  </p:stCondLst>
+                                  <p:childTnLst>
+                                    <p:set>
+                                      <p:cBhvr>
+                                        <p:cTn id="14" dur="1" fill="hold">
+                                          <p:stCondLst>
+                                            <p:cond delay="0"/>
+                                          </p:stCondLst>
+                                        </p:cTn>
+                                        <p:tgtEl>
+                                          <p:spTgt spid="3">
+                                            <p:txEl>
+                                              <p:pRg st="3" end="3"/>
+                                            </p:txEl>
+                                          </p:spTgt>
+                                        </p:tgtEl>
+                                        <p:attrNameLst>
+                                          <p:attrName>style.visibility</p:attrName>
+                                        </p:attrNameLst>
+                                      </p:cBhvr>
+                                      <p:to>
+                                        <p:strVal val="visible"/>
+                                      </p:to>
+                                    </p:set>
+                                  </p:childTnLst>
+                                </p:cTn>
+                              </p:par>
+                              <p:par>
+                                <p:cTn id="15" presetID="1" presetClass="entr" presetSubtype="0" fill="hold" grpId="0" nodeType="withEffect">
+                                  <p:stCondLst>
+                                    <p:cond delay="0"/>
+                                  </p:stCondLst>
+                                  <p:childTnLst>
+                                    <p:set>
+                                      <p:cBhvr>
+                                        <p:cTn id="16" dur="1" fill="hold">
+                                          <p:stCondLst>
+                                            <p:cond delay="0"/>
+                                          </p:stCondLst>
+                                        </p:cTn>
+                                        <p:tgtEl>
+                                          <p:spTgt spid="3">
+                                            <p:txEl>
+                                              <p:pRg st="4" end="4"/>
+                                            </p:txEl>
+                                          </p:spTgt>
+                                        </p:tgtEl>
+                                        <p:attrNameLst>
+                                          <p:attrName>style.visibility</p:attrName>
+                                        </p:attrNameLst>
+                                      </p:cBhvr>
+                                      <p:to>
+                                        <p:strVal val="visible"/>
+                                      </p:to>
+                                    </p:set>
+                                  </p:childTnLst>
+                                </p:cTn>
+                              </p:par>
+                              <p:par>
+                                <p:cTn id="17" presetID="1" presetClass="entr" presetSubtype="0" fill="hold" grpId="0" nodeType="withEffect">
+                                  <p:stCondLst>
+                                    <p:cond delay="0"/>
+                                  </p:stCondLst>
+                                  <p:childTnLst>
+                                    <p:set>
+                                      <p:cBhvr>
+                                        <p:cTn id="18" dur="1" fill="hold">
+                                          <p:stCondLst>
+                                            <p:cond delay="0"/>
+                                          </p:stCondLst>
+                                        </p:cTn>
+                                        <p:tgtEl>
+                                          <p:spTgt spid="3">
+                                            <p:txEl>
+                                              <p:pRg st="5" end="5"/>
+                                            </p:txEl>
+                                          </p:spTgt>
+                                        </p:tgtEl>
+                                        <p:attrNameLst>
+                                          <p:attrName>style.visibility</p:attrName>
+                                        </p:attrNameLst>
+                                      </p:cBhvr>
+                                      <p:to>
+                                        <p:strVal val="visible"/>
+                                      </p:to>
+                                    </p:set>
+                                  </p:childTnLst>
+                                </p:cTn>
+                              </p:par>
+                              <p:par>
+                                <p:cTn id="19" presetID="1" presetClass="entr" presetSubtype="0" fill="hold" grpId="0" nodeType="withEffect">
+                                  <p:stCondLst>
+                                    <p:cond delay="0"/>
+                                  </p:stCondLst>
+                                  <p:childTnLst>
+                                    <p:set>
+                                      <p:cBhvr>
+                                        <p:cTn id="20" dur="1" fill="hold">
+                                          <p:stCondLst>
+                                            <p:cond delay="0"/>
+                                          </p:stCondLst>
+                                        </p:cTn>
+                                        <p:tgtEl>
+                                          <p:spTgt spid="3">
+                                            <p:txEl>
+                                              <p:pRg st="6" end="6"/>
+                                            </p:txEl>
+                                          </p:spTgt>
+                                        </p:tgtEl>
+                                        <p:attrNameLst>
+                                          <p:attrName>style.visibility</p:attrName>
+                                        </p:attrNameLst>
+                                      </p:cBhvr>
+                                      <p:to>
+                                        <p:strVal val="visible"/>
+                                      </p:to>
+                                    </p:set>
+                                  </p:childTnLst>
+                                </p:cTn>
+                              </p:par>
+                              <p:par>
+                                <p:cTn id="21" presetID="1" presetClass="entr" presetSubtype="0" fill="hold" grpId="0" nodeType="withEffect">
+                                  <p:stCondLst>
+                                    <p:cond delay="0"/>
+                                  </p:stCondLst>
+                                  <p:childTnLst>
+                                    <p:set>
+                                      <p:cBhvr>
+                                        <p:cTn id="22" dur="1" fill="hold">
+                                          <p:stCondLst>
+                                            <p:cond delay="0"/>
+                                          </p:stCondLst>
+                                        </p:cTn>
+                                        <p:tgtEl>
+                                          <p:spTgt spid="3">
+                                            <p:txEl>
+                                              <p:pRg st="7" end="7"/>
+                                            </p:txEl>
+                                          </p:spTgt>
+                                        </p:tgtEl>
+                                        <p:attrNameLst>
+                                          <p:attrName>style.visibility</p:attrName>
+                                        </p:attrNameLst>
+                                      </p:cBhvr>
+                                      <p:to>
+                                        <p:strVal val="visible"/>
+                                      </p:to>
+                                    </p:set>
+                                  </p:childTnLst>
+                                </p:cTn>
+                              </p:par>
+                              <p:par>
+                                <p:cTn id="23" presetID="1" presetClass="entr" presetSubtype="0" fill="hold" grpId="0" nodeType="withEffect">
+                                  <p:stCondLst>
+                                    <p:cond delay="0"/>
+                                  </p:stCondLst>
+                                  <p:childTnLst>
+                                    <p:set>
+                                      <p:cBhvr>
+                                        <p:cTn id="24" dur="1" fill="hold">
+                                          <p:stCondLst>
+                                            <p:cond delay="0"/>
+                                          </p:stCondLst>
+                                        </p:cTn>
+                                        <p:tgtEl>
+                                          <p:spTgt spid="3">
+                                            <p:txEl>
+                                              <p:pRg st="8" end="8"/>
+                                            </p:txEl>
+                                          </p:spTgt>
+                                        </p:tgtEl>
+                                        <p:attrNameLst>
+                                          <p:attrName>style.visibility</p:attrName>
+                                        </p:attrNameLst>
+                                      </p:cBhvr>
+                                      <p:to>
+                                        <p:strVal val="visible"/>
+                                      </p:to>
+                                    </p:set>
+                                  </p:childTnLst>
+                                </p:cTn>
+                              </p:par>
+                              <p:par>
+                                <p:cTn id="25" presetID="1" presetClass="entr" presetSubtype="0" fill="hold" grpId="0" nodeType="withEffect">
+                                  <p:stCondLst>
+                                    <p:cond delay="0"/>
+                                  </p:stCondLst>
+                                  <p:childTnLst>
+                                    <p:set>
+                                      <p:cBhvr>
+                                        <p:cTn id="26" dur="1" fill="hold">
+                                          <p:stCondLst>
+                                            <p:cond delay="0"/>
+                                          </p:stCondLst>
+                                        </p:cTn>
+                                        <p:tgtEl>
+                                          <p:spTgt spid="3">
+                                            <p:txEl>
+                                              <p:pRg st="9" end="9"/>
+                                            </p:txEl>
+                                          </p:spTgt>
+                                        </p:tgtEl>
+                                        <p:attrNameLst>
+                                          <p:attrName>style.visibility</p:attrName>
+                                        </p:attrNameLst>
+                                      </p:cBhvr>
+                                      <p:to>
+                                        <p:strVal val="visible"/>
+                                      </p:to>
+                                    </p:set>
+                                  </p:childTnLst>
+                                </p:cTn>
+                              </p:par>
+                              <p:par>
+                                <p:cTn id="27" presetID="1" presetClass="entr" presetSubtype="0" fill="hold" grpId="0" nodeType="withEffect">
+                                  <p:stCondLst>
+                                    <p:cond delay="0"/>
+                                  </p:stCondLst>
+                                  <p:childTnLst>
+                                    <p:set>
+                                      <p:cBhvr>
+                                        <p:cTn id="28" dur="1" fill="hold">
+                                          <p:stCondLst>
+                                            <p:cond delay="0"/>
+                                          </p:stCondLst>
+                                        </p:cTn>
+                                        <p:tgtEl>
+                                          <p:spTgt spid="3">
+                                            <p:txEl>
+                                              <p:pRg st="10" end="10"/>
+                                            </p:txEl>
+                                          </p:spTgt>
+                                        </p:tgtEl>
+                                        <p:attrNameLst>
+                                          <p:attrName>style.visibility</p:attrName>
+                                        </p:attrNameLst>
+                                      </p:cBhvr>
+                                      <p:to>
+                                        <p:strVal val="visible"/>
+                                      </p:to>
+                                    </p:set>
+                                  </p:childTnLst>
+                                </p:cTn>
+                              </p:par>
+                              <p:par>
+                                <p:cTn id="29" presetID="1" presetClass="entr" presetSubtype="0" fill="hold" grpId="0" nodeType="withEffect">
+                                  <p:stCondLst>
+                                    <p:cond delay="0"/>
+                                  </p:stCondLst>
+                                  <p:childTnLst>
+                                    <p:set>
+                                      <p:cBhvr>
+                                        <p:cTn id="30" dur="1" fill="hold">
+                                          <p:stCondLst>
+                                            <p:cond delay="0"/>
+                                          </p:stCondLst>
+                                        </p:cTn>
+                                        <p:tgtEl>
+                                          <p:spTgt spid="3">
+                                            <p:txEl>
+                                              <p:pRg st="11" end="11"/>
+                                            </p:txEl>
+                                          </p:spTgt>
+                                        </p:tgtEl>
+                                        <p:attrNameLst>
+                                          <p:attrName>style.visibility</p:attrName>
+                                        </p:attrNameLst>
+                                      </p:cBhvr>
+                                      <p:to>
+                                        <p:strVal val="visible"/>
+                                      </p:to>
+                                    </p:set>
+                                  </p:childTnLst>
+                                </p:cTn>
+                              </p:par>
+                            </p:childTnLst>
+                          </p:cTn>
+                        </p:par>
+                      </p:childTnLst>
+                    </p:cTn>
+                  </p:par>
+                </p:childTnLst>
+              </p:cTn>
+              <p:prevCondLst>
+                <p:cond evt="onPrev" delay="0">
+                  <p:tgtEl>
+                    <p:sldTgt/>
+                  </p:tgtEl>
+                </p:cond>
+              </p:prevCondLst>
+              <p:nextCondLst>
+                <p:cond evt="onNext" delay="0">
+                  <p:tgtEl>
+                    <p:sldTgt/>
+                  </p:tgtEl>
+                </p:cond>
+              </p:nextCondLst>
+            </p:seq>
+          </p:childTnLst>
+        </p:cTn>
+      </p:par>
+    </p:tnLst>
+    <p:bldLst>
+      <p:bldP spid="3" grpId="0" uiExpand="1" build="p"/>
+    </p:bldLst>
+  </p:timing>
 </p:sld>
 </file>
 
@@ -3513,6 +6623,29 @@
           </a:p>
         </p:txBody>
       </p:sp>
+      <p:sp>
+        <p:nvSpPr>
+          <p:cNvPr id="4" name="Slide Number Placeholder 3"/>
+          <p:cNvSpPr>
+            <a:spLocks noGrp="1"/>
+          </p:cNvSpPr>
+          <p:nvPr>
+            <p:ph type="sldNum" sz="quarter" idx="12"/>
+          </p:nvPr>
+        </p:nvSpPr>
+        <p:spPr/>
+        <p:txBody>
+          <a:bodyPr/>
+          <a:lstStyle/>
+          <a:p>
+            <a:fld id="{A985FA6B-0B33-4DDF-AAD2-6441C501957A}" type="slidenum">
+              <a:rPr lang="nl-BE" smtClean="0"/>
+              <a:t>4</a:t>
+            </a:fld>
+            <a:endParaRPr lang="nl-BE"/>
+          </a:p>
+        </p:txBody>
+      </p:sp>
     </p:spTree>
     <p:extLst>
       <p:ext uri="{BB962C8B-B14F-4D97-AF65-F5344CB8AC3E}">
@@ -3523,6 +6656,13 @@
   <p:clrMapOvr>
     <a:masterClrMapping/>
   </p:clrMapOvr>
+  <p:timing>
+    <p:tnLst>
+      <p:par>
+        <p:cTn id="1" dur="indefinite" restart="never" nodeType="tmRoot"/>
+      </p:par>
+    </p:tnLst>
+  </p:timing>
 </p:sld>
 </file>
 
@@ -3578,8 +6718,8 @@
         </p:nvSpPr>
         <p:spPr>
           <a:xfrm>
-            <a:off x="838200" y="2835007"/>
-            <a:ext cx="10515600" cy="3341955"/>
+            <a:off x="610985" y="2835008"/>
+            <a:ext cx="7904365" cy="3341955"/>
           </a:xfrm>
         </p:spPr>
         <p:txBody>
@@ -3598,7 +6738,7 @@
                 <a:latin typeface="Courier New" panose="02070309020205020404" pitchFamily="49" charset="0"/>
                 <a:cs typeface="Courier New" panose="02070309020205020404" pitchFamily="49" charset="0"/>
               </a:rPr>
-              <a:t>R_test</a:t>
+              <a:t>R_base</a:t>
             </a:r>
             <a:r>
               <a:rPr lang="en-US" dirty="0" smtClean="0"/>
@@ -3642,7 +6782,7 @@
         </p:nvSpPr>
         <p:spPr>
           <a:xfrm>
-            <a:off x="1778924" y="2078182"/>
+            <a:off x="1030531" y="2078182"/>
             <a:ext cx="6388287" cy="369332"/>
           </a:xfrm>
           <a:prstGeom prst="rect">
@@ -3667,16 +6807,39 @@
           <a:lstStyle/>
           <a:p>
             <a:r>
-              <a:rPr lang="pt-BR" dirty="0" smtClean="0">
+              <a:rPr lang="pt-BR" dirty="0">
                 <a:latin typeface="Courier New" panose="02070309020205020404" pitchFamily="49" charset="0"/>
                 <a:cs typeface="Courier New" panose="02070309020205020404" pitchFamily="49" charset="0"/>
               </a:rPr>
-              <a:t>$ conda create  --name R_test  --channel r  r</a:t>
+              <a:t>$ conda create  --name R_base  --channel r  r</a:t>
             </a:r>
             <a:endParaRPr lang="nl-BE" dirty="0">
               <a:latin typeface="Courier New" panose="02070309020205020404" pitchFamily="49" charset="0"/>
               <a:cs typeface="Courier New" panose="02070309020205020404" pitchFamily="49" charset="0"/>
             </a:endParaRPr>
+          </a:p>
+        </p:txBody>
+      </p:sp>
+      <p:sp>
+        <p:nvSpPr>
+          <p:cNvPr id="5" name="Slide Number Placeholder 4"/>
+          <p:cNvSpPr>
+            <a:spLocks noGrp="1"/>
+          </p:cNvSpPr>
+          <p:nvPr>
+            <p:ph type="sldNum" sz="quarter" idx="12"/>
+          </p:nvPr>
+        </p:nvSpPr>
+        <p:spPr/>
+        <p:txBody>
+          <a:bodyPr/>
+          <a:lstStyle/>
+          <a:p>
+            <a:fld id="{A985FA6B-0B33-4DDF-AAD2-6441C501957A}" type="slidenum">
+              <a:rPr lang="nl-BE" smtClean="0"/>
+              <a:t>5</a:t>
+            </a:fld>
+            <a:endParaRPr lang="nl-BE"/>
           </a:p>
         </p:txBody>
       </p:sp>
@@ -3690,6 +6853,13 @@
   <p:clrMapOvr>
     <a:masterClrMapping/>
   </p:clrMapOvr>
+  <p:timing>
+    <p:tnLst>
+      <p:par>
+        <p:cTn id="1" dur="indefinite" restart="never" nodeType="tmRoot"/>
+      </p:par>
+    </p:tnLst>
+  </p:timing>
 </p:sld>
 </file>
 
@@ -3727,7 +6897,7 @@
           <a:p>
             <a:r>
               <a:rPr lang="en-US" dirty="0" smtClean="0"/>
-              <a:t>Using environment</a:t>
+              <a:t>Using environments</a:t>
             </a:r>
             <a:endParaRPr lang="nl-BE" dirty="0"/>
           </a:p>
@@ -3746,7 +6916,7 @@
         <p:spPr/>
         <p:txBody>
           <a:bodyPr>
-            <a:normAutofit lnSpcReduction="10000"/>
+            <a:normAutofit/>
           </a:bodyPr>
           <a:lstStyle/>
           <a:p>
@@ -3768,49 +6938,21 @@
             <a:endParaRPr lang="en-US" dirty="0"/>
           </a:p>
           <a:p>
-            <a:r>
-              <a:rPr lang="en-US" dirty="0" smtClean="0"/>
-              <a:t>Install additional packages in </a:t>
-            </a:r>
-            <a:r>
-              <a:rPr lang="en-US" dirty="0" err="1" smtClean="0">
-                <a:latin typeface="Courier New" panose="02070309020205020404" pitchFamily="49" charset="0"/>
-                <a:cs typeface="Courier New" panose="02070309020205020404" pitchFamily="49" charset="0"/>
-              </a:rPr>
-              <a:t>R_test</a:t>
-            </a:r>
-            <a:r>
-              <a:rPr lang="en-US" dirty="0" smtClean="0"/>
-              <a:t>, e.g.,</a:t>
-            </a:r>
-          </a:p>
-          <a:p>
-            <a:endParaRPr lang="en-US" dirty="0"/>
-          </a:p>
-          <a:p>
-            <a:r>
-              <a:rPr lang="en-US" dirty="0" smtClean="0"/>
-              <a:t>Update package installed in </a:t>
-            </a:r>
-            <a:r>
-              <a:rPr lang="en-US" dirty="0" err="1" smtClean="0">
-                <a:latin typeface="Courier New" panose="02070309020205020404" pitchFamily="49" charset="0"/>
-                <a:cs typeface="Courier New" panose="02070309020205020404" pitchFamily="49" charset="0"/>
-              </a:rPr>
-              <a:t>R_test</a:t>
-            </a:r>
-            <a:r>
-              <a:rPr lang="en-US" dirty="0" smtClean="0"/>
-              <a:t>, e.g.,</a:t>
-            </a:r>
-          </a:p>
-          <a:p>
-            <a:endParaRPr lang="en-US" dirty="0"/>
+            <a:endParaRPr lang="en-US" dirty="0" smtClean="0"/>
           </a:p>
           <a:p>
             <a:r>
               <a:rPr lang="en-US" dirty="0" smtClean="0"/>
               <a:t>Deactivate environment</a:t>
+            </a:r>
+          </a:p>
+          <a:p>
+            <a:endParaRPr lang="en-US" dirty="0"/>
+          </a:p>
+          <a:p>
+            <a:r>
+              <a:rPr lang="en-US" dirty="0" smtClean="0"/>
+              <a:t>Switch to other environment</a:t>
             </a:r>
             <a:endParaRPr lang="nl-BE" dirty="0"/>
           </a:p>
@@ -3824,7 +6966,7 @@
         </p:nvSpPr>
         <p:spPr>
           <a:xfrm>
-            <a:off x="1687483" y="2269374"/>
+            <a:off x="1322814" y="2269374"/>
             <a:ext cx="4334257" cy="369332"/>
           </a:xfrm>
           <a:prstGeom prst="rect">
@@ -3849,11 +6991,11 @@
           <a:lstStyle/>
           <a:p>
             <a:r>
-              <a:rPr lang="pt-BR" dirty="0" smtClean="0">
+              <a:rPr lang="pt-BR" dirty="0">
                 <a:latin typeface="Courier New" panose="02070309020205020404" pitchFamily="49" charset="0"/>
                 <a:cs typeface="Courier New" panose="02070309020205020404" pitchFamily="49" charset="0"/>
               </a:rPr>
-              <a:t>$ source  activate  R_test</a:t>
+              <a:t>$ source  activate  R_base</a:t>
             </a:r>
             <a:endParaRPr lang="nl-BE" dirty="0">
               <a:latin typeface="Courier New" panose="02070309020205020404" pitchFamily="49" charset="0"/>
@@ -3870,7 +7012,7 @@
         </p:nvSpPr>
         <p:spPr>
           <a:xfrm>
-            <a:off x="1698562" y="3194860"/>
+            <a:off x="1333893" y="3303013"/>
             <a:ext cx="4323179" cy="369332"/>
           </a:xfrm>
           <a:prstGeom prst="rect">
@@ -3895,7 +7037,7 @@
           <a:lstStyle/>
           <a:p>
             <a:r>
-              <a:rPr lang="pt-BR" dirty="0" smtClean="0">
+              <a:rPr lang="pt-BR" dirty="0">
                 <a:latin typeface="Courier New" panose="02070309020205020404" pitchFamily="49" charset="0"/>
                 <a:cs typeface="Courier New" panose="02070309020205020404" pitchFamily="49" charset="0"/>
               </a:rPr>
@@ -3910,105 +7052,13 @@
       </p:sp>
       <p:sp>
         <p:nvSpPr>
-          <p:cNvPr id="6" name="TextBox 5"/>
-          <p:cNvSpPr txBox="1"/>
-          <p:nvPr/>
-        </p:nvSpPr>
-        <p:spPr>
-          <a:xfrm>
-            <a:off x="1698563" y="5056898"/>
-            <a:ext cx="4323177" cy="369332"/>
-          </a:xfrm>
-          <a:prstGeom prst="rect">
-            <a:avLst/>
-          </a:prstGeom>
-          <a:solidFill>
-            <a:schemeClr val="accent1">
-              <a:lumMod val="20000"/>
-              <a:lumOff val="80000"/>
-            </a:schemeClr>
-          </a:solidFill>
-          <a:ln>
-            <a:solidFill>
-              <a:schemeClr val="tx1"/>
-            </a:solidFill>
-          </a:ln>
-        </p:spPr>
-        <p:txBody>
-          <a:bodyPr wrap="square" rtlCol="0">
-            <a:spAutoFit/>
-          </a:bodyPr>
-          <a:lstStyle/>
-          <a:p>
-            <a:r>
-              <a:rPr lang="pt-BR" dirty="0" smtClean="0">
-                <a:latin typeface="Courier New" panose="02070309020205020404" pitchFamily="49" charset="0"/>
-                <a:cs typeface="Courier New" panose="02070309020205020404" pitchFamily="49" charset="0"/>
-              </a:rPr>
-              <a:t>$ conda  update  r-essentials</a:t>
-            </a:r>
-            <a:endParaRPr lang="nl-BE" dirty="0">
-              <a:latin typeface="Courier New" panose="02070309020205020404" pitchFamily="49" charset="0"/>
-              <a:cs typeface="Courier New" panose="02070309020205020404" pitchFamily="49" charset="0"/>
-            </a:endParaRPr>
-          </a:p>
-        </p:txBody>
-      </p:sp>
-      <p:sp>
-        <p:nvSpPr>
-          <p:cNvPr id="7" name="TextBox 6"/>
-          <p:cNvSpPr txBox="1"/>
-          <p:nvPr/>
-        </p:nvSpPr>
-        <p:spPr>
-          <a:xfrm>
-            <a:off x="1701329" y="4195139"/>
-            <a:ext cx="4320413" cy="369332"/>
-          </a:xfrm>
-          <a:prstGeom prst="rect">
-            <a:avLst/>
-          </a:prstGeom>
-          <a:solidFill>
-            <a:schemeClr val="accent1">
-              <a:lumMod val="20000"/>
-              <a:lumOff val="80000"/>
-            </a:schemeClr>
-          </a:solidFill>
-          <a:ln>
-            <a:solidFill>
-              <a:schemeClr val="tx1"/>
-            </a:solidFill>
-          </a:ln>
-        </p:spPr>
-        <p:txBody>
-          <a:bodyPr wrap="none" rtlCol="0">
-            <a:spAutoFit/>
-          </a:bodyPr>
-          <a:lstStyle/>
-          <a:p>
-            <a:r>
-              <a:rPr lang="pt-BR" dirty="0" smtClean="0">
-                <a:latin typeface="Courier New" panose="02070309020205020404" pitchFamily="49" charset="0"/>
-                <a:cs typeface="Courier New" panose="02070309020205020404" pitchFamily="49" charset="0"/>
-              </a:rPr>
-              <a:t>$ conda  install  r-essentials</a:t>
-            </a:r>
-            <a:endParaRPr lang="nl-BE" dirty="0">
-              <a:latin typeface="Courier New" panose="02070309020205020404" pitchFamily="49" charset="0"/>
-              <a:cs typeface="Courier New" panose="02070309020205020404" pitchFamily="49" charset="0"/>
-            </a:endParaRPr>
-          </a:p>
-        </p:txBody>
-      </p:sp>
-      <p:sp>
-        <p:nvSpPr>
           <p:cNvPr id="8" name="TextBox 7"/>
           <p:cNvSpPr txBox="1"/>
           <p:nvPr/>
         </p:nvSpPr>
         <p:spPr>
           <a:xfrm>
-            <a:off x="1701329" y="5990693"/>
+            <a:off x="1336660" y="4869555"/>
             <a:ext cx="4320411" cy="369332"/>
           </a:xfrm>
           <a:prstGeom prst="rect">
@@ -4033,7 +7083,7 @@
           <a:lstStyle/>
           <a:p>
             <a:r>
-              <a:rPr lang="pt-BR" dirty="0" smtClean="0">
+              <a:rPr lang="pt-BR" dirty="0">
                 <a:latin typeface="Courier New" panose="02070309020205020404" pitchFamily="49" charset="0"/>
                 <a:cs typeface="Courier New" panose="02070309020205020404" pitchFamily="49" charset="0"/>
               </a:rPr>
@@ -4048,14 +7098,14 @@
       </p:sp>
       <p:sp>
         <p:nvSpPr>
-          <p:cNvPr id="9" name="TextBox 8"/>
+          <p:cNvPr id="10" name="TextBox 9"/>
           <p:cNvSpPr txBox="1"/>
           <p:nvPr/>
         </p:nvSpPr>
         <p:spPr>
           <a:xfrm>
-            <a:off x="6439580" y="5059664"/>
-            <a:ext cx="3244747" cy="369332"/>
+            <a:off x="1322814" y="3833985"/>
+            <a:ext cx="4334257" cy="369332"/>
           </a:xfrm>
           <a:prstGeom prst="rect">
             <a:avLst/>
@@ -4079,11 +7129,11 @@
           <a:lstStyle/>
           <a:p>
             <a:r>
-              <a:rPr lang="pt-BR" dirty="0" smtClean="0">
+              <a:rPr lang="pt-BR" dirty="0">
                 <a:latin typeface="Courier New" panose="02070309020205020404" pitchFamily="49" charset="0"/>
                 <a:cs typeface="Courier New" panose="02070309020205020404" pitchFamily="49" charset="0"/>
               </a:rPr>
-              <a:t>$ conda  update  --all</a:t>
+              <a:t>$ R</a:t>
             </a:r>
             <a:endParaRPr lang="nl-BE" dirty="0">
               <a:latin typeface="Courier New" panose="02070309020205020404" pitchFamily="49" charset="0"/>
@@ -4094,14 +7144,14 @@
       </p:sp>
       <p:sp>
         <p:nvSpPr>
-          <p:cNvPr id="10" name="TextBox 9"/>
+          <p:cNvPr id="11" name="TextBox 10"/>
           <p:cNvSpPr txBox="1"/>
           <p:nvPr/>
         </p:nvSpPr>
         <p:spPr>
           <a:xfrm>
-            <a:off x="6439580" y="3197627"/>
-            <a:ext cx="3244747" cy="369332"/>
+            <a:off x="1333893" y="5969271"/>
+            <a:ext cx="4334257" cy="369332"/>
           </a:xfrm>
           <a:prstGeom prst="rect">
             <a:avLst/>
@@ -4125,16 +7175,46 @@
           <a:lstStyle/>
           <a:p>
             <a:r>
+              <a:rPr lang="pt-BR" dirty="0">
+                <a:latin typeface="Courier New" panose="02070309020205020404" pitchFamily="49" charset="0"/>
+                <a:cs typeface="Courier New" panose="02070309020205020404" pitchFamily="49" charset="0"/>
+              </a:rPr>
+              <a:t>$ source  activate  </a:t>
+            </a:r>
+            <a:r>
               <a:rPr lang="pt-BR" dirty="0" smtClean="0">
                 <a:latin typeface="Courier New" panose="02070309020205020404" pitchFamily="49" charset="0"/>
                 <a:cs typeface="Courier New" panose="02070309020205020404" pitchFamily="49" charset="0"/>
               </a:rPr>
-              <a:t>$ R</a:t>
+              <a:t>py3k</a:t>
             </a:r>
             <a:endParaRPr lang="nl-BE" dirty="0">
               <a:latin typeface="Courier New" panose="02070309020205020404" pitchFamily="49" charset="0"/>
               <a:cs typeface="Courier New" panose="02070309020205020404" pitchFamily="49" charset="0"/>
             </a:endParaRPr>
+          </a:p>
+        </p:txBody>
+      </p:sp>
+      <p:sp>
+        <p:nvSpPr>
+          <p:cNvPr id="12" name="Slide Number Placeholder 11"/>
+          <p:cNvSpPr>
+            <a:spLocks noGrp="1"/>
+          </p:cNvSpPr>
+          <p:nvPr>
+            <p:ph type="sldNum" sz="quarter" idx="12"/>
+          </p:nvPr>
+        </p:nvSpPr>
+        <p:spPr/>
+        <p:txBody>
+          <a:bodyPr/>
+          <a:lstStyle/>
+          <a:p>
+            <a:fld id="{A985FA6B-0B33-4DDF-AAD2-6441C501957A}" type="slidenum">
+              <a:rPr lang="nl-BE" smtClean="0"/>
+              <a:t>6</a:t>
+            </a:fld>
+            <a:endParaRPr lang="nl-BE"/>
           </a:p>
         </p:txBody>
       </p:sp>
@@ -4148,6 +7228,396 @@
   <p:clrMapOvr>
     <a:masterClrMapping/>
   </p:clrMapOvr>
+  <p:timing>
+    <p:tnLst>
+      <p:par>
+        <p:cTn id="1" dur="indefinite" restart="never" nodeType="tmRoot">
+          <p:childTnLst>
+            <p:seq concurrent="1" nextAc="seek">
+              <p:cTn id="2" dur="indefinite" nodeType="mainSeq">
+                <p:childTnLst>
+                  <p:par>
+                    <p:cTn id="3" fill="hold">
+                      <p:stCondLst>
+                        <p:cond delay="indefinite"/>
+                        <p:cond evt="onBegin" delay="0">
+                          <p:tn val="2"/>
+                        </p:cond>
+                      </p:stCondLst>
+                      <p:childTnLst>
+                        <p:par>
+                          <p:cTn id="4" fill="hold">
+                            <p:stCondLst>
+                              <p:cond delay="0"/>
+                            </p:stCondLst>
+                            <p:childTnLst>
+                              <p:par>
+                                <p:cTn id="5" presetID="1" presetClass="entr" presetSubtype="0" fill="hold" grpId="0" nodeType="withEffect">
+                                  <p:stCondLst>
+                                    <p:cond delay="0"/>
+                                  </p:stCondLst>
+                                  <p:childTnLst>
+                                    <p:set>
+                                      <p:cBhvr>
+                                        <p:cTn id="6" dur="1" fill="hold">
+                                          <p:stCondLst>
+                                            <p:cond delay="0"/>
+                                          </p:stCondLst>
+                                        </p:cTn>
+                                        <p:tgtEl>
+                                          <p:spTgt spid="3">
+                                            <p:txEl>
+                                              <p:pRg st="0" end="0"/>
+                                            </p:txEl>
+                                          </p:spTgt>
+                                        </p:tgtEl>
+                                        <p:attrNameLst>
+                                          <p:attrName>style.visibility</p:attrName>
+                                        </p:attrNameLst>
+                                      </p:cBhvr>
+                                      <p:to>
+                                        <p:strVal val="visible"/>
+                                      </p:to>
+                                    </p:set>
+                                  </p:childTnLst>
+                                </p:cTn>
+                              </p:par>
+                              <p:par>
+                                <p:cTn id="7" presetID="1" presetClass="entr" presetSubtype="0" fill="hold" grpId="0" nodeType="withEffect">
+                                  <p:stCondLst>
+                                    <p:cond delay="0"/>
+                                  </p:stCondLst>
+                                  <p:childTnLst>
+                                    <p:set>
+                                      <p:cBhvr>
+                                        <p:cTn id="8" dur="1" fill="hold">
+                                          <p:stCondLst>
+                                            <p:cond delay="0"/>
+                                          </p:stCondLst>
+                                        </p:cTn>
+                                        <p:tgtEl>
+                                          <p:spTgt spid="4"/>
+                                        </p:tgtEl>
+                                        <p:attrNameLst>
+                                          <p:attrName>style.visibility</p:attrName>
+                                        </p:attrNameLst>
+                                      </p:cBhvr>
+                                      <p:to>
+                                        <p:strVal val="visible"/>
+                                      </p:to>
+                                    </p:set>
+                                  </p:childTnLst>
+                                </p:cTn>
+                              </p:par>
+                            </p:childTnLst>
+                          </p:cTn>
+                        </p:par>
+                      </p:childTnLst>
+                    </p:cTn>
+                  </p:par>
+                  <p:par>
+                    <p:cTn id="9" fill="hold">
+                      <p:stCondLst>
+                        <p:cond delay="indefinite"/>
+                      </p:stCondLst>
+                      <p:childTnLst>
+                        <p:par>
+                          <p:cTn id="10" fill="hold">
+                            <p:stCondLst>
+                              <p:cond delay="0"/>
+                            </p:stCondLst>
+                            <p:childTnLst>
+                              <p:par>
+                                <p:cTn id="11" presetID="1" presetClass="entr" presetSubtype="0" fill="hold" grpId="0" nodeType="clickEffect">
+                                  <p:stCondLst>
+                                    <p:cond delay="0"/>
+                                  </p:stCondLst>
+                                  <p:childTnLst>
+                                    <p:set>
+                                      <p:cBhvr>
+                                        <p:cTn id="12" dur="1" fill="hold">
+                                          <p:stCondLst>
+                                            <p:cond delay="0"/>
+                                          </p:stCondLst>
+                                        </p:cTn>
+                                        <p:tgtEl>
+                                          <p:spTgt spid="3">
+                                            <p:txEl>
+                                              <p:pRg st="2" end="2"/>
+                                            </p:txEl>
+                                          </p:spTgt>
+                                        </p:tgtEl>
+                                        <p:attrNameLst>
+                                          <p:attrName>style.visibility</p:attrName>
+                                        </p:attrNameLst>
+                                      </p:cBhvr>
+                                      <p:to>
+                                        <p:strVal val="visible"/>
+                                      </p:to>
+                                    </p:set>
+                                  </p:childTnLst>
+                                </p:cTn>
+                              </p:par>
+                              <p:par>
+                                <p:cTn id="13" presetID="1" presetClass="entr" presetSubtype="0" fill="hold" grpId="0" nodeType="withEffect">
+                                  <p:stCondLst>
+                                    <p:cond delay="0"/>
+                                  </p:stCondLst>
+                                  <p:childTnLst>
+                                    <p:set>
+                                      <p:cBhvr>
+                                        <p:cTn id="14" dur="1" fill="hold">
+                                          <p:stCondLst>
+                                            <p:cond delay="0"/>
+                                          </p:stCondLst>
+                                        </p:cTn>
+                                        <p:tgtEl>
+                                          <p:spTgt spid="5"/>
+                                        </p:tgtEl>
+                                        <p:attrNameLst>
+                                          <p:attrName>style.visibility</p:attrName>
+                                        </p:attrNameLst>
+                                      </p:cBhvr>
+                                      <p:to>
+                                        <p:strVal val="visible"/>
+                                      </p:to>
+                                    </p:set>
+                                  </p:childTnLst>
+                                </p:cTn>
+                              </p:par>
+                            </p:childTnLst>
+                          </p:cTn>
+                        </p:par>
+                      </p:childTnLst>
+                    </p:cTn>
+                  </p:par>
+                  <p:par>
+                    <p:cTn id="15" fill="hold">
+                      <p:stCondLst>
+                        <p:cond delay="indefinite"/>
+                      </p:stCondLst>
+                      <p:childTnLst>
+                        <p:par>
+                          <p:cTn id="16" fill="hold">
+                            <p:stCondLst>
+                              <p:cond delay="0"/>
+                            </p:stCondLst>
+                            <p:childTnLst>
+                              <p:par>
+                                <p:cTn id="17" presetID="1" presetClass="entr" presetSubtype="0" fill="hold" grpId="0" nodeType="clickEffect">
+                                  <p:stCondLst>
+                                    <p:cond delay="0"/>
+                                  </p:stCondLst>
+                                  <p:childTnLst>
+                                    <p:set>
+                                      <p:cBhvr>
+                                        <p:cTn id="18" dur="1" fill="hold">
+                                          <p:stCondLst>
+                                            <p:cond delay="0"/>
+                                          </p:stCondLst>
+                                        </p:cTn>
+                                        <p:tgtEl>
+                                          <p:spTgt spid="10"/>
+                                        </p:tgtEl>
+                                        <p:attrNameLst>
+                                          <p:attrName>style.visibility</p:attrName>
+                                        </p:attrNameLst>
+                                      </p:cBhvr>
+                                      <p:to>
+                                        <p:strVal val="visible"/>
+                                      </p:to>
+                                    </p:set>
+                                  </p:childTnLst>
+                                </p:cTn>
+                              </p:par>
+                            </p:childTnLst>
+                          </p:cTn>
+                        </p:par>
+                      </p:childTnLst>
+                    </p:cTn>
+                  </p:par>
+                  <p:par>
+                    <p:cTn id="19" fill="hold">
+                      <p:stCondLst>
+                        <p:cond delay="indefinite"/>
+                      </p:stCondLst>
+                      <p:childTnLst>
+                        <p:par>
+                          <p:cTn id="20" fill="hold">
+                            <p:stCondLst>
+                              <p:cond delay="0"/>
+                            </p:stCondLst>
+                            <p:childTnLst>
+                              <p:par>
+                                <p:cTn id="21" presetID="1" presetClass="entr" presetSubtype="0" fill="hold" grpId="0" nodeType="clickEffect">
+                                  <p:stCondLst>
+                                    <p:cond delay="0"/>
+                                  </p:stCondLst>
+                                  <p:childTnLst>
+                                    <p:set>
+                                      <p:cBhvr>
+                                        <p:cTn id="22" dur="1" fill="hold">
+                                          <p:stCondLst>
+                                            <p:cond delay="0"/>
+                                          </p:stCondLst>
+                                        </p:cTn>
+                                        <p:tgtEl>
+                                          <p:spTgt spid="3">
+                                            <p:txEl>
+                                              <p:pRg st="5" end="5"/>
+                                            </p:txEl>
+                                          </p:spTgt>
+                                        </p:tgtEl>
+                                        <p:attrNameLst>
+                                          <p:attrName>style.visibility</p:attrName>
+                                        </p:attrNameLst>
+                                      </p:cBhvr>
+                                      <p:to>
+                                        <p:strVal val="visible"/>
+                                      </p:to>
+                                    </p:set>
+                                  </p:childTnLst>
+                                </p:cTn>
+                              </p:par>
+                              <p:par>
+                                <p:cTn id="23" presetID="1" presetClass="entr" presetSubtype="0" fill="hold" grpId="0" nodeType="withEffect">
+                                  <p:stCondLst>
+                                    <p:cond delay="0"/>
+                                  </p:stCondLst>
+                                  <p:childTnLst>
+                                    <p:set>
+                                      <p:cBhvr>
+                                        <p:cTn id="24" dur="1" fill="hold">
+                                          <p:stCondLst>
+                                            <p:cond delay="0"/>
+                                          </p:stCondLst>
+                                        </p:cTn>
+                                        <p:tgtEl>
+                                          <p:spTgt spid="8"/>
+                                        </p:tgtEl>
+                                        <p:attrNameLst>
+                                          <p:attrName>style.visibility</p:attrName>
+                                        </p:attrNameLst>
+                                      </p:cBhvr>
+                                      <p:to>
+                                        <p:strVal val="visible"/>
+                                      </p:to>
+                                    </p:set>
+                                  </p:childTnLst>
+                                </p:cTn>
+                              </p:par>
+                            </p:childTnLst>
+                          </p:cTn>
+                        </p:par>
+                      </p:childTnLst>
+                    </p:cTn>
+                  </p:par>
+                  <p:par>
+                    <p:cTn id="25" fill="hold">
+                      <p:stCondLst>
+                        <p:cond delay="indefinite"/>
+                      </p:stCondLst>
+                      <p:childTnLst>
+                        <p:par>
+                          <p:cTn id="26" fill="hold">
+                            <p:stCondLst>
+                              <p:cond delay="0"/>
+                            </p:stCondLst>
+                            <p:childTnLst>
+                              <p:par>
+                                <p:cTn id="27" presetID="1" presetClass="entr" presetSubtype="0" fill="hold" grpId="0" nodeType="clickEffect">
+                                  <p:stCondLst>
+                                    <p:cond delay="0"/>
+                                  </p:stCondLst>
+                                  <p:childTnLst>
+                                    <p:set>
+                                      <p:cBhvr>
+                                        <p:cTn id="28" dur="1" fill="hold">
+                                          <p:stCondLst>
+                                            <p:cond delay="0"/>
+                                          </p:stCondLst>
+                                        </p:cTn>
+                                        <p:tgtEl>
+                                          <p:spTgt spid="3">
+                                            <p:txEl>
+                                              <p:pRg st="7" end="7"/>
+                                            </p:txEl>
+                                          </p:spTgt>
+                                        </p:tgtEl>
+                                        <p:attrNameLst>
+                                          <p:attrName>style.visibility</p:attrName>
+                                        </p:attrNameLst>
+                                      </p:cBhvr>
+                                      <p:to>
+                                        <p:strVal val="visible"/>
+                                      </p:to>
+                                    </p:set>
+                                  </p:childTnLst>
+                                </p:cTn>
+                              </p:par>
+                              <p:par>
+                                <p:cTn id="29" presetID="1" presetClass="entr" presetSubtype="0" fill="hold" grpId="0" nodeType="withEffect">
+                                  <p:stCondLst>
+                                    <p:cond delay="0"/>
+                                  </p:stCondLst>
+                                  <p:childTnLst>
+                                    <p:set>
+                                      <p:cBhvr>
+                                        <p:cTn id="30" dur="1" fill="hold">
+                                          <p:stCondLst>
+                                            <p:cond delay="0"/>
+                                          </p:stCondLst>
+                                        </p:cTn>
+                                        <p:tgtEl>
+                                          <p:spTgt spid="11"/>
+                                        </p:tgtEl>
+                                        <p:attrNameLst>
+                                          <p:attrName>style.visibility</p:attrName>
+                                        </p:attrNameLst>
+                                      </p:cBhvr>
+                                      <p:to>
+                                        <p:strVal val="visible"/>
+                                      </p:to>
+                                    </p:set>
+                                  </p:childTnLst>
+                                </p:cTn>
+                              </p:par>
+                            </p:childTnLst>
+                          </p:cTn>
+                        </p:par>
+                      </p:childTnLst>
+                    </p:cTn>
+                  </p:par>
+                </p:childTnLst>
+              </p:cTn>
+              <p:prevCondLst>
+                <p:cond evt="onPrev" delay="0">
+                  <p:tgtEl>
+                    <p:sldTgt/>
+                  </p:tgtEl>
+                </p:cond>
+              </p:prevCondLst>
+              <p:nextCondLst>
+                <p:cond evt="onNext" delay="0">
+                  <p:tgtEl>
+                    <p:sldTgt/>
+                  </p:tgtEl>
+                </p:cond>
+              </p:nextCondLst>
+            </p:seq>
+          </p:childTnLst>
+        </p:cTn>
+      </p:par>
+    </p:tnLst>
+    <p:bldLst>
+      <p:bldP spid="3" grpId="0" uiExpand="1" build="p"/>
+      <p:bldP spid="4" grpId="0" animBg="1"/>
+      <p:bldP spid="5" grpId="0" animBg="1"/>
+      <p:bldP spid="8" grpId="0" animBg="1"/>
+      <p:bldP spid="10" grpId="0" animBg="1"/>
+      <p:bldP spid="11" grpId="0" animBg="1"/>
+    </p:bldLst>
+  </p:timing>
 </p:sld>
 </file>
 
@@ -4183,12 +7653,1045 @@
           <a:bodyPr/>
           <a:lstStyle/>
           <a:p>
+            <a:r>
+              <a:rPr lang="en-US" dirty="0" smtClean="0"/>
+              <a:t>Managing packages</a:t>
+            </a:r>
+            <a:endParaRPr lang="nl-BE" dirty="0"/>
+          </a:p>
+        </p:txBody>
+      </p:sp>
+      <p:sp>
+        <p:nvSpPr>
+          <p:cNvPr id="3" name="Content Placeholder 2"/>
+          <p:cNvSpPr>
+            <a:spLocks noGrp="1"/>
+          </p:cNvSpPr>
+          <p:nvPr>
+            <p:ph idx="1"/>
+          </p:nvPr>
+        </p:nvSpPr>
+        <p:spPr/>
+        <p:txBody>
+          <a:bodyPr>
+            <a:normAutofit lnSpcReduction="10000"/>
+          </a:bodyPr>
+          <a:lstStyle/>
+          <a:p>
+            <a:r>
+              <a:rPr lang="en-US" dirty="0" smtClean="0"/>
+              <a:t>List all packages installed in environment</a:t>
+            </a:r>
+          </a:p>
+          <a:p>
+            <a:endParaRPr lang="en-US" dirty="0"/>
+          </a:p>
+          <a:p>
+            <a:r>
+              <a:rPr lang="en-US" dirty="0" smtClean="0"/>
+              <a:t>Search for package in repository</a:t>
+            </a:r>
+          </a:p>
+          <a:p>
+            <a:endParaRPr lang="en-US" dirty="0"/>
+          </a:p>
+          <a:p>
+            <a:r>
+              <a:rPr lang="en-US" dirty="0"/>
+              <a:t>Install additional packages in </a:t>
+            </a:r>
+            <a:r>
+              <a:rPr lang="en-US" dirty="0" err="1">
+                <a:latin typeface="Courier New" panose="02070309020205020404" pitchFamily="49" charset="0"/>
+                <a:cs typeface="Courier New" panose="02070309020205020404" pitchFamily="49" charset="0"/>
+              </a:rPr>
+              <a:t>R_base</a:t>
+            </a:r>
+            <a:r>
+              <a:rPr lang="en-US" dirty="0"/>
+              <a:t>, e.g</a:t>
+            </a:r>
+            <a:r>
+              <a:rPr lang="en-US" dirty="0" smtClean="0"/>
+              <a:t>.,</a:t>
+            </a:r>
+          </a:p>
+          <a:p>
+            <a:endParaRPr lang="en-US" dirty="0"/>
+          </a:p>
+          <a:p>
+            <a:r>
+              <a:rPr lang="en-US" dirty="0"/>
+              <a:t>Update package installed in </a:t>
+            </a:r>
+            <a:r>
+              <a:rPr lang="en-US" dirty="0" err="1" smtClean="0">
+                <a:latin typeface="Courier New" panose="02070309020205020404" pitchFamily="49" charset="0"/>
+                <a:cs typeface="Courier New" panose="02070309020205020404" pitchFamily="49" charset="0"/>
+              </a:rPr>
+              <a:t>R_base</a:t>
+            </a:r>
+            <a:r>
+              <a:rPr lang="en-US" dirty="0" smtClean="0"/>
+              <a:t>, </a:t>
+            </a:r>
+            <a:r>
+              <a:rPr lang="en-US" dirty="0"/>
+              <a:t>e.g</a:t>
+            </a:r>
+            <a:r>
+              <a:rPr lang="en-US" dirty="0" smtClean="0"/>
+              <a:t>.,</a:t>
+            </a:r>
+          </a:p>
+          <a:p>
+            <a:endParaRPr lang="en-US" dirty="0"/>
+          </a:p>
+          <a:p>
+            <a:r>
+              <a:rPr lang="en-US" dirty="0" smtClean="0"/>
+              <a:t>Uninstall package</a:t>
+            </a:r>
+            <a:endParaRPr lang="en-US" dirty="0"/>
+          </a:p>
+          <a:p>
+            <a:endParaRPr lang="en-US" dirty="0"/>
+          </a:p>
+          <a:p>
+            <a:endParaRPr lang="nl-BE" dirty="0"/>
+          </a:p>
+        </p:txBody>
+      </p:sp>
+      <p:sp>
+        <p:nvSpPr>
+          <p:cNvPr id="4" name="TextBox 3"/>
+          <p:cNvSpPr txBox="1"/>
+          <p:nvPr/>
+        </p:nvSpPr>
+        <p:spPr>
+          <a:xfrm>
+            <a:off x="906431" y="2260628"/>
+            <a:ext cx="5147563" cy="369332"/>
+          </a:xfrm>
+          <a:prstGeom prst="rect">
+            <a:avLst/>
+          </a:prstGeom>
+          <a:solidFill>
+            <a:schemeClr val="accent1">
+              <a:lumMod val="20000"/>
+              <a:lumOff val="80000"/>
+            </a:schemeClr>
+          </a:solidFill>
+          <a:ln>
+            <a:solidFill>
+              <a:schemeClr val="tx1"/>
+            </a:solidFill>
+          </a:ln>
+        </p:spPr>
+        <p:txBody>
+          <a:bodyPr wrap="square" rtlCol="0">
+            <a:spAutoFit/>
+          </a:bodyPr>
+          <a:lstStyle/>
+          <a:p>
+            <a:r>
+              <a:rPr lang="pt-BR" dirty="0">
+                <a:latin typeface="Courier New" panose="02070309020205020404" pitchFamily="49" charset="0"/>
+                <a:cs typeface="Courier New" panose="02070309020205020404" pitchFamily="49" charset="0"/>
+              </a:rPr>
+              <a:t>$ conda list</a:t>
+            </a:r>
+            <a:endParaRPr lang="nl-BE" dirty="0">
+              <a:latin typeface="Courier New" panose="02070309020205020404" pitchFamily="49" charset="0"/>
+              <a:cs typeface="Courier New" panose="02070309020205020404" pitchFamily="49" charset="0"/>
+            </a:endParaRPr>
+          </a:p>
+        </p:txBody>
+      </p:sp>
+      <p:sp>
+        <p:nvSpPr>
+          <p:cNvPr id="5" name="TextBox 4"/>
+          <p:cNvSpPr txBox="1"/>
+          <p:nvPr/>
+        </p:nvSpPr>
+        <p:spPr>
+          <a:xfrm>
+            <a:off x="911351" y="3204958"/>
+            <a:ext cx="5142643" cy="369332"/>
+          </a:xfrm>
+          <a:prstGeom prst="rect">
+            <a:avLst/>
+          </a:prstGeom>
+          <a:solidFill>
+            <a:schemeClr val="accent1">
+              <a:lumMod val="20000"/>
+              <a:lumOff val="80000"/>
+            </a:schemeClr>
+          </a:solidFill>
+          <a:ln>
+            <a:solidFill>
+              <a:schemeClr val="tx1"/>
+            </a:solidFill>
+          </a:ln>
+        </p:spPr>
+        <p:txBody>
+          <a:bodyPr wrap="square" rtlCol="0">
+            <a:spAutoFit/>
+          </a:bodyPr>
+          <a:lstStyle/>
+          <a:p>
+            <a:r>
+              <a:rPr lang="pt-BR" dirty="0">
+                <a:latin typeface="Courier New" panose="02070309020205020404" pitchFamily="49" charset="0"/>
+                <a:cs typeface="Courier New" panose="02070309020205020404" pitchFamily="49" charset="0"/>
+              </a:rPr>
+              <a:t>$ conda </a:t>
+            </a:r>
+            <a:r>
+              <a:rPr lang="pt-BR" dirty="0" smtClean="0">
+                <a:latin typeface="Courier New" panose="02070309020205020404" pitchFamily="49" charset="0"/>
+                <a:cs typeface="Courier New" panose="02070309020205020404" pitchFamily="49" charset="0"/>
+              </a:rPr>
+              <a:t>search  --channel r  gsl</a:t>
+            </a:r>
+            <a:endParaRPr lang="nl-BE" dirty="0">
+              <a:latin typeface="Courier New" panose="02070309020205020404" pitchFamily="49" charset="0"/>
+              <a:cs typeface="Courier New" panose="02070309020205020404" pitchFamily="49" charset="0"/>
+            </a:endParaRPr>
+          </a:p>
+        </p:txBody>
+      </p:sp>
+      <p:sp>
+        <p:nvSpPr>
+          <p:cNvPr id="6" name="TextBox 5"/>
+          <p:cNvSpPr txBox="1"/>
+          <p:nvPr/>
+        </p:nvSpPr>
+        <p:spPr>
+          <a:xfrm>
+            <a:off x="906431" y="4130872"/>
+            <a:ext cx="5147563" cy="369332"/>
+          </a:xfrm>
+          <a:prstGeom prst="rect">
+            <a:avLst/>
+          </a:prstGeom>
+          <a:solidFill>
+            <a:schemeClr val="accent1">
+              <a:lumMod val="20000"/>
+              <a:lumOff val="80000"/>
+            </a:schemeClr>
+          </a:solidFill>
+          <a:ln>
+            <a:solidFill>
+              <a:schemeClr val="tx1"/>
+            </a:solidFill>
+          </a:ln>
+        </p:spPr>
+        <p:txBody>
+          <a:bodyPr wrap="none" rtlCol="0">
+            <a:spAutoFit/>
+          </a:bodyPr>
+          <a:lstStyle/>
+          <a:p>
+            <a:r>
+              <a:rPr lang="pt-BR" dirty="0">
+                <a:latin typeface="Courier New" panose="02070309020205020404" pitchFamily="49" charset="0"/>
+                <a:cs typeface="Courier New" panose="02070309020205020404" pitchFamily="49" charset="0"/>
+              </a:rPr>
+              <a:t>$ conda  install  --channel r  </a:t>
+            </a:r>
+            <a:r>
+              <a:rPr lang="pt-BR" dirty="0" smtClean="0">
+                <a:latin typeface="Courier New" panose="02070309020205020404" pitchFamily="49" charset="0"/>
+                <a:cs typeface="Courier New" panose="02070309020205020404" pitchFamily="49" charset="0"/>
+              </a:rPr>
+              <a:t>r-gsl</a:t>
+            </a:r>
+            <a:endParaRPr lang="nl-BE" dirty="0">
+              <a:latin typeface="Courier New" panose="02070309020205020404" pitchFamily="49" charset="0"/>
+              <a:cs typeface="Courier New" panose="02070309020205020404" pitchFamily="49" charset="0"/>
+            </a:endParaRPr>
+          </a:p>
+        </p:txBody>
+      </p:sp>
+      <p:sp>
+        <p:nvSpPr>
+          <p:cNvPr id="7" name="TextBox 6"/>
+          <p:cNvSpPr txBox="1"/>
+          <p:nvPr/>
+        </p:nvSpPr>
+        <p:spPr>
+          <a:xfrm>
+            <a:off x="906431" y="5138329"/>
+            <a:ext cx="5147563" cy="369332"/>
+          </a:xfrm>
+          <a:prstGeom prst="rect">
+            <a:avLst/>
+          </a:prstGeom>
+          <a:solidFill>
+            <a:schemeClr val="accent1">
+              <a:lumMod val="20000"/>
+              <a:lumOff val="80000"/>
+            </a:schemeClr>
+          </a:solidFill>
+          <a:ln>
+            <a:solidFill>
+              <a:schemeClr val="tx1"/>
+            </a:solidFill>
+          </a:ln>
+        </p:spPr>
+        <p:txBody>
+          <a:bodyPr wrap="square" rtlCol="0">
+            <a:spAutoFit/>
+          </a:bodyPr>
+          <a:lstStyle/>
+          <a:p>
+            <a:r>
+              <a:rPr lang="pt-BR" dirty="0">
+                <a:latin typeface="Courier New" panose="02070309020205020404" pitchFamily="49" charset="0"/>
+                <a:cs typeface="Courier New" panose="02070309020205020404" pitchFamily="49" charset="0"/>
+              </a:rPr>
+              <a:t>$ conda  update  --channel r  </a:t>
+            </a:r>
+            <a:r>
+              <a:rPr lang="pt-BR" dirty="0" smtClean="0">
+                <a:latin typeface="Courier New" panose="02070309020205020404" pitchFamily="49" charset="0"/>
+                <a:cs typeface="Courier New" panose="02070309020205020404" pitchFamily="49" charset="0"/>
+              </a:rPr>
+              <a:t>r-gsl</a:t>
+            </a:r>
+            <a:endParaRPr lang="nl-BE" dirty="0">
+              <a:latin typeface="Courier New" panose="02070309020205020404" pitchFamily="49" charset="0"/>
+              <a:cs typeface="Courier New" panose="02070309020205020404" pitchFamily="49" charset="0"/>
+            </a:endParaRPr>
+          </a:p>
+        </p:txBody>
+      </p:sp>
+      <p:sp>
+        <p:nvSpPr>
+          <p:cNvPr id="8" name="TextBox 7"/>
+          <p:cNvSpPr txBox="1"/>
+          <p:nvPr/>
+        </p:nvSpPr>
+        <p:spPr>
+          <a:xfrm>
+            <a:off x="4335476" y="5624257"/>
+            <a:ext cx="5123156" cy="369332"/>
+          </a:xfrm>
+          <a:prstGeom prst="rect">
+            <a:avLst/>
+          </a:prstGeom>
+          <a:solidFill>
+            <a:schemeClr val="accent1">
+              <a:lumMod val="20000"/>
+              <a:lumOff val="80000"/>
+            </a:schemeClr>
+          </a:solidFill>
+          <a:ln>
+            <a:solidFill>
+              <a:schemeClr val="tx1"/>
+            </a:solidFill>
+          </a:ln>
+        </p:spPr>
+        <p:txBody>
+          <a:bodyPr wrap="square" rtlCol="0">
+            <a:spAutoFit/>
+          </a:bodyPr>
+          <a:lstStyle/>
+          <a:p>
+            <a:r>
+              <a:rPr lang="pt-BR" dirty="0">
+                <a:latin typeface="Courier New" panose="02070309020205020404" pitchFamily="49" charset="0"/>
+                <a:cs typeface="Courier New" panose="02070309020205020404" pitchFamily="49" charset="0"/>
+              </a:rPr>
+              <a:t>$ conda  update  --channel r  --all</a:t>
+            </a:r>
+            <a:endParaRPr lang="nl-BE" dirty="0">
+              <a:latin typeface="Courier New" panose="02070309020205020404" pitchFamily="49" charset="0"/>
+              <a:cs typeface="Courier New" panose="02070309020205020404" pitchFamily="49" charset="0"/>
+            </a:endParaRPr>
+          </a:p>
+        </p:txBody>
+      </p:sp>
+      <p:sp>
+        <p:nvSpPr>
+          <p:cNvPr id="9" name="TextBox 8"/>
+          <p:cNvSpPr txBox="1"/>
+          <p:nvPr/>
+        </p:nvSpPr>
+        <p:spPr>
+          <a:xfrm>
+            <a:off x="906431" y="6074592"/>
+            <a:ext cx="3217547" cy="369332"/>
+          </a:xfrm>
+          <a:prstGeom prst="rect">
+            <a:avLst/>
+          </a:prstGeom>
+          <a:solidFill>
+            <a:schemeClr val="accent1">
+              <a:lumMod val="20000"/>
+              <a:lumOff val="80000"/>
+            </a:schemeClr>
+          </a:solidFill>
+          <a:ln>
+            <a:solidFill>
+              <a:schemeClr val="tx1"/>
+            </a:solidFill>
+          </a:ln>
+        </p:spPr>
+        <p:txBody>
+          <a:bodyPr wrap="none" rtlCol="0">
+            <a:spAutoFit/>
+          </a:bodyPr>
+          <a:lstStyle/>
+          <a:p>
+            <a:r>
+              <a:rPr lang="pt-BR" dirty="0">
+                <a:latin typeface="Courier New" panose="02070309020205020404" pitchFamily="49" charset="0"/>
+                <a:cs typeface="Courier New" panose="02070309020205020404" pitchFamily="49" charset="0"/>
+              </a:rPr>
+              <a:t>$ conda  remove  </a:t>
+            </a:r>
+            <a:r>
+              <a:rPr lang="pt-BR" dirty="0" smtClean="0">
+                <a:latin typeface="Courier New" panose="02070309020205020404" pitchFamily="49" charset="0"/>
+                <a:cs typeface="Courier New" panose="02070309020205020404" pitchFamily="49" charset="0"/>
+              </a:rPr>
+              <a:t>r-gsl</a:t>
+            </a:r>
+            <a:endParaRPr lang="nl-BE" dirty="0">
+              <a:latin typeface="Courier New" panose="02070309020205020404" pitchFamily="49" charset="0"/>
+              <a:cs typeface="Courier New" panose="02070309020205020404" pitchFamily="49" charset="0"/>
+            </a:endParaRPr>
+          </a:p>
+        </p:txBody>
+      </p:sp>
+      <p:sp>
+        <p:nvSpPr>
+          <p:cNvPr id="10" name="Slide Number Placeholder 9"/>
+          <p:cNvSpPr>
+            <a:spLocks noGrp="1"/>
+          </p:cNvSpPr>
+          <p:nvPr>
+            <p:ph type="sldNum" sz="quarter" idx="12"/>
+          </p:nvPr>
+        </p:nvSpPr>
+        <p:spPr/>
+        <p:txBody>
+          <a:bodyPr/>
+          <a:lstStyle/>
+          <a:p>
+            <a:fld id="{A985FA6B-0B33-4DDF-AAD2-6441C501957A}" type="slidenum">
+              <a:rPr lang="nl-BE" smtClean="0"/>
+              <a:t>7</a:t>
+            </a:fld>
             <a:endParaRPr lang="nl-BE"/>
           </a:p>
         </p:txBody>
       </p:sp>
       <p:sp>
         <p:nvSpPr>
+          <p:cNvPr id="11" name="TextBox 10"/>
+          <p:cNvSpPr txBox="1"/>
+          <p:nvPr/>
+        </p:nvSpPr>
+        <p:spPr>
+          <a:xfrm rot="1871715">
+            <a:off x="6743300" y="3840361"/>
+            <a:ext cx="2238113" cy="646331"/>
+          </a:xfrm>
+          <a:prstGeom prst="rect">
+            <a:avLst/>
+          </a:prstGeom>
+          <a:solidFill>
+            <a:schemeClr val="bg1"/>
+          </a:solidFill>
+          <a:ln>
+            <a:solidFill>
+              <a:schemeClr val="tx1"/>
+            </a:solidFill>
+          </a:ln>
+        </p:spPr>
+        <p:txBody>
+          <a:bodyPr wrap="none" rtlCol="0">
+            <a:spAutoFit/>
+          </a:bodyPr>
+          <a:lstStyle/>
+          <a:p>
+            <a:r>
+              <a:rPr lang="en-US" dirty="0" smtClean="0"/>
+              <a:t>Note: will also install</a:t>
+            </a:r>
+            <a:r>
+              <a:rPr lang="nl-BE" dirty="0" smtClean="0"/>
+              <a:t/>
+            </a:r>
+            <a:br>
+              <a:rPr lang="nl-BE" dirty="0" smtClean="0"/>
+            </a:br>
+            <a:r>
+              <a:rPr lang="nl-BE" dirty="0" err="1" smtClean="0"/>
+              <a:t>libgsl</a:t>
+            </a:r>
+            <a:r>
+              <a:rPr lang="nl-BE" dirty="0" smtClean="0"/>
+              <a:t> &amp; </a:t>
+            </a:r>
+            <a:r>
+              <a:rPr lang="nl-BE" dirty="0" err="1" smtClean="0"/>
+              <a:t>dependencies</a:t>
+            </a:r>
+            <a:endParaRPr lang="en-US" dirty="0" smtClean="0"/>
+          </a:p>
+        </p:txBody>
+      </p:sp>
+    </p:spTree>
+    <p:extLst>
+      <p:ext uri="{BB962C8B-B14F-4D97-AF65-F5344CB8AC3E}">
+        <p14:creationId xmlns:p14="http://schemas.microsoft.com/office/powerpoint/2010/main" val="1588068266"/>
+      </p:ext>
+    </p:extLst>
+  </p:cSld>
+  <p:clrMapOvr>
+    <a:masterClrMapping/>
+  </p:clrMapOvr>
+  <p:timing>
+    <p:tnLst>
+      <p:par>
+        <p:cTn id="1" dur="indefinite" restart="never" nodeType="tmRoot">
+          <p:childTnLst>
+            <p:seq concurrent="1" nextAc="seek">
+              <p:cTn id="2" dur="indefinite" nodeType="mainSeq">
+                <p:childTnLst>
+                  <p:par>
+                    <p:cTn id="3" fill="hold">
+                      <p:stCondLst>
+                        <p:cond delay="indefinite"/>
+                      </p:stCondLst>
+                      <p:childTnLst>
+                        <p:par>
+                          <p:cTn id="4" fill="hold">
+                            <p:stCondLst>
+                              <p:cond delay="0"/>
+                            </p:stCondLst>
+                            <p:childTnLst>
+                              <p:par>
+                                <p:cTn id="5" presetID="1" presetClass="entr" presetSubtype="0" fill="hold" grpId="0" nodeType="clickEffect">
+                                  <p:stCondLst>
+                                    <p:cond delay="0"/>
+                                  </p:stCondLst>
+                                  <p:childTnLst>
+                                    <p:set>
+                                      <p:cBhvr>
+                                        <p:cTn id="6" dur="1" fill="hold">
+                                          <p:stCondLst>
+                                            <p:cond delay="0"/>
+                                          </p:stCondLst>
+                                        </p:cTn>
+                                        <p:tgtEl>
+                                          <p:spTgt spid="3">
+                                            <p:txEl>
+                                              <p:pRg st="0" end="0"/>
+                                            </p:txEl>
+                                          </p:spTgt>
+                                        </p:tgtEl>
+                                        <p:attrNameLst>
+                                          <p:attrName>style.visibility</p:attrName>
+                                        </p:attrNameLst>
+                                      </p:cBhvr>
+                                      <p:to>
+                                        <p:strVal val="visible"/>
+                                      </p:to>
+                                    </p:set>
+                                  </p:childTnLst>
+                                </p:cTn>
+                              </p:par>
+                              <p:par>
+                                <p:cTn id="7" presetID="1" presetClass="entr" presetSubtype="0" fill="hold" grpId="0" nodeType="withEffect">
+                                  <p:stCondLst>
+                                    <p:cond delay="0"/>
+                                  </p:stCondLst>
+                                  <p:childTnLst>
+                                    <p:set>
+                                      <p:cBhvr>
+                                        <p:cTn id="8" dur="1" fill="hold">
+                                          <p:stCondLst>
+                                            <p:cond delay="0"/>
+                                          </p:stCondLst>
+                                        </p:cTn>
+                                        <p:tgtEl>
+                                          <p:spTgt spid="4"/>
+                                        </p:tgtEl>
+                                        <p:attrNameLst>
+                                          <p:attrName>style.visibility</p:attrName>
+                                        </p:attrNameLst>
+                                      </p:cBhvr>
+                                      <p:to>
+                                        <p:strVal val="visible"/>
+                                      </p:to>
+                                    </p:set>
+                                  </p:childTnLst>
+                                </p:cTn>
+                              </p:par>
+                            </p:childTnLst>
+                          </p:cTn>
+                        </p:par>
+                      </p:childTnLst>
+                    </p:cTn>
+                  </p:par>
+                  <p:par>
+                    <p:cTn id="9" fill="hold">
+                      <p:stCondLst>
+                        <p:cond delay="indefinite"/>
+                      </p:stCondLst>
+                      <p:childTnLst>
+                        <p:par>
+                          <p:cTn id="10" fill="hold">
+                            <p:stCondLst>
+                              <p:cond delay="0"/>
+                            </p:stCondLst>
+                            <p:childTnLst>
+                              <p:par>
+                                <p:cTn id="11" presetID="1" presetClass="entr" presetSubtype="0" fill="hold" grpId="0" nodeType="clickEffect">
+                                  <p:stCondLst>
+                                    <p:cond delay="0"/>
+                                  </p:stCondLst>
+                                  <p:childTnLst>
+                                    <p:set>
+                                      <p:cBhvr>
+                                        <p:cTn id="12" dur="1" fill="hold">
+                                          <p:stCondLst>
+                                            <p:cond delay="0"/>
+                                          </p:stCondLst>
+                                        </p:cTn>
+                                        <p:tgtEl>
+                                          <p:spTgt spid="3">
+                                            <p:txEl>
+                                              <p:pRg st="2" end="2"/>
+                                            </p:txEl>
+                                          </p:spTgt>
+                                        </p:tgtEl>
+                                        <p:attrNameLst>
+                                          <p:attrName>style.visibility</p:attrName>
+                                        </p:attrNameLst>
+                                      </p:cBhvr>
+                                      <p:to>
+                                        <p:strVal val="visible"/>
+                                      </p:to>
+                                    </p:set>
+                                  </p:childTnLst>
+                                </p:cTn>
+                              </p:par>
+                              <p:par>
+                                <p:cTn id="13" presetID="1" presetClass="entr" presetSubtype="0" fill="hold" grpId="0" nodeType="withEffect">
+                                  <p:stCondLst>
+                                    <p:cond delay="0"/>
+                                  </p:stCondLst>
+                                  <p:childTnLst>
+                                    <p:set>
+                                      <p:cBhvr>
+                                        <p:cTn id="14" dur="1" fill="hold">
+                                          <p:stCondLst>
+                                            <p:cond delay="0"/>
+                                          </p:stCondLst>
+                                        </p:cTn>
+                                        <p:tgtEl>
+                                          <p:spTgt spid="5"/>
+                                        </p:tgtEl>
+                                        <p:attrNameLst>
+                                          <p:attrName>style.visibility</p:attrName>
+                                        </p:attrNameLst>
+                                      </p:cBhvr>
+                                      <p:to>
+                                        <p:strVal val="visible"/>
+                                      </p:to>
+                                    </p:set>
+                                  </p:childTnLst>
+                                </p:cTn>
+                              </p:par>
+                            </p:childTnLst>
+                          </p:cTn>
+                        </p:par>
+                      </p:childTnLst>
+                    </p:cTn>
+                  </p:par>
+                  <p:par>
+                    <p:cTn id="15" fill="hold">
+                      <p:stCondLst>
+                        <p:cond delay="indefinite"/>
+                      </p:stCondLst>
+                      <p:childTnLst>
+                        <p:par>
+                          <p:cTn id="16" fill="hold">
+                            <p:stCondLst>
+                              <p:cond delay="0"/>
+                            </p:stCondLst>
+                            <p:childTnLst>
+                              <p:par>
+                                <p:cTn id="17" presetID="1" presetClass="entr" presetSubtype="0" fill="hold" grpId="0" nodeType="clickEffect">
+                                  <p:stCondLst>
+                                    <p:cond delay="0"/>
+                                  </p:stCondLst>
+                                  <p:childTnLst>
+                                    <p:set>
+                                      <p:cBhvr>
+                                        <p:cTn id="18" dur="1" fill="hold">
+                                          <p:stCondLst>
+                                            <p:cond delay="0"/>
+                                          </p:stCondLst>
+                                        </p:cTn>
+                                        <p:tgtEl>
+                                          <p:spTgt spid="3">
+                                            <p:txEl>
+                                              <p:pRg st="4" end="4"/>
+                                            </p:txEl>
+                                          </p:spTgt>
+                                        </p:tgtEl>
+                                        <p:attrNameLst>
+                                          <p:attrName>style.visibility</p:attrName>
+                                        </p:attrNameLst>
+                                      </p:cBhvr>
+                                      <p:to>
+                                        <p:strVal val="visible"/>
+                                      </p:to>
+                                    </p:set>
+                                  </p:childTnLst>
+                                </p:cTn>
+                              </p:par>
+                              <p:par>
+                                <p:cTn id="19" presetID="1" presetClass="entr" presetSubtype="0" fill="hold" grpId="0" nodeType="withEffect">
+                                  <p:stCondLst>
+                                    <p:cond delay="0"/>
+                                  </p:stCondLst>
+                                  <p:childTnLst>
+                                    <p:set>
+                                      <p:cBhvr>
+                                        <p:cTn id="20" dur="1" fill="hold">
+                                          <p:stCondLst>
+                                            <p:cond delay="0"/>
+                                          </p:stCondLst>
+                                        </p:cTn>
+                                        <p:tgtEl>
+                                          <p:spTgt spid="6"/>
+                                        </p:tgtEl>
+                                        <p:attrNameLst>
+                                          <p:attrName>style.visibility</p:attrName>
+                                        </p:attrNameLst>
+                                      </p:cBhvr>
+                                      <p:to>
+                                        <p:strVal val="visible"/>
+                                      </p:to>
+                                    </p:set>
+                                  </p:childTnLst>
+                                </p:cTn>
+                              </p:par>
+                            </p:childTnLst>
+                          </p:cTn>
+                        </p:par>
+                      </p:childTnLst>
+                    </p:cTn>
+                  </p:par>
+                  <p:par>
+                    <p:cTn id="21" fill="hold">
+                      <p:stCondLst>
+                        <p:cond delay="indefinite"/>
+                      </p:stCondLst>
+                      <p:childTnLst>
+                        <p:par>
+                          <p:cTn id="22" fill="hold">
+                            <p:stCondLst>
+                              <p:cond delay="0"/>
+                            </p:stCondLst>
+                            <p:childTnLst>
+                              <p:par>
+                                <p:cTn id="23" presetID="1" presetClass="entr" presetSubtype="0" fill="hold" grpId="0" nodeType="clickEffect">
+                                  <p:stCondLst>
+                                    <p:cond delay="0"/>
+                                  </p:stCondLst>
+                                  <p:childTnLst>
+                                    <p:set>
+                                      <p:cBhvr>
+                                        <p:cTn id="24" dur="1" fill="hold">
+                                          <p:stCondLst>
+                                            <p:cond delay="0"/>
+                                          </p:stCondLst>
+                                        </p:cTn>
+                                        <p:tgtEl>
+                                          <p:spTgt spid="11"/>
+                                        </p:tgtEl>
+                                        <p:attrNameLst>
+                                          <p:attrName>style.visibility</p:attrName>
+                                        </p:attrNameLst>
+                                      </p:cBhvr>
+                                      <p:to>
+                                        <p:strVal val="visible"/>
+                                      </p:to>
+                                    </p:set>
+                                  </p:childTnLst>
+                                </p:cTn>
+                              </p:par>
+                            </p:childTnLst>
+                          </p:cTn>
+                        </p:par>
+                      </p:childTnLst>
+                    </p:cTn>
+                  </p:par>
+                  <p:par>
+                    <p:cTn id="25" fill="hold">
+                      <p:stCondLst>
+                        <p:cond delay="indefinite"/>
+                      </p:stCondLst>
+                      <p:childTnLst>
+                        <p:par>
+                          <p:cTn id="26" fill="hold">
+                            <p:stCondLst>
+                              <p:cond delay="0"/>
+                            </p:stCondLst>
+                            <p:childTnLst>
+                              <p:par>
+                                <p:cTn id="27" presetID="1" presetClass="entr" presetSubtype="0" fill="hold" grpId="0" nodeType="clickEffect">
+                                  <p:stCondLst>
+                                    <p:cond delay="0"/>
+                                  </p:stCondLst>
+                                  <p:childTnLst>
+                                    <p:set>
+                                      <p:cBhvr>
+                                        <p:cTn id="28" dur="1" fill="hold">
+                                          <p:stCondLst>
+                                            <p:cond delay="0"/>
+                                          </p:stCondLst>
+                                        </p:cTn>
+                                        <p:tgtEl>
+                                          <p:spTgt spid="3">
+                                            <p:txEl>
+                                              <p:pRg st="6" end="6"/>
+                                            </p:txEl>
+                                          </p:spTgt>
+                                        </p:tgtEl>
+                                        <p:attrNameLst>
+                                          <p:attrName>style.visibility</p:attrName>
+                                        </p:attrNameLst>
+                                      </p:cBhvr>
+                                      <p:to>
+                                        <p:strVal val="visible"/>
+                                      </p:to>
+                                    </p:set>
+                                  </p:childTnLst>
+                                </p:cTn>
+                              </p:par>
+                              <p:par>
+                                <p:cTn id="29" presetID="1" presetClass="entr" presetSubtype="0" fill="hold" grpId="0" nodeType="withEffect">
+                                  <p:stCondLst>
+                                    <p:cond delay="0"/>
+                                  </p:stCondLst>
+                                  <p:childTnLst>
+                                    <p:set>
+                                      <p:cBhvr>
+                                        <p:cTn id="30" dur="1" fill="hold">
+                                          <p:stCondLst>
+                                            <p:cond delay="0"/>
+                                          </p:stCondLst>
+                                        </p:cTn>
+                                        <p:tgtEl>
+                                          <p:spTgt spid="7"/>
+                                        </p:tgtEl>
+                                        <p:attrNameLst>
+                                          <p:attrName>style.visibility</p:attrName>
+                                        </p:attrNameLst>
+                                      </p:cBhvr>
+                                      <p:to>
+                                        <p:strVal val="visible"/>
+                                      </p:to>
+                                    </p:set>
+                                  </p:childTnLst>
+                                </p:cTn>
+                              </p:par>
+                              <p:par>
+                                <p:cTn id="31" presetID="1" presetClass="entr" presetSubtype="0" fill="hold" grpId="0" nodeType="withEffect">
+                                  <p:stCondLst>
+                                    <p:cond delay="0"/>
+                                  </p:stCondLst>
+                                  <p:childTnLst>
+                                    <p:set>
+                                      <p:cBhvr>
+                                        <p:cTn id="32" dur="1" fill="hold">
+                                          <p:stCondLst>
+                                            <p:cond delay="0"/>
+                                          </p:stCondLst>
+                                        </p:cTn>
+                                        <p:tgtEl>
+                                          <p:spTgt spid="8"/>
+                                        </p:tgtEl>
+                                        <p:attrNameLst>
+                                          <p:attrName>style.visibility</p:attrName>
+                                        </p:attrNameLst>
+                                      </p:cBhvr>
+                                      <p:to>
+                                        <p:strVal val="visible"/>
+                                      </p:to>
+                                    </p:set>
+                                  </p:childTnLst>
+                                </p:cTn>
+                              </p:par>
+                            </p:childTnLst>
+                          </p:cTn>
+                        </p:par>
+                      </p:childTnLst>
+                    </p:cTn>
+                  </p:par>
+                  <p:par>
+                    <p:cTn id="33" fill="hold">
+                      <p:stCondLst>
+                        <p:cond delay="indefinite"/>
+                      </p:stCondLst>
+                      <p:childTnLst>
+                        <p:par>
+                          <p:cTn id="34" fill="hold">
+                            <p:stCondLst>
+                              <p:cond delay="0"/>
+                            </p:stCondLst>
+                            <p:childTnLst>
+                              <p:par>
+                                <p:cTn id="35" presetID="1" presetClass="entr" presetSubtype="0" fill="hold" grpId="0" nodeType="clickEffect">
+                                  <p:stCondLst>
+                                    <p:cond delay="0"/>
+                                  </p:stCondLst>
+                                  <p:childTnLst>
+                                    <p:set>
+                                      <p:cBhvr>
+                                        <p:cTn id="36" dur="1" fill="hold">
+                                          <p:stCondLst>
+                                            <p:cond delay="0"/>
+                                          </p:stCondLst>
+                                        </p:cTn>
+                                        <p:tgtEl>
+                                          <p:spTgt spid="3">
+                                            <p:txEl>
+                                              <p:pRg st="8" end="8"/>
+                                            </p:txEl>
+                                          </p:spTgt>
+                                        </p:tgtEl>
+                                        <p:attrNameLst>
+                                          <p:attrName>style.visibility</p:attrName>
+                                        </p:attrNameLst>
+                                      </p:cBhvr>
+                                      <p:to>
+                                        <p:strVal val="visible"/>
+                                      </p:to>
+                                    </p:set>
+                                  </p:childTnLst>
+                                </p:cTn>
+                              </p:par>
+                              <p:par>
+                                <p:cTn id="37" presetID="1" presetClass="entr" presetSubtype="0" fill="hold" grpId="0" nodeType="withEffect">
+                                  <p:stCondLst>
+                                    <p:cond delay="0"/>
+                                  </p:stCondLst>
+                                  <p:childTnLst>
+                                    <p:set>
+                                      <p:cBhvr>
+                                        <p:cTn id="38" dur="1" fill="hold">
+                                          <p:stCondLst>
+                                            <p:cond delay="0"/>
+                                          </p:stCondLst>
+                                        </p:cTn>
+                                        <p:tgtEl>
+                                          <p:spTgt spid="9"/>
+                                        </p:tgtEl>
+                                        <p:attrNameLst>
+                                          <p:attrName>style.visibility</p:attrName>
+                                        </p:attrNameLst>
+                                      </p:cBhvr>
+                                      <p:to>
+                                        <p:strVal val="visible"/>
+                                      </p:to>
+                                    </p:set>
+                                  </p:childTnLst>
+                                </p:cTn>
+                              </p:par>
+                            </p:childTnLst>
+                          </p:cTn>
+                        </p:par>
+                      </p:childTnLst>
+                    </p:cTn>
+                  </p:par>
+                </p:childTnLst>
+              </p:cTn>
+              <p:prevCondLst>
+                <p:cond evt="onPrev" delay="0">
+                  <p:tgtEl>
+                    <p:sldTgt/>
+                  </p:tgtEl>
+                </p:cond>
+              </p:prevCondLst>
+              <p:nextCondLst>
+                <p:cond evt="onNext" delay="0">
+                  <p:tgtEl>
+                    <p:sldTgt/>
+                  </p:tgtEl>
+                </p:cond>
+              </p:nextCondLst>
+            </p:seq>
+          </p:childTnLst>
+        </p:cTn>
+      </p:par>
+    </p:tnLst>
+    <p:bldLst>
+      <p:bldP spid="3" grpId="0" uiExpand="1" build="p"/>
+      <p:bldP spid="4" grpId="0" animBg="1"/>
+      <p:bldP spid="5" grpId="0" animBg="1"/>
+      <p:bldP spid="6" grpId="0" animBg="1"/>
+      <p:bldP spid="7" grpId="0" animBg="1"/>
+      <p:bldP spid="8" grpId="0" animBg="1"/>
+      <p:bldP spid="9" grpId="0" animBg="1"/>
+      <p:bldP spid="11" grpId="0" animBg="1"/>
+    </p:bldLst>
+  </p:timing>
+</p:sld>
+</file>
+
+<file path=ppt/slides/slide8.xml><?xml version="1.0" encoding="utf-8"?>
+<p:sld xmlns:a="http://schemas.openxmlformats.org/drawingml/2006/main" xmlns:r="http://schemas.openxmlformats.org/officeDocument/2006/relationships" xmlns:p="http://schemas.openxmlformats.org/presentationml/2006/main">
+  <p:cSld>
+    <p:spTree>
+      <p:nvGrpSpPr>
+        <p:cNvPr id="1" name=""/>
+        <p:cNvGrpSpPr/>
+        <p:nvPr/>
+      </p:nvGrpSpPr>
+      <p:grpSpPr>
+        <a:xfrm>
+          <a:off x="0" y="0"/>
+          <a:ext cx="0" cy="0"/>
+          <a:chOff x="0" y="0"/>
+          <a:chExt cx="0" cy="0"/>
+        </a:xfrm>
+      </p:grpSpPr>
+      <p:sp>
+        <p:nvSpPr>
+          <p:cNvPr id="2" name="Title 1"/>
+          <p:cNvSpPr>
+            <a:spLocks noGrp="1"/>
+          </p:cNvSpPr>
+          <p:nvPr>
+            <p:ph type="title"/>
+          </p:nvPr>
+        </p:nvSpPr>
+        <p:spPr/>
+        <p:txBody>
+          <a:bodyPr/>
+          <a:lstStyle/>
+          <a:p>
+            <a:r>
+              <a:rPr lang="en-US" dirty="0" smtClean="0"/>
+              <a:t>Cloning environments</a:t>
+            </a:r>
+            <a:endParaRPr lang="nl-BE" dirty="0"/>
+          </a:p>
+        </p:txBody>
+      </p:sp>
+      <p:sp>
+        <p:nvSpPr>
           <p:cNvPr id="3" name="Content Placeholder 2"/>
           <p:cNvSpPr>
             <a:spLocks noGrp="1"/>
@@ -4202,6 +8705,859 @@
           <a:bodyPr/>
           <a:lstStyle/>
           <a:p>
+            <a:r>
+              <a:rPr lang="en-US" dirty="0" smtClean="0"/>
+              <a:t>Use cases, e.g.,</a:t>
+            </a:r>
+          </a:p>
+          <a:p>
+            <a:pPr lvl="1"/>
+            <a:r>
+              <a:rPr lang="en-US" dirty="0" smtClean="0"/>
+              <a:t>Experimenting with new packages</a:t>
+            </a:r>
+          </a:p>
+          <a:p>
+            <a:pPr lvl="1"/>
+            <a:r>
+              <a:rPr lang="en-US" dirty="0" smtClean="0"/>
+              <a:t>Task-dedicated environment</a:t>
+            </a:r>
+          </a:p>
+          <a:p>
+            <a:r>
+              <a:rPr lang="en-US" dirty="0" smtClean="0"/>
+              <a:t>Clone environment</a:t>
+            </a:r>
+          </a:p>
+          <a:p>
+            <a:endParaRPr lang="en-US" dirty="0"/>
+          </a:p>
+          <a:p>
+            <a:r>
+              <a:rPr lang="en-US" dirty="0" smtClean="0"/>
+              <a:t>Work with environment</a:t>
+            </a:r>
+          </a:p>
+          <a:p>
+            <a:endParaRPr lang="en-US" dirty="0"/>
+          </a:p>
+          <a:p>
+            <a:endParaRPr lang="nl-BE" dirty="0"/>
+          </a:p>
+        </p:txBody>
+      </p:sp>
+      <p:sp>
+        <p:nvSpPr>
+          <p:cNvPr id="4" name="TextBox 3"/>
+          <p:cNvSpPr txBox="1"/>
+          <p:nvPr/>
+        </p:nvSpPr>
+        <p:spPr>
+          <a:xfrm>
+            <a:off x="1061556" y="3632654"/>
+            <a:ext cx="6388287" cy="369332"/>
+          </a:xfrm>
+          <a:prstGeom prst="rect">
+            <a:avLst/>
+          </a:prstGeom>
+          <a:solidFill>
+            <a:schemeClr val="accent1">
+              <a:lumMod val="20000"/>
+              <a:lumOff val="80000"/>
+            </a:schemeClr>
+          </a:solidFill>
+          <a:ln>
+            <a:solidFill>
+              <a:schemeClr val="tx1"/>
+            </a:solidFill>
+          </a:ln>
+        </p:spPr>
+        <p:txBody>
+          <a:bodyPr wrap="none" rtlCol="0">
+            <a:spAutoFit/>
+          </a:bodyPr>
+          <a:lstStyle/>
+          <a:p>
+            <a:r>
+              <a:rPr lang="pt-BR" dirty="0">
+                <a:latin typeface="Courier New" panose="02070309020205020404" pitchFamily="49" charset="0"/>
+                <a:cs typeface="Courier New" panose="02070309020205020404" pitchFamily="49" charset="0"/>
+              </a:rPr>
+              <a:t>$ conda create  --clone R_base  --name R_test</a:t>
+            </a:r>
+            <a:endParaRPr lang="nl-BE" dirty="0">
+              <a:latin typeface="Courier New" panose="02070309020205020404" pitchFamily="49" charset="0"/>
+              <a:cs typeface="Courier New" panose="02070309020205020404" pitchFamily="49" charset="0"/>
+            </a:endParaRPr>
+          </a:p>
+        </p:txBody>
+      </p:sp>
+      <p:sp>
+        <p:nvSpPr>
+          <p:cNvPr id="5" name="TextBox 4"/>
+          <p:cNvSpPr txBox="1"/>
+          <p:nvPr/>
+        </p:nvSpPr>
+        <p:spPr>
+          <a:xfrm>
+            <a:off x="1061556" y="4646814"/>
+            <a:ext cx="6388287" cy="369332"/>
+          </a:xfrm>
+          <a:prstGeom prst="rect">
+            <a:avLst/>
+          </a:prstGeom>
+          <a:solidFill>
+            <a:schemeClr val="accent1">
+              <a:lumMod val="20000"/>
+              <a:lumOff val="80000"/>
+            </a:schemeClr>
+          </a:solidFill>
+          <a:ln>
+            <a:solidFill>
+              <a:schemeClr val="tx1"/>
+            </a:solidFill>
+          </a:ln>
+        </p:spPr>
+        <p:txBody>
+          <a:bodyPr wrap="square" rtlCol="0">
+            <a:spAutoFit/>
+          </a:bodyPr>
+          <a:lstStyle/>
+          <a:p>
+            <a:r>
+              <a:rPr lang="pt-BR" dirty="0">
+                <a:latin typeface="Courier New" panose="02070309020205020404" pitchFamily="49" charset="0"/>
+                <a:cs typeface="Courier New" panose="02070309020205020404" pitchFamily="49" charset="0"/>
+              </a:rPr>
+              <a:t>$ source  activate  R_test</a:t>
+            </a:r>
+            <a:endParaRPr lang="nl-BE" dirty="0">
+              <a:latin typeface="Courier New" panose="02070309020205020404" pitchFamily="49" charset="0"/>
+              <a:cs typeface="Courier New" panose="02070309020205020404" pitchFamily="49" charset="0"/>
+            </a:endParaRPr>
+          </a:p>
+        </p:txBody>
+      </p:sp>
+      <p:sp>
+        <p:nvSpPr>
+          <p:cNvPr id="6" name="Slide Number Placeholder 5"/>
+          <p:cNvSpPr>
+            <a:spLocks noGrp="1"/>
+          </p:cNvSpPr>
+          <p:nvPr>
+            <p:ph type="sldNum" sz="quarter" idx="12"/>
+          </p:nvPr>
+        </p:nvSpPr>
+        <p:spPr/>
+        <p:txBody>
+          <a:bodyPr/>
+          <a:lstStyle/>
+          <a:p>
+            <a:fld id="{A985FA6B-0B33-4DDF-AAD2-6441C501957A}" type="slidenum">
+              <a:rPr lang="nl-BE" smtClean="0"/>
+              <a:t>8</a:t>
+            </a:fld>
+            <a:endParaRPr lang="nl-BE"/>
+          </a:p>
+        </p:txBody>
+      </p:sp>
+    </p:spTree>
+    <p:extLst>
+      <p:ext uri="{BB962C8B-B14F-4D97-AF65-F5344CB8AC3E}">
+        <p14:creationId xmlns:p14="http://schemas.microsoft.com/office/powerpoint/2010/main" val="3965638629"/>
+      </p:ext>
+    </p:extLst>
+  </p:cSld>
+  <p:clrMapOvr>
+    <a:masterClrMapping/>
+  </p:clrMapOvr>
+  <p:timing>
+    <p:tnLst>
+      <p:par>
+        <p:cTn id="1" dur="indefinite" restart="never" nodeType="tmRoot">
+          <p:childTnLst>
+            <p:seq concurrent="1" nextAc="seek">
+              <p:cTn id="2" dur="indefinite" nodeType="mainSeq">
+                <p:childTnLst>
+                  <p:par>
+                    <p:cTn id="3" fill="hold">
+                      <p:stCondLst>
+                        <p:cond delay="indefinite"/>
+                        <p:cond evt="onBegin" delay="0">
+                          <p:tn val="2"/>
+                        </p:cond>
+                      </p:stCondLst>
+                      <p:childTnLst>
+                        <p:par>
+                          <p:cTn id="4" fill="hold">
+                            <p:stCondLst>
+                              <p:cond delay="0"/>
+                            </p:stCondLst>
+                            <p:childTnLst>
+                              <p:par>
+                                <p:cTn id="5" presetID="1" presetClass="entr" presetSubtype="0" fill="hold" grpId="0" nodeType="withEffect">
+                                  <p:stCondLst>
+                                    <p:cond delay="0"/>
+                                  </p:stCondLst>
+                                  <p:childTnLst>
+                                    <p:set>
+                                      <p:cBhvr>
+                                        <p:cTn id="6" dur="1" fill="hold">
+                                          <p:stCondLst>
+                                            <p:cond delay="0"/>
+                                          </p:stCondLst>
+                                        </p:cTn>
+                                        <p:tgtEl>
+                                          <p:spTgt spid="3">
+                                            <p:txEl>
+                                              <p:pRg st="0" end="0"/>
+                                            </p:txEl>
+                                          </p:spTgt>
+                                        </p:tgtEl>
+                                        <p:attrNameLst>
+                                          <p:attrName>style.visibility</p:attrName>
+                                        </p:attrNameLst>
+                                      </p:cBhvr>
+                                      <p:to>
+                                        <p:strVal val="visible"/>
+                                      </p:to>
+                                    </p:set>
+                                  </p:childTnLst>
+                                </p:cTn>
+                              </p:par>
+                              <p:par>
+                                <p:cTn id="7" presetID="1" presetClass="entr" presetSubtype="0" fill="hold" grpId="0" nodeType="withEffect">
+                                  <p:stCondLst>
+                                    <p:cond delay="0"/>
+                                  </p:stCondLst>
+                                  <p:childTnLst>
+                                    <p:set>
+                                      <p:cBhvr>
+                                        <p:cTn id="8" dur="1" fill="hold">
+                                          <p:stCondLst>
+                                            <p:cond delay="0"/>
+                                          </p:stCondLst>
+                                        </p:cTn>
+                                        <p:tgtEl>
+                                          <p:spTgt spid="3">
+                                            <p:txEl>
+                                              <p:pRg st="1" end="1"/>
+                                            </p:txEl>
+                                          </p:spTgt>
+                                        </p:tgtEl>
+                                        <p:attrNameLst>
+                                          <p:attrName>style.visibility</p:attrName>
+                                        </p:attrNameLst>
+                                      </p:cBhvr>
+                                      <p:to>
+                                        <p:strVal val="visible"/>
+                                      </p:to>
+                                    </p:set>
+                                  </p:childTnLst>
+                                </p:cTn>
+                              </p:par>
+                              <p:par>
+                                <p:cTn id="9" presetID="1" presetClass="entr" presetSubtype="0" fill="hold" grpId="0" nodeType="withEffect">
+                                  <p:stCondLst>
+                                    <p:cond delay="0"/>
+                                  </p:stCondLst>
+                                  <p:childTnLst>
+                                    <p:set>
+                                      <p:cBhvr>
+                                        <p:cTn id="10" dur="1" fill="hold">
+                                          <p:stCondLst>
+                                            <p:cond delay="0"/>
+                                          </p:stCondLst>
+                                        </p:cTn>
+                                        <p:tgtEl>
+                                          <p:spTgt spid="3">
+                                            <p:txEl>
+                                              <p:pRg st="2" end="2"/>
+                                            </p:txEl>
+                                          </p:spTgt>
+                                        </p:tgtEl>
+                                        <p:attrNameLst>
+                                          <p:attrName>style.visibility</p:attrName>
+                                        </p:attrNameLst>
+                                      </p:cBhvr>
+                                      <p:to>
+                                        <p:strVal val="visible"/>
+                                      </p:to>
+                                    </p:set>
+                                  </p:childTnLst>
+                                </p:cTn>
+                              </p:par>
+                            </p:childTnLst>
+                          </p:cTn>
+                        </p:par>
+                      </p:childTnLst>
+                    </p:cTn>
+                  </p:par>
+                  <p:par>
+                    <p:cTn id="11" fill="hold">
+                      <p:stCondLst>
+                        <p:cond delay="indefinite"/>
+                      </p:stCondLst>
+                      <p:childTnLst>
+                        <p:par>
+                          <p:cTn id="12" fill="hold">
+                            <p:stCondLst>
+                              <p:cond delay="0"/>
+                            </p:stCondLst>
+                            <p:childTnLst>
+                              <p:par>
+                                <p:cTn id="13" presetID="1" presetClass="entr" presetSubtype="0" fill="hold" grpId="0" nodeType="clickEffect">
+                                  <p:stCondLst>
+                                    <p:cond delay="0"/>
+                                  </p:stCondLst>
+                                  <p:childTnLst>
+                                    <p:set>
+                                      <p:cBhvr>
+                                        <p:cTn id="14" dur="1" fill="hold">
+                                          <p:stCondLst>
+                                            <p:cond delay="0"/>
+                                          </p:stCondLst>
+                                        </p:cTn>
+                                        <p:tgtEl>
+                                          <p:spTgt spid="3">
+                                            <p:txEl>
+                                              <p:pRg st="3" end="3"/>
+                                            </p:txEl>
+                                          </p:spTgt>
+                                        </p:tgtEl>
+                                        <p:attrNameLst>
+                                          <p:attrName>style.visibility</p:attrName>
+                                        </p:attrNameLst>
+                                      </p:cBhvr>
+                                      <p:to>
+                                        <p:strVal val="visible"/>
+                                      </p:to>
+                                    </p:set>
+                                  </p:childTnLst>
+                                </p:cTn>
+                              </p:par>
+                              <p:par>
+                                <p:cTn id="15" presetID="1" presetClass="entr" presetSubtype="0" fill="hold" grpId="0" nodeType="withEffect">
+                                  <p:stCondLst>
+                                    <p:cond delay="0"/>
+                                  </p:stCondLst>
+                                  <p:childTnLst>
+                                    <p:set>
+                                      <p:cBhvr>
+                                        <p:cTn id="16" dur="1" fill="hold">
+                                          <p:stCondLst>
+                                            <p:cond delay="0"/>
+                                          </p:stCondLst>
+                                        </p:cTn>
+                                        <p:tgtEl>
+                                          <p:spTgt spid="4"/>
+                                        </p:tgtEl>
+                                        <p:attrNameLst>
+                                          <p:attrName>style.visibility</p:attrName>
+                                        </p:attrNameLst>
+                                      </p:cBhvr>
+                                      <p:to>
+                                        <p:strVal val="visible"/>
+                                      </p:to>
+                                    </p:set>
+                                  </p:childTnLst>
+                                </p:cTn>
+                              </p:par>
+                            </p:childTnLst>
+                          </p:cTn>
+                        </p:par>
+                      </p:childTnLst>
+                    </p:cTn>
+                  </p:par>
+                  <p:par>
+                    <p:cTn id="17" fill="hold">
+                      <p:stCondLst>
+                        <p:cond delay="indefinite"/>
+                      </p:stCondLst>
+                      <p:childTnLst>
+                        <p:par>
+                          <p:cTn id="18" fill="hold">
+                            <p:stCondLst>
+                              <p:cond delay="0"/>
+                            </p:stCondLst>
+                            <p:childTnLst>
+                              <p:par>
+                                <p:cTn id="19" presetID="1" presetClass="entr" presetSubtype="0" fill="hold" grpId="0" nodeType="clickEffect">
+                                  <p:stCondLst>
+                                    <p:cond delay="0"/>
+                                  </p:stCondLst>
+                                  <p:childTnLst>
+                                    <p:set>
+                                      <p:cBhvr>
+                                        <p:cTn id="20" dur="1" fill="hold">
+                                          <p:stCondLst>
+                                            <p:cond delay="0"/>
+                                          </p:stCondLst>
+                                        </p:cTn>
+                                        <p:tgtEl>
+                                          <p:spTgt spid="3">
+                                            <p:txEl>
+                                              <p:pRg st="5" end="5"/>
+                                            </p:txEl>
+                                          </p:spTgt>
+                                        </p:tgtEl>
+                                        <p:attrNameLst>
+                                          <p:attrName>style.visibility</p:attrName>
+                                        </p:attrNameLst>
+                                      </p:cBhvr>
+                                      <p:to>
+                                        <p:strVal val="visible"/>
+                                      </p:to>
+                                    </p:set>
+                                  </p:childTnLst>
+                                </p:cTn>
+                              </p:par>
+                              <p:par>
+                                <p:cTn id="21" presetID="1" presetClass="entr" presetSubtype="0" fill="hold" grpId="0" nodeType="withEffect">
+                                  <p:stCondLst>
+                                    <p:cond delay="0"/>
+                                  </p:stCondLst>
+                                  <p:childTnLst>
+                                    <p:set>
+                                      <p:cBhvr>
+                                        <p:cTn id="22" dur="1" fill="hold">
+                                          <p:stCondLst>
+                                            <p:cond delay="0"/>
+                                          </p:stCondLst>
+                                        </p:cTn>
+                                        <p:tgtEl>
+                                          <p:spTgt spid="5"/>
+                                        </p:tgtEl>
+                                        <p:attrNameLst>
+                                          <p:attrName>style.visibility</p:attrName>
+                                        </p:attrNameLst>
+                                      </p:cBhvr>
+                                      <p:to>
+                                        <p:strVal val="visible"/>
+                                      </p:to>
+                                    </p:set>
+                                  </p:childTnLst>
+                                </p:cTn>
+                              </p:par>
+                            </p:childTnLst>
+                          </p:cTn>
+                        </p:par>
+                      </p:childTnLst>
+                    </p:cTn>
+                  </p:par>
+                </p:childTnLst>
+              </p:cTn>
+              <p:prevCondLst>
+                <p:cond evt="onPrev" delay="0">
+                  <p:tgtEl>
+                    <p:sldTgt/>
+                  </p:tgtEl>
+                </p:cond>
+              </p:prevCondLst>
+              <p:nextCondLst>
+                <p:cond evt="onNext" delay="0">
+                  <p:tgtEl>
+                    <p:sldTgt/>
+                  </p:tgtEl>
+                </p:cond>
+              </p:nextCondLst>
+            </p:seq>
+          </p:childTnLst>
+        </p:cTn>
+      </p:par>
+    </p:tnLst>
+    <p:bldLst>
+      <p:bldP spid="3" grpId="0" uiExpand="1" build="p"/>
+      <p:bldP spid="4" grpId="0" animBg="1"/>
+      <p:bldP spid="5" grpId="0" animBg="1"/>
+    </p:bldLst>
+  </p:timing>
+</p:sld>
+</file>
+
+<file path=ppt/slides/slide9.xml><?xml version="1.0" encoding="utf-8"?>
+<p:sld xmlns:a="http://schemas.openxmlformats.org/drawingml/2006/main" xmlns:r="http://schemas.openxmlformats.org/officeDocument/2006/relationships" xmlns:p="http://schemas.openxmlformats.org/presentationml/2006/main">
+  <p:cSld>
+    <p:spTree>
+      <p:nvGrpSpPr>
+        <p:cNvPr id="1" name=""/>
+        <p:cNvGrpSpPr/>
+        <p:nvPr/>
+      </p:nvGrpSpPr>
+      <p:grpSpPr>
+        <a:xfrm>
+          <a:off x="0" y="0"/>
+          <a:ext cx="0" cy="0"/>
+          <a:chOff x="0" y="0"/>
+          <a:chExt cx="0" cy="0"/>
+        </a:xfrm>
+      </p:grpSpPr>
+      <p:sp>
+        <p:nvSpPr>
+          <p:cNvPr id="2" name="Title 1"/>
+          <p:cNvSpPr>
+            <a:spLocks noGrp="1"/>
+          </p:cNvSpPr>
+          <p:nvPr>
+            <p:ph type="title"/>
+          </p:nvPr>
+        </p:nvSpPr>
+        <p:spPr/>
+        <p:txBody>
+          <a:bodyPr/>
+          <a:lstStyle/>
+          <a:p>
+            <a:r>
+              <a:rPr lang="en-US" dirty="0" smtClean="0"/>
+              <a:t>Managing &amp; sharing environments</a:t>
+            </a:r>
+            <a:endParaRPr lang="nl-BE" dirty="0"/>
+          </a:p>
+        </p:txBody>
+      </p:sp>
+      <p:sp>
+        <p:nvSpPr>
+          <p:cNvPr id="3" name="Content Placeholder 2"/>
+          <p:cNvSpPr>
+            <a:spLocks noGrp="1"/>
+          </p:cNvSpPr>
+          <p:nvPr>
+            <p:ph idx="1"/>
+          </p:nvPr>
+        </p:nvSpPr>
+        <p:spPr/>
+        <p:txBody>
+          <a:bodyPr/>
+          <a:lstStyle/>
+          <a:p>
+            <a:r>
+              <a:rPr lang="en-US" dirty="0" smtClean="0"/>
+              <a:t>List all environments</a:t>
+            </a:r>
+          </a:p>
+          <a:p>
+            <a:endParaRPr lang="en-US" dirty="0"/>
+          </a:p>
+          <a:p>
+            <a:r>
+              <a:rPr lang="en-US" dirty="0" smtClean="0"/>
+              <a:t>Remove environment</a:t>
+            </a:r>
+          </a:p>
+          <a:p>
+            <a:endParaRPr lang="en-US" dirty="0"/>
+          </a:p>
+          <a:p>
+            <a:r>
+              <a:rPr lang="en-US" dirty="0" smtClean="0"/>
+              <a:t>Sharing environments</a:t>
+            </a:r>
+          </a:p>
+          <a:p>
+            <a:pPr lvl="1"/>
+            <a:r>
+              <a:rPr lang="en-US" dirty="0" smtClean="0"/>
+              <a:t>Export environment description</a:t>
+            </a:r>
+          </a:p>
+          <a:p>
+            <a:pPr lvl="1"/>
+            <a:endParaRPr lang="en-US" dirty="0"/>
+          </a:p>
+          <a:p>
+            <a:pPr lvl="1"/>
+            <a:endParaRPr lang="en-US" dirty="0" smtClean="0"/>
+          </a:p>
+          <a:p>
+            <a:pPr lvl="1"/>
+            <a:r>
+              <a:rPr lang="en-US" dirty="0" smtClean="0"/>
+              <a:t>Create environment elsewhere</a:t>
+            </a:r>
+            <a:endParaRPr lang="nl-BE" dirty="0"/>
+          </a:p>
+        </p:txBody>
+      </p:sp>
+      <p:sp>
+        <p:nvSpPr>
+          <p:cNvPr id="4" name="TextBox 3"/>
+          <p:cNvSpPr txBox="1"/>
+          <p:nvPr/>
+        </p:nvSpPr>
+        <p:spPr>
+          <a:xfrm>
+            <a:off x="965250" y="2383956"/>
+            <a:ext cx="4733988" cy="369332"/>
+          </a:xfrm>
+          <a:prstGeom prst="rect">
+            <a:avLst/>
+          </a:prstGeom>
+          <a:solidFill>
+            <a:schemeClr val="accent1">
+              <a:lumMod val="20000"/>
+              <a:lumOff val="80000"/>
+            </a:schemeClr>
+          </a:solidFill>
+          <a:ln>
+            <a:solidFill>
+              <a:schemeClr val="tx1"/>
+            </a:solidFill>
+          </a:ln>
+        </p:spPr>
+        <p:txBody>
+          <a:bodyPr wrap="square" rtlCol="0">
+            <a:spAutoFit/>
+          </a:bodyPr>
+          <a:lstStyle/>
+          <a:p>
+            <a:r>
+              <a:rPr lang="pt-BR" dirty="0">
+                <a:latin typeface="Courier New" panose="02070309020205020404" pitchFamily="49" charset="0"/>
+                <a:cs typeface="Courier New" panose="02070309020205020404" pitchFamily="49" charset="0"/>
+              </a:rPr>
+              <a:t>$ conda env  list</a:t>
+            </a:r>
+            <a:endParaRPr lang="nl-BE" dirty="0">
+              <a:latin typeface="Courier New" panose="02070309020205020404" pitchFamily="49" charset="0"/>
+              <a:cs typeface="Courier New" panose="02070309020205020404" pitchFamily="49" charset="0"/>
+            </a:endParaRPr>
+          </a:p>
+        </p:txBody>
+      </p:sp>
+      <p:sp>
+        <p:nvSpPr>
+          <p:cNvPr id="5" name="TextBox 4"/>
+          <p:cNvSpPr txBox="1"/>
+          <p:nvPr/>
+        </p:nvSpPr>
+        <p:spPr>
+          <a:xfrm>
+            <a:off x="965250" y="3311619"/>
+            <a:ext cx="4733988" cy="369332"/>
+          </a:xfrm>
+          <a:prstGeom prst="rect">
+            <a:avLst/>
+          </a:prstGeom>
+          <a:solidFill>
+            <a:schemeClr val="accent1">
+              <a:lumMod val="20000"/>
+              <a:lumOff val="80000"/>
+            </a:schemeClr>
+          </a:solidFill>
+          <a:ln>
+            <a:solidFill>
+              <a:schemeClr val="tx1"/>
+            </a:solidFill>
+          </a:ln>
+        </p:spPr>
+        <p:txBody>
+          <a:bodyPr wrap="none" rtlCol="0">
+            <a:spAutoFit/>
+          </a:bodyPr>
+          <a:lstStyle/>
+          <a:p>
+            <a:r>
+              <a:rPr lang="pt-BR" dirty="0">
+                <a:latin typeface="Courier New" panose="02070309020205020404" pitchFamily="49" charset="0"/>
+                <a:cs typeface="Courier New" panose="02070309020205020404" pitchFamily="49" charset="0"/>
+              </a:rPr>
+              <a:t>$ conda env  remove  --name R_exp</a:t>
+            </a:r>
+            <a:endParaRPr lang="nl-BE" dirty="0">
+              <a:latin typeface="Courier New" panose="02070309020205020404" pitchFamily="49" charset="0"/>
+              <a:cs typeface="Courier New" panose="02070309020205020404" pitchFamily="49" charset="0"/>
+            </a:endParaRPr>
+          </a:p>
+        </p:txBody>
+      </p:sp>
+      <p:sp>
+        <p:nvSpPr>
+          <p:cNvPr id="6" name="TextBox 5"/>
+          <p:cNvSpPr txBox="1"/>
+          <p:nvPr/>
+        </p:nvSpPr>
+        <p:spPr>
+          <a:xfrm>
+            <a:off x="1609267" y="4797614"/>
+            <a:ext cx="6540895" cy="646331"/>
+          </a:xfrm>
+          <a:prstGeom prst="rect">
+            <a:avLst/>
+          </a:prstGeom>
+          <a:solidFill>
+            <a:schemeClr val="accent1">
+              <a:lumMod val="20000"/>
+              <a:lumOff val="80000"/>
+            </a:schemeClr>
+          </a:solidFill>
+          <a:ln>
+            <a:solidFill>
+              <a:schemeClr val="tx1"/>
+            </a:solidFill>
+          </a:ln>
+        </p:spPr>
+        <p:txBody>
+          <a:bodyPr wrap="square" rtlCol="0">
+            <a:spAutoFit/>
+          </a:bodyPr>
+          <a:lstStyle/>
+          <a:p>
+            <a:r>
+              <a:rPr lang="pt-BR" dirty="0">
+                <a:latin typeface="Courier New" panose="02070309020205020404" pitchFamily="49" charset="0"/>
+                <a:cs typeface="Courier New" panose="02070309020205020404" pitchFamily="49" charset="0"/>
+              </a:rPr>
+              <a:t>$ source activate  R_base</a:t>
+            </a:r>
+            <a:br>
+              <a:rPr lang="pt-BR" dirty="0">
+                <a:latin typeface="Courier New" panose="02070309020205020404" pitchFamily="49" charset="0"/>
+                <a:cs typeface="Courier New" panose="02070309020205020404" pitchFamily="49" charset="0"/>
+              </a:rPr>
+            </a:br>
+            <a:r>
+              <a:rPr lang="pt-BR" dirty="0">
+                <a:latin typeface="Courier New" panose="02070309020205020404" pitchFamily="49" charset="0"/>
+                <a:cs typeface="Courier New" panose="02070309020205020404" pitchFamily="49" charset="0"/>
+              </a:rPr>
+              <a:t>$ conda env  export  R_base_environment.yml</a:t>
+            </a:r>
+            <a:endParaRPr lang="nl-BE" dirty="0">
+              <a:latin typeface="Courier New" panose="02070309020205020404" pitchFamily="49" charset="0"/>
+              <a:cs typeface="Courier New" panose="02070309020205020404" pitchFamily="49" charset="0"/>
+            </a:endParaRPr>
+          </a:p>
+        </p:txBody>
+      </p:sp>
+      <p:sp>
+        <p:nvSpPr>
+          <p:cNvPr id="7" name="TextBox 6"/>
+          <p:cNvSpPr txBox="1"/>
+          <p:nvPr/>
+        </p:nvSpPr>
+        <p:spPr>
+          <a:xfrm>
+            <a:off x="1624015" y="6031565"/>
+            <a:ext cx="6526146" cy="369332"/>
+          </a:xfrm>
+          <a:prstGeom prst="rect">
+            <a:avLst/>
+          </a:prstGeom>
+          <a:solidFill>
+            <a:schemeClr val="accent1">
+              <a:lumMod val="20000"/>
+              <a:lumOff val="80000"/>
+            </a:schemeClr>
+          </a:solidFill>
+          <a:ln>
+            <a:solidFill>
+              <a:schemeClr val="tx1"/>
+            </a:solidFill>
+          </a:ln>
+        </p:spPr>
+        <p:txBody>
+          <a:bodyPr wrap="none" rtlCol="0">
+            <a:spAutoFit/>
+          </a:bodyPr>
+          <a:lstStyle/>
+          <a:p>
+            <a:r>
+              <a:rPr lang="pt-BR" dirty="0">
+                <a:latin typeface="Courier New" panose="02070309020205020404" pitchFamily="49" charset="0"/>
+                <a:cs typeface="Courier New" panose="02070309020205020404" pitchFamily="49" charset="0"/>
+              </a:rPr>
+              <a:t>$ conda env  create  -f R_base_environment.yml</a:t>
+            </a:r>
+            <a:endParaRPr lang="nl-BE" dirty="0">
+              <a:latin typeface="Courier New" panose="02070309020205020404" pitchFamily="49" charset="0"/>
+              <a:cs typeface="Courier New" panose="02070309020205020404" pitchFamily="49" charset="0"/>
+            </a:endParaRPr>
+          </a:p>
+        </p:txBody>
+      </p:sp>
+      <p:sp>
+        <p:nvSpPr>
+          <p:cNvPr id="8" name="TextBox 7"/>
+          <p:cNvSpPr txBox="1"/>
+          <p:nvPr/>
+        </p:nvSpPr>
+        <p:spPr>
+          <a:xfrm rot="1584807">
+            <a:off x="6482327" y="4133074"/>
+            <a:ext cx="2409955" cy="954107"/>
+          </a:xfrm>
+          <a:prstGeom prst="rect">
+            <a:avLst/>
+          </a:prstGeom>
+          <a:solidFill>
+            <a:schemeClr val="accent2">
+              <a:lumMod val="60000"/>
+              <a:lumOff val="40000"/>
+            </a:schemeClr>
+          </a:solidFill>
+          <a:ln>
+            <a:solidFill>
+              <a:srgbClr val="C00000"/>
+            </a:solidFill>
+          </a:ln>
+        </p:spPr>
+        <p:txBody>
+          <a:bodyPr wrap="none" rtlCol="0">
+            <a:spAutoFit/>
+          </a:bodyPr>
+          <a:lstStyle/>
+          <a:p>
+            <a:r>
+              <a:rPr lang="en-US" sz="2800" dirty="0">
+                <a:solidFill>
+                  <a:srgbClr val="C00000"/>
+                </a:solidFill>
+              </a:rPr>
+              <a:t>Portable across</a:t>
+            </a:r>
+            <a:br>
+              <a:rPr lang="en-US" sz="2800" dirty="0">
+                <a:solidFill>
+                  <a:srgbClr val="C00000"/>
+                </a:solidFill>
+              </a:rPr>
+            </a:br>
+            <a:r>
+              <a:rPr lang="en-US" sz="2800" dirty="0">
+                <a:solidFill>
+                  <a:srgbClr val="C00000"/>
+                </a:solidFill>
+              </a:rPr>
+              <a:t>platforms!</a:t>
+            </a:r>
+            <a:endParaRPr lang="nl-BE" sz="2800" dirty="0">
+              <a:solidFill>
+                <a:srgbClr val="C00000"/>
+              </a:solidFill>
+            </a:endParaRPr>
+          </a:p>
+        </p:txBody>
+      </p:sp>
+      <p:sp>
+        <p:nvSpPr>
+          <p:cNvPr id="9" name="Slide Number Placeholder 8"/>
+          <p:cNvSpPr>
+            <a:spLocks noGrp="1"/>
+          </p:cNvSpPr>
+          <p:nvPr>
+            <p:ph type="sldNum" sz="quarter" idx="12"/>
+          </p:nvPr>
+        </p:nvSpPr>
+        <p:spPr/>
+        <p:txBody>
+          <a:bodyPr/>
+          <a:lstStyle/>
+          <a:p>
+            <a:fld id="{A985FA6B-0B33-4DDF-AAD2-6441C501957A}" type="slidenum">
+              <a:rPr lang="nl-BE" smtClean="0"/>
+              <a:t>9</a:t>
+            </a:fld>
             <a:endParaRPr lang="nl-BE"/>
           </a:p>
         </p:txBody>
@@ -4216,10 +9572,694 @@
   <p:clrMapOvr>
     <a:masterClrMapping/>
   </p:clrMapOvr>
+  <p:timing>
+    <p:tnLst>
+      <p:par>
+        <p:cTn id="1" dur="indefinite" restart="never" nodeType="tmRoot">
+          <p:childTnLst>
+            <p:seq concurrent="1" nextAc="seek">
+              <p:cTn id="2" dur="indefinite" nodeType="mainSeq">
+                <p:childTnLst>
+                  <p:par>
+                    <p:cTn id="3" fill="hold">
+                      <p:stCondLst>
+                        <p:cond delay="indefinite"/>
+                        <p:cond evt="onBegin" delay="0">
+                          <p:tn val="2"/>
+                        </p:cond>
+                      </p:stCondLst>
+                      <p:childTnLst>
+                        <p:par>
+                          <p:cTn id="4" fill="hold">
+                            <p:stCondLst>
+                              <p:cond delay="0"/>
+                            </p:stCondLst>
+                            <p:childTnLst>
+                              <p:par>
+                                <p:cTn id="5" presetID="1" presetClass="entr" presetSubtype="0" fill="hold" grpId="0" nodeType="withEffect">
+                                  <p:stCondLst>
+                                    <p:cond delay="0"/>
+                                  </p:stCondLst>
+                                  <p:childTnLst>
+                                    <p:set>
+                                      <p:cBhvr>
+                                        <p:cTn id="6" dur="1" fill="hold">
+                                          <p:stCondLst>
+                                            <p:cond delay="0"/>
+                                          </p:stCondLst>
+                                        </p:cTn>
+                                        <p:tgtEl>
+                                          <p:spTgt spid="3">
+                                            <p:txEl>
+                                              <p:pRg st="0" end="0"/>
+                                            </p:txEl>
+                                          </p:spTgt>
+                                        </p:tgtEl>
+                                        <p:attrNameLst>
+                                          <p:attrName>style.visibility</p:attrName>
+                                        </p:attrNameLst>
+                                      </p:cBhvr>
+                                      <p:to>
+                                        <p:strVal val="visible"/>
+                                      </p:to>
+                                    </p:set>
+                                  </p:childTnLst>
+                                </p:cTn>
+                              </p:par>
+                              <p:par>
+                                <p:cTn id="7" presetID="1" presetClass="entr" presetSubtype="0" fill="hold" grpId="0" nodeType="withEffect">
+                                  <p:stCondLst>
+                                    <p:cond delay="0"/>
+                                  </p:stCondLst>
+                                  <p:childTnLst>
+                                    <p:set>
+                                      <p:cBhvr>
+                                        <p:cTn id="8" dur="1" fill="hold">
+                                          <p:stCondLst>
+                                            <p:cond delay="0"/>
+                                          </p:stCondLst>
+                                        </p:cTn>
+                                        <p:tgtEl>
+                                          <p:spTgt spid="4">
+                                            <p:bg/>
+                                          </p:spTgt>
+                                        </p:tgtEl>
+                                        <p:attrNameLst>
+                                          <p:attrName>style.visibility</p:attrName>
+                                        </p:attrNameLst>
+                                      </p:cBhvr>
+                                      <p:to>
+                                        <p:strVal val="visible"/>
+                                      </p:to>
+                                    </p:set>
+                                  </p:childTnLst>
+                                </p:cTn>
+                              </p:par>
+                            </p:childTnLst>
+                          </p:cTn>
+                        </p:par>
+                      </p:childTnLst>
+                    </p:cTn>
+                  </p:par>
+                  <p:par>
+                    <p:cTn id="9" fill="hold">
+                      <p:stCondLst>
+                        <p:cond delay="indefinite"/>
+                      </p:stCondLst>
+                      <p:childTnLst>
+                        <p:par>
+                          <p:cTn id="10" fill="hold">
+                            <p:stCondLst>
+                              <p:cond delay="0"/>
+                            </p:stCondLst>
+                            <p:childTnLst>
+                              <p:par>
+                                <p:cTn id="11" presetID="1" presetClass="entr" presetSubtype="0" fill="hold" grpId="0" nodeType="clickEffect">
+                                  <p:stCondLst>
+                                    <p:cond delay="0"/>
+                                  </p:stCondLst>
+                                  <p:childTnLst>
+                                    <p:set>
+                                      <p:cBhvr>
+                                        <p:cTn id="12" dur="1" fill="hold">
+                                          <p:stCondLst>
+                                            <p:cond delay="0"/>
+                                          </p:stCondLst>
+                                        </p:cTn>
+                                        <p:tgtEl>
+                                          <p:spTgt spid="3">
+                                            <p:txEl>
+                                              <p:pRg st="2" end="2"/>
+                                            </p:txEl>
+                                          </p:spTgt>
+                                        </p:tgtEl>
+                                        <p:attrNameLst>
+                                          <p:attrName>style.visibility</p:attrName>
+                                        </p:attrNameLst>
+                                      </p:cBhvr>
+                                      <p:to>
+                                        <p:strVal val="visible"/>
+                                      </p:to>
+                                    </p:set>
+                                  </p:childTnLst>
+                                </p:cTn>
+                              </p:par>
+                              <p:par>
+                                <p:cTn id="13" presetID="1" presetClass="entr" presetSubtype="0" fill="hold" grpId="0" nodeType="withEffect">
+                                  <p:stCondLst>
+                                    <p:cond delay="0"/>
+                                  </p:stCondLst>
+                                  <p:childTnLst>
+                                    <p:set>
+                                      <p:cBhvr>
+                                        <p:cTn id="14" dur="1" fill="hold">
+                                          <p:stCondLst>
+                                            <p:cond delay="0"/>
+                                          </p:stCondLst>
+                                        </p:cTn>
+                                        <p:tgtEl>
+                                          <p:spTgt spid="5"/>
+                                        </p:tgtEl>
+                                        <p:attrNameLst>
+                                          <p:attrName>style.visibility</p:attrName>
+                                        </p:attrNameLst>
+                                      </p:cBhvr>
+                                      <p:to>
+                                        <p:strVal val="visible"/>
+                                      </p:to>
+                                    </p:set>
+                                  </p:childTnLst>
+                                </p:cTn>
+                              </p:par>
+                            </p:childTnLst>
+                          </p:cTn>
+                        </p:par>
+                      </p:childTnLst>
+                    </p:cTn>
+                  </p:par>
+                  <p:par>
+                    <p:cTn id="15" fill="hold">
+                      <p:stCondLst>
+                        <p:cond delay="indefinite"/>
+                      </p:stCondLst>
+                      <p:childTnLst>
+                        <p:par>
+                          <p:cTn id="16" fill="hold">
+                            <p:stCondLst>
+                              <p:cond delay="0"/>
+                            </p:stCondLst>
+                            <p:childTnLst>
+                              <p:par>
+                                <p:cTn id="17" presetID="1" presetClass="entr" presetSubtype="0" fill="hold" grpId="0" nodeType="clickEffect">
+                                  <p:stCondLst>
+                                    <p:cond delay="0"/>
+                                  </p:stCondLst>
+                                  <p:childTnLst>
+                                    <p:set>
+                                      <p:cBhvr>
+                                        <p:cTn id="18" dur="1" fill="hold">
+                                          <p:stCondLst>
+                                            <p:cond delay="0"/>
+                                          </p:stCondLst>
+                                        </p:cTn>
+                                        <p:tgtEl>
+                                          <p:spTgt spid="3">
+                                            <p:txEl>
+                                              <p:pRg st="4" end="4"/>
+                                            </p:txEl>
+                                          </p:spTgt>
+                                        </p:tgtEl>
+                                        <p:attrNameLst>
+                                          <p:attrName>style.visibility</p:attrName>
+                                        </p:attrNameLst>
+                                      </p:cBhvr>
+                                      <p:to>
+                                        <p:strVal val="visible"/>
+                                      </p:to>
+                                    </p:set>
+                                  </p:childTnLst>
+                                </p:cTn>
+                              </p:par>
+                              <p:par>
+                                <p:cTn id="19" presetID="1" presetClass="entr" presetSubtype="0" fill="hold" grpId="0" nodeType="withEffect">
+                                  <p:stCondLst>
+                                    <p:cond delay="0"/>
+                                  </p:stCondLst>
+                                  <p:childTnLst>
+                                    <p:set>
+                                      <p:cBhvr>
+                                        <p:cTn id="20" dur="1" fill="hold">
+                                          <p:stCondLst>
+                                            <p:cond delay="0"/>
+                                          </p:stCondLst>
+                                        </p:cTn>
+                                        <p:tgtEl>
+                                          <p:spTgt spid="3">
+                                            <p:txEl>
+                                              <p:pRg st="5" end="5"/>
+                                            </p:txEl>
+                                          </p:spTgt>
+                                        </p:tgtEl>
+                                        <p:attrNameLst>
+                                          <p:attrName>style.visibility</p:attrName>
+                                        </p:attrNameLst>
+                                      </p:cBhvr>
+                                      <p:to>
+                                        <p:strVal val="visible"/>
+                                      </p:to>
+                                    </p:set>
+                                  </p:childTnLst>
+                                </p:cTn>
+                              </p:par>
+                              <p:par>
+                                <p:cTn id="21" presetID="1" presetClass="entr" presetSubtype="0" fill="hold" grpId="0" nodeType="withEffect">
+                                  <p:stCondLst>
+                                    <p:cond delay="0"/>
+                                  </p:stCondLst>
+                                  <p:childTnLst>
+                                    <p:set>
+                                      <p:cBhvr>
+                                        <p:cTn id="22" dur="1" fill="hold">
+                                          <p:stCondLst>
+                                            <p:cond delay="0"/>
+                                          </p:stCondLst>
+                                        </p:cTn>
+                                        <p:tgtEl>
+                                          <p:spTgt spid="6"/>
+                                        </p:tgtEl>
+                                        <p:attrNameLst>
+                                          <p:attrName>style.visibility</p:attrName>
+                                        </p:attrNameLst>
+                                      </p:cBhvr>
+                                      <p:to>
+                                        <p:strVal val="visible"/>
+                                      </p:to>
+                                    </p:set>
+                                  </p:childTnLst>
+                                </p:cTn>
+                              </p:par>
+                            </p:childTnLst>
+                          </p:cTn>
+                        </p:par>
+                      </p:childTnLst>
+                    </p:cTn>
+                  </p:par>
+                  <p:par>
+                    <p:cTn id="23" fill="hold">
+                      <p:stCondLst>
+                        <p:cond delay="indefinite"/>
+                      </p:stCondLst>
+                      <p:childTnLst>
+                        <p:par>
+                          <p:cTn id="24" fill="hold">
+                            <p:stCondLst>
+                              <p:cond delay="0"/>
+                            </p:stCondLst>
+                            <p:childTnLst>
+                              <p:par>
+                                <p:cTn id="25" presetID="1" presetClass="entr" presetSubtype="0" fill="hold" grpId="0" nodeType="clickEffect">
+                                  <p:stCondLst>
+                                    <p:cond delay="0"/>
+                                  </p:stCondLst>
+                                  <p:childTnLst>
+                                    <p:set>
+                                      <p:cBhvr>
+                                        <p:cTn id="26" dur="1" fill="hold">
+                                          <p:stCondLst>
+                                            <p:cond delay="0"/>
+                                          </p:stCondLst>
+                                        </p:cTn>
+                                        <p:tgtEl>
+                                          <p:spTgt spid="3">
+                                            <p:txEl>
+                                              <p:pRg st="8" end="8"/>
+                                            </p:txEl>
+                                          </p:spTgt>
+                                        </p:tgtEl>
+                                        <p:attrNameLst>
+                                          <p:attrName>style.visibility</p:attrName>
+                                        </p:attrNameLst>
+                                      </p:cBhvr>
+                                      <p:to>
+                                        <p:strVal val="visible"/>
+                                      </p:to>
+                                    </p:set>
+                                  </p:childTnLst>
+                                </p:cTn>
+                              </p:par>
+                              <p:par>
+                                <p:cTn id="27" presetID="1" presetClass="entr" presetSubtype="0" fill="hold" grpId="0" nodeType="withEffect">
+                                  <p:stCondLst>
+                                    <p:cond delay="0"/>
+                                  </p:stCondLst>
+                                  <p:childTnLst>
+                                    <p:set>
+                                      <p:cBhvr>
+                                        <p:cTn id="28" dur="1" fill="hold">
+                                          <p:stCondLst>
+                                            <p:cond delay="0"/>
+                                          </p:stCondLst>
+                                        </p:cTn>
+                                        <p:tgtEl>
+                                          <p:spTgt spid="7"/>
+                                        </p:tgtEl>
+                                        <p:attrNameLst>
+                                          <p:attrName>style.visibility</p:attrName>
+                                        </p:attrNameLst>
+                                      </p:cBhvr>
+                                      <p:to>
+                                        <p:strVal val="visible"/>
+                                      </p:to>
+                                    </p:set>
+                                  </p:childTnLst>
+                                </p:cTn>
+                              </p:par>
+                            </p:childTnLst>
+                          </p:cTn>
+                        </p:par>
+                      </p:childTnLst>
+                    </p:cTn>
+                  </p:par>
+                  <p:par>
+                    <p:cTn id="29" fill="hold">
+                      <p:stCondLst>
+                        <p:cond delay="indefinite"/>
+                      </p:stCondLst>
+                      <p:childTnLst>
+                        <p:par>
+                          <p:cTn id="30" fill="hold">
+                            <p:stCondLst>
+                              <p:cond delay="0"/>
+                            </p:stCondLst>
+                            <p:childTnLst>
+                              <p:par>
+                                <p:cTn id="31" presetID="1" presetClass="entr" presetSubtype="0" fill="hold" grpId="0" nodeType="clickEffect">
+                                  <p:stCondLst>
+                                    <p:cond delay="0"/>
+                                  </p:stCondLst>
+                                  <p:childTnLst>
+                                    <p:set>
+                                      <p:cBhvr>
+                                        <p:cTn id="32" dur="1" fill="hold">
+                                          <p:stCondLst>
+                                            <p:cond delay="0"/>
+                                          </p:stCondLst>
+                                        </p:cTn>
+                                        <p:tgtEl>
+                                          <p:spTgt spid="8"/>
+                                        </p:tgtEl>
+                                        <p:attrNameLst>
+                                          <p:attrName>style.visibility</p:attrName>
+                                        </p:attrNameLst>
+                                      </p:cBhvr>
+                                      <p:to>
+                                        <p:strVal val="visible"/>
+                                      </p:to>
+                                    </p:set>
+                                  </p:childTnLst>
+                                </p:cTn>
+                              </p:par>
+                            </p:childTnLst>
+                          </p:cTn>
+                        </p:par>
+                      </p:childTnLst>
+                    </p:cTn>
+                  </p:par>
+                </p:childTnLst>
+              </p:cTn>
+              <p:prevCondLst>
+                <p:cond evt="onPrev" delay="0">
+                  <p:tgtEl>
+                    <p:sldTgt/>
+                  </p:tgtEl>
+                </p:cond>
+              </p:prevCondLst>
+              <p:nextCondLst>
+                <p:cond evt="onNext" delay="0">
+                  <p:tgtEl>
+                    <p:sldTgt/>
+                  </p:tgtEl>
+                </p:cond>
+              </p:nextCondLst>
+            </p:seq>
+          </p:childTnLst>
+        </p:cTn>
+      </p:par>
+    </p:tnLst>
+    <p:bldLst>
+      <p:bldP spid="3" grpId="0" uiExpand="1" build="p" bldLvl="2"/>
+      <p:bldP spid="4" grpId="0" uiExpand="1" build="p" bldLvl="2" animBg="1"/>
+      <p:bldP spid="5" grpId="0" animBg="1"/>
+      <p:bldP spid="6" grpId="0" animBg="1"/>
+      <p:bldP spid="7" grpId="0" animBg="1"/>
+      <p:bldP spid="8" grpId="0" animBg="1"/>
+    </p:bldLst>
+  </p:timing>
 </p:sld>
 </file>
 
 <file path=ppt/theme/theme1.xml><?xml version="1.0" encoding="utf-8"?>
+<a:theme xmlns:a="http://schemas.openxmlformats.org/drawingml/2006/main" name="Office Theme">
+  <a:themeElements>
+    <a:clrScheme name="Office Theme">
+      <a:dk1>
+        <a:sysClr val="windowText" lastClr="000000"/>
+      </a:dk1>
+      <a:lt1>
+        <a:sysClr val="window" lastClr="FFFFFF"/>
+      </a:lt1>
+      <a:dk2>
+        <a:srgbClr val="44546A"/>
+      </a:dk2>
+      <a:lt2>
+        <a:srgbClr val="E7E6E6"/>
+      </a:lt2>
+      <a:accent1>
+        <a:srgbClr val="5B9BD5"/>
+      </a:accent1>
+      <a:accent2>
+        <a:srgbClr val="ED7D31"/>
+      </a:accent2>
+      <a:accent3>
+        <a:srgbClr val="A5A5A5"/>
+      </a:accent3>
+      <a:accent4>
+        <a:srgbClr val="FFC000"/>
+      </a:accent4>
+      <a:accent5>
+        <a:srgbClr val="4472C4"/>
+      </a:accent5>
+      <a:accent6>
+        <a:srgbClr val="70AD47"/>
+      </a:accent6>
+      <a:hlink>
+        <a:srgbClr val="0563C1"/>
+      </a:hlink>
+      <a:folHlink>
+        <a:srgbClr val="954F72"/>
+      </a:folHlink>
+    </a:clrScheme>
+    <a:fontScheme name="Office Theme">
+      <a:majorFont>
+        <a:latin typeface="Calibri Light" panose="020F0302020204030204"/>
+        <a:ea typeface=""/>
+        <a:cs typeface=""/>
+        <a:font script="Jpan" typeface="ＭＳ Ｐゴシック"/>
+        <a:font script="Hang" typeface="맑은 고딕"/>
+        <a:font script="Hans" typeface="宋体"/>
+        <a:font script="Hant" typeface="新細明體"/>
+        <a:font script="Arab" typeface="Times New Roman"/>
+        <a:font script="Hebr" typeface="Times New Roman"/>
+        <a:font script="Thai" typeface="Angsana New"/>
+        <a:font script="Ethi" typeface="Nyala"/>
+        <a:font script="Beng" typeface="Vrinda"/>
+        <a:font script="Gujr" typeface="Shruti"/>
+        <a:font script="Khmr" typeface="MoolBoran"/>
+        <a:font script="Knda" typeface="Tunga"/>
+        <a:font script="Guru" typeface="Raavi"/>
+        <a:font script="Cans" typeface="Euphemia"/>
+        <a:font script="Cher" typeface="Plantagenet Cherokee"/>
+        <a:font script="Yiii" typeface="Microsoft Yi Baiti"/>
+        <a:font script="Tibt" typeface="Microsoft Himalaya"/>
+        <a:font script="Thaa" typeface="MV Boli"/>
+        <a:font script="Deva" typeface="Mangal"/>
+        <a:font script="Telu" typeface="Gautami"/>
+        <a:font script="Taml" typeface="Latha"/>
+        <a:font script="Syrc" typeface="Estrangelo Edessa"/>
+        <a:font script="Orya" typeface="Kalinga"/>
+        <a:font script="Mlym" typeface="Kartika"/>
+        <a:font script="Laoo" typeface="DokChampa"/>
+        <a:font script="Sinh" typeface="Iskoola Pota"/>
+        <a:font script="Mong" typeface="Mongolian Baiti"/>
+        <a:font script="Viet" typeface="Times New Roman"/>
+        <a:font script="Uigh" typeface="Microsoft Uighur"/>
+        <a:font script="Geor" typeface="Sylfaen"/>
+      </a:majorFont>
+      <a:minorFont>
+        <a:latin typeface="Calibri" panose="020F0502020204030204"/>
+        <a:ea typeface=""/>
+        <a:cs typeface=""/>
+        <a:font script="Jpan" typeface="ＭＳ Ｐゴシック"/>
+        <a:font script="Hang" typeface="맑은 고딕"/>
+        <a:font script="Hans" typeface="宋体"/>
+        <a:font script="Hant" typeface="新細明體"/>
+        <a:font script="Arab" typeface="Arial"/>
+        <a:font script="Hebr" typeface="Arial"/>
+        <a:font script="Thai" typeface="Cordia New"/>
+        <a:font script="Ethi" typeface="Nyala"/>
+        <a:font script="Beng" typeface="Vrinda"/>
+        <a:font script="Gujr" typeface="Shruti"/>
+        <a:font script="Khmr" typeface="DaunPenh"/>
+        <a:font script="Knda" typeface="Tunga"/>
+        <a:font script="Guru" typeface="Raavi"/>
+        <a:font script="Cans" typeface="Euphemia"/>
+        <a:font script="Cher" typeface="Plantagenet Cherokee"/>
+        <a:font script="Yiii" typeface="Microsoft Yi Baiti"/>
+        <a:font script="Tibt" typeface="Microsoft Himalaya"/>
+        <a:font script="Thaa" typeface="MV Boli"/>
+        <a:font script="Deva" typeface="Mangal"/>
+        <a:font script="Telu" typeface="Gautami"/>
+        <a:font script="Taml" typeface="Latha"/>
+        <a:font script="Syrc" typeface="Estrangelo Edessa"/>
+        <a:font script="Orya" typeface="Kalinga"/>
+        <a:font script="Mlym" typeface="Kartika"/>
+        <a:font script="Laoo" typeface="DokChampa"/>
+        <a:font script="Sinh" typeface="Iskoola Pota"/>
+        <a:font script="Mong" typeface="Mongolian Baiti"/>
+        <a:font script="Viet" typeface="Arial"/>
+        <a:font script="Uigh" typeface="Microsoft Uighur"/>
+        <a:font script="Geor" typeface="Sylfaen"/>
+      </a:minorFont>
+    </a:fontScheme>
+    <a:fmtScheme name="Office Theme">
+      <a:fillStyleLst>
+        <a:solidFill>
+          <a:schemeClr val="phClr"/>
+        </a:solidFill>
+        <a:gradFill rotWithShape="1">
+          <a:gsLst>
+            <a:gs pos="0">
+              <a:schemeClr val="phClr">
+                <a:lumMod val="110000"/>
+                <a:satMod val="105000"/>
+                <a:tint val="67000"/>
+              </a:schemeClr>
+            </a:gs>
+            <a:gs pos="50000">
+              <a:schemeClr val="phClr">
+                <a:lumMod val="105000"/>
+                <a:satMod val="103000"/>
+                <a:tint val="73000"/>
+              </a:schemeClr>
+            </a:gs>
+            <a:gs pos="100000">
+              <a:schemeClr val="phClr">
+                <a:lumMod val="105000"/>
+                <a:satMod val="109000"/>
+                <a:tint val="81000"/>
+              </a:schemeClr>
+            </a:gs>
+          </a:gsLst>
+          <a:lin ang="5400000" scaled="0"/>
+        </a:gradFill>
+        <a:gradFill rotWithShape="1">
+          <a:gsLst>
+            <a:gs pos="0">
+              <a:schemeClr val="phClr">
+                <a:satMod val="103000"/>
+                <a:lumMod val="102000"/>
+                <a:tint val="94000"/>
+              </a:schemeClr>
+            </a:gs>
+            <a:gs pos="50000">
+              <a:schemeClr val="phClr">
+                <a:satMod val="110000"/>
+                <a:lumMod val="100000"/>
+                <a:shade val="100000"/>
+              </a:schemeClr>
+            </a:gs>
+            <a:gs pos="100000">
+              <a:schemeClr val="phClr">
+                <a:lumMod val="99000"/>
+                <a:satMod val="120000"/>
+                <a:shade val="78000"/>
+              </a:schemeClr>
+            </a:gs>
+          </a:gsLst>
+          <a:lin ang="5400000" scaled="0"/>
+        </a:gradFill>
+      </a:fillStyleLst>
+      <a:lnStyleLst>
+        <a:ln w="6350" cap="flat" cmpd="sng" algn="ctr">
+          <a:solidFill>
+            <a:schemeClr val="phClr"/>
+          </a:solidFill>
+          <a:prstDash val="solid"/>
+          <a:miter lim="800000"/>
+        </a:ln>
+        <a:ln w="12700" cap="flat" cmpd="sng" algn="ctr">
+          <a:solidFill>
+            <a:schemeClr val="phClr"/>
+          </a:solidFill>
+          <a:prstDash val="solid"/>
+          <a:miter lim="800000"/>
+        </a:ln>
+        <a:ln w="19050" cap="flat" cmpd="sng" algn="ctr">
+          <a:solidFill>
+            <a:schemeClr val="phClr"/>
+          </a:solidFill>
+          <a:prstDash val="solid"/>
+          <a:miter lim="800000"/>
+        </a:ln>
+      </a:lnStyleLst>
+      <a:effectStyleLst>
+        <a:effectStyle>
+          <a:effectLst/>
+        </a:effectStyle>
+        <a:effectStyle>
+          <a:effectLst/>
+        </a:effectStyle>
+        <a:effectStyle>
+          <a:effectLst>
+            <a:outerShdw blurRad="57150" dist="19050" dir="5400000" algn="ctr" rotWithShape="0">
+              <a:srgbClr val="000000">
+                <a:alpha val="63000"/>
+              </a:srgbClr>
+            </a:outerShdw>
+          </a:effectLst>
+        </a:effectStyle>
+      </a:effectStyleLst>
+      <a:bgFillStyleLst>
+        <a:solidFill>
+          <a:schemeClr val="phClr"/>
+        </a:solidFill>
+        <a:solidFill>
+          <a:schemeClr val="phClr">
+            <a:tint val="95000"/>
+            <a:satMod val="170000"/>
+          </a:schemeClr>
+        </a:solidFill>
+        <a:gradFill rotWithShape="1">
+          <a:gsLst>
+            <a:gs pos="0">
+              <a:schemeClr val="phClr">
+                <a:tint val="93000"/>
+                <a:satMod val="150000"/>
+                <a:shade val="98000"/>
+                <a:lumMod val="102000"/>
+              </a:schemeClr>
+            </a:gs>
+            <a:gs pos="50000">
+              <a:schemeClr val="phClr">
+                <a:tint val="98000"/>
+                <a:satMod val="130000"/>
+                <a:shade val="90000"/>
+                <a:lumMod val="103000"/>
+              </a:schemeClr>
+            </a:gs>
+            <a:gs pos="100000">
+              <a:schemeClr val="phClr">
+                <a:shade val="63000"/>
+                <a:satMod val="120000"/>
+              </a:schemeClr>
+            </a:gs>
+          </a:gsLst>
+          <a:lin ang="5400000" scaled="0"/>
+        </a:gradFill>
+      </a:bgFillStyleLst>
+    </a:fmtScheme>
+  </a:themeElements>
+  <a:objectDefaults/>
+  <a:extraClrSchemeLst/>
+  <a:extLst>
+    <a:ext uri="{05A4C25C-085E-4340-85A3-A5531E510DB2}">
+      <thm15:themeFamily xmlns:thm15="http://schemas.microsoft.com/office/thememl/2012/main" name="Office Theme" id="{62F939B6-93AF-4DB8-9C6B-D6C7DFDC589F}" vid="{4A3C46E8-61CC-4603-A589-7422A47A8E4A}"/>
+    </a:ext>
+  </a:extLst>
+</a:theme>
+</file>
+
+<file path=ppt/theme/theme2.xml><?xml version="1.0" encoding="utf-8"?>
 <a:theme xmlns:a="http://schemas.openxmlformats.org/drawingml/2006/main" name="Office Theme">
   <a:themeElements>
     <a:clrScheme name="Office">

--- a/R/Conda/conda.pptx
+++ b/R/Conda/conda.pptx
@@ -208,7 +208,7 @@
           <a:p>
             <a:fld id="{A75423B0-5559-4471-962E-44A27D80B424}" type="datetimeFigureOut">
               <a:rPr lang="nl-BE" smtClean="0"/>
-              <a:t>2016-01-11</a:t>
+              <a:t>2016-01-13</a:t>
             </a:fld>
             <a:endParaRPr lang="nl-BE"/>
           </a:p>
@@ -691,7 +691,7 @@
           <a:p>
             <a:fld id="{686FA373-BD9C-4E91-93F7-D33713AC9EC2}" type="datetime1">
               <a:rPr lang="nl-BE" smtClean="0"/>
-              <a:t>2016-01-11</a:t>
+              <a:t>2016-01-13</a:t>
             </a:fld>
             <a:endParaRPr lang="nl-BE"/>
           </a:p>
@@ -861,7 +861,7 @@
           <a:p>
             <a:fld id="{4DF2C210-D48F-4B06-BACE-3B126E0EBD8A}" type="datetime1">
               <a:rPr lang="nl-BE" smtClean="0"/>
-              <a:t>2016-01-11</a:t>
+              <a:t>2016-01-13</a:t>
             </a:fld>
             <a:endParaRPr lang="nl-BE"/>
           </a:p>
@@ -1041,7 +1041,7 @@
           <a:p>
             <a:fld id="{2A1C394C-E082-46E5-A29C-2B3E42C8C1B9}" type="datetime1">
               <a:rPr lang="nl-BE" smtClean="0"/>
-              <a:t>2016-01-11</a:t>
+              <a:t>2016-01-13</a:t>
             </a:fld>
             <a:endParaRPr lang="nl-BE"/>
           </a:p>
@@ -1211,7 +1211,7 @@
           <a:p>
             <a:fld id="{9DA0CB6E-F841-4348-835A-DFE7DEADFAB2}" type="datetime1">
               <a:rPr lang="nl-BE" smtClean="0"/>
-              <a:t>2016-01-11</a:t>
+              <a:t>2016-01-13</a:t>
             </a:fld>
             <a:endParaRPr lang="nl-BE"/>
           </a:p>
@@ -1455,7 +1455,7 @@
           <a:p>
             <a:fld id="{D72DEE7C-0189-434D-B689-ACD9BB284BB2}" type="datetime1">
               <a:rPr lang="nl-BE" smtClean="0"/>
-              <a:t>2016-01-11</a:t>
+              <a:t>2016-01-13</a:t>
             </a:fld>
             <a:endParaRPr lang="nl-BE"/>
           </a:p>
@@ -1687,7 +1687,7 @@
           <a:p>
             <a:fld id="{79D5BFDE-F220-49E4-A982-A73A2656829B}" type="datetime1">
               <a:rPr lang="nl-BE" smtClean="0"/>
-              <a:t>2016-01-11</a:t>
+              <a:t>2016-01-13</a:t>
             </a:fld>
             <a:endParaRPr lang="nl-BE"/>
           </a:p>
@@ -2054,7 +2054,7 @@
           <a:p>
             <a:fld id="{B586F026-0425-415D-BC1C-9DD54C5BE30C}" type="datetime1">
               <a:rPr lang="nl-BE" smtClean="0"/>
-              <a:t>2016-01-11</a:t>
+              <a:t>2016-01-13</a:t>
             </a:fld>
             <a:endParaRPr lang="nl-BE"/>
           </a:p>
@@ -2172,7 +2172,7 @@
           <a:p>
             <a:fld id="{909B9ED4-0FB0-4E91-9713-CF8AFB422703}" type="datetime1">
               <a:rPr lang="nl-BE" smtClean="0"/>
-              <a:t>2016-01-11</a:t>
+              <a:t>2016-01-13</a:t>
             </a:fld>
             <a:endParaRPr lang="nl-BE"/>
           </a:p>
@@ -2267,7 +2267,7 @@
           <a:p>
             <a:fld id="{C362DD12-1484-42BC-AC34-54C77652C51D}" type="datetime1">
               <a:rPr lang="nl-BE" smtClean="0"/>
-              <a:t>2016-01-11</a:t>
+              <a:t>2016-01-13</a:t>
             </a:fld>
             <a:endParaRPr lang="nl-BE"/>
           </a:p>
@@ -2544,7 +2544,7 @@
           <a:p>
             <a:fld id="{2D287371-76E5-493E-8E6D-41AE773DECA9}" type="datetime1">
               <a:rPr lang="nl-BE" smtClean="0"/>
-              <a:t>2016-01-11</a:t>
+              <a:t>2016-01-13</a:t>
             </a:fld>
             <a:endParaRPr lang="nl-BE"/>
           </a:p>
@@ -2801,7 +2801,7 @@
           <a:p>
             <a:fld id="{B1E0782B-8E35-4BFF-A594-A2C221F4E786}" type="datetime1">
               <a:rPr lang="nl-BE" smtClean="0"/>
-              <a:t>2016-01-11</a:t>
+              <a:t>2016-01-13</a:t>
             </a:fld>
             <a:endParaRPr lang="nl-BE"/>
           </a:p>
@@ -3014,7 +3014,7 @@
           <a:p>
             <a:fld id="{121B80C9-C09F-4ACE-B296-5791D63C3E98}" type="datetime1">
               <a:rPr lang="nl-BE" smtClean="0"/>
-              <a:t>2016-01-11</a:t>
+              <a:t>2016-01-13</a:t>
             </a:fld>
             <a:endParaRPr lang="nl-BE"/>
           </a:p>
@@ -4645,7 +4645,9 @@
         </p:nvSpPr>
         <p:spPr/>
         <p:txBody>
-          <a:bodyPr/>
+          <a:bodyPr>
+            <a:normAutofit lnSpcReduction="10000"/>
+          </a:bodyPr>
           <a:lstStyle/>
           <a:p>
             <a:r>
@@ -4694,10 +4696,9 @@
           </a:p>
           <a:p>
             <a:r>
-              <a:rPr lang="en-US" smtClean="0"/>
+              <a:rPr lang="en-US" dirty="0" smtClean="0"/>
               <a:t>However…</a:t>
             </a:r>
-            <a:endParaRPr lang="en-US" dirty="0" smtClean="0"/>
           </a:p>
           <a:p>
             <a:pPr lvl="1"/>
@@ -4727,23 +4728,7 @@
             </a:r>
             <a:r>
               <a:rPr lang="en-US" dirty="0" smtClean="0"/>
-              <a:t>be optimized for HPC usage</a:t>
-            </a:r>
-            <a:r>
-              <a:rPr lang="en-US" dirty="0" smtClean="0"/>
-              <a:t>! (No </a:t>
-            </a:r>
-            <a:r>
-              <a:rPr lang="en-US" dirty="0" smtClean="0"/>
-              <a:t>hardware-specific builds for critical </a:t>
-            </a:r>
-            <a:r>
-              <a:rPr lang="en-US" dirty="0" smtClean="0"/>
-              <a:t>libraries, e.g</a:t>
-            </a:r>
-            <a:r>
-              <a:rPr lang="en-US" dirty="0" smtClean="0"/>
-              <a:t>., BLAS, </a:t>
+              <a:t>be optimized for HPC usage! (No hardware-specific builds for critical libraries, e.g., BLAS, </a:t>
             </a:r>
             <a:r>
               <a:rPr lang="en-US" dirty="0" err="1" smtClean="0"/>
@@ -4758,9 +4743,36 @@
             <a:pPr lvl="1"/>
             <a:r>
               <a:rPr lang="en-US" dirty="0" smtClean="0"/>
-              <a:t>Depends on Continuum Analytics</a:t>
-            </a:r>
-            <a:endParaRPr lang="nl-BE" dirty="0"/>
+              <a:t>Depends on Continuum </a:t>
+            </a:r>
+            <a:r>
+              <a:rPr lang="en-US" dirty="0" smtClean="0"/>
+              <a:t>Analytics</a:t>
+            </a:r>
+          </a:p>
+          <a:p>
+            <a:pPr lvl="1"/>
+            <a:r>
+              <a:rPr lang="en-US" dirty="0" smtClean="0"/>
+              <a:t>Only use packages when </a:t>
+            </a:r>
+            <a:r>
+              <a:rPr lang="en-US" b="1" dirty="0" smtClean="0">
+                <a:solidFill>
+                  <a:srgbClr val="C00000"/>
+                </a:solidFill>
+              </a:rPr>
+              <a:t>necessary</a:t>
+            </a:r>
+            <a:r>
+              <a:rPr lang="en-US" dirty="0" smtClean="0"/>
+              <a:t>, </a:t>
+            </a:r>
+            <a:r>
+              <a:rPr lang="en-US" i="1" dirty="0" smtClean="0"/>
+              <a:t>or else…</a:t>
+            </a:r>
+            <a:endParaRPr lang="nl-BE" i="1" dirty="0"/>
           </a:p>
         </p:txBody>
       </p:sp>
@@ -4783,6 +4795,56 @@
               <a:rPr lang="nl-BE" smtClean="0"/>
               <a:t>12</a:t>
             </a:fld>
+            <a:endParaRPr lang="nl-BE"/>
+          </a:p>
+        </p:txBody>
+      </p:sp>
+      <p:sp>
+        <p:nvSpPr>
+          <p:cNvPr id="5" name="Rectangle 4"/>
+          <p:cNvSpPr/>
+          <p:nvPr/>
+        </p:nvSpPr>
+        <p:spPr>
+          <a:xfrm>
+            <a:off x="1338943" y="5478235"/>
+            <a:ext cx="5674178" cy="408216"/>
+          </a:xfrm>
+          <a:prstGeom prst="rect">
+            <a:avLst/>
+          </a:prstGeom>
+          <a:solidFill>
+            <a:srgbClr val="FF0000">
+              <a:alpha val="35000"/>
+            </a:srgbClr>
+          </a:solidFill>
+          <a:ln w="19050">
+            <a:solidFill>
+              <a:srgbClr val="FF0000"/>
+            </a:solidFill>
+          </a:ln>
+        </p:spPr>
+        <p:style>
+          <a:lnRef idx="2">
+            <a:schemeClr val="accent1">
+              <a:shade val="50000"/>
+            </a:schemeClr>
+          </a:lnRef>
+          <a:fillRef idx="1">
+            <a:schemeClr val="accent1"/>
+          </a:fillRef>
+          <a:effectRef idx="0">
+            <a:schemeClr val="accent1"/>
+          </a:effectRef>
+          <a:fontRef idx="minor">
+            <a:schemeClr val="lt1"/>
+          </a:fontRef>
+        </p:style>
+        <p:txBody>
+          <a:bodyPr rtlCol="0" anchor="ctr"/>
+          <a:lstStyle/>
+          <a:p>
+            <a:pPr algn="ctr"/>
             <a:endParaRPr lang="nl-BE"/>
           </a:p>
         </p:txBody>
@@ -5249,6 +5311,82 @@
                       </p:childTnLst>
                     </p:cTn>
                   </p:par>
+                  <p:par>
+                    <p:cTn id="39" fill="hold">
+                      <p:stCondLst>
+                        <p:cond delay="indefinite"/>
+                      </p:stCondLst>
+                      <p:childTnLst>
+                        <p:par>
+                          <p:cTn id="40" fill="hold">
+                            <p:stCondLst>
+                              <p:cond delay="0"/>
+                            </p:stCondLst>
+                            <p:childTnLst>
+                              <p:par>
+                                <p:cTn id="41" presetID="1" presetClass="entr" presetSubtype="0" fill="hold" grpId="0" nodeType="clickEffect">
+                                  <p:stCondLst>
+                                    <p:cond delay="0"/>
+                                  </p:stCondLst>
+                                  <p:childTnLst>
+                                    <p:set>
+                                      <p:cBhvr>
+                                        <p:cTn id="42" dur="1" fill="hold">
+                                          <p:stCondLst>
+                                            <p:cond delay="0"/>
+                                          </p:stCondLst>
+                                        </p:cTn>
+                                        <p:tgtEl>
+                                          <p:spTgt spid="3">
+                                            <p:txEl>
+                                              <p:pRg st="9" end="9"/>
+                                            </p:txEl>
+                                          </p:spTgt>
+                                        </p:tgtEl>
+                                        <p:attrNameLst>
+                                          <p:attrName>style.visibility</p:attrName>
+                                        </p:attrNameLst>
+                                      </p:cBhvr>
+                                      <p:to>
+                                        <p:strVal val="visible"/>
+                                      </p:to>
+                                    </p:set>
+                                  </p:childTnLst>
+                                </p:cTn>
+                              </p:par>
+                              <p:par>
+                                <p:cTn id="43" presetID="1" presetClass="entr" presetSubtype="0" fill="hold" grpId="0" nodeType="withEffect">
+                                  <p:stCondLst>
+                                    <p:cond delay="0"/>
+                                  </p:stCondLst>
+                                  <p:childTnLst>
+                                    <p:set>
+                                      <p:cBhvr>
+                                        <p:cTn id="44" dur="1" fill="hold">
+                                          <p:stCondLst>
+                                            <p:cond delay="0"/>
+                                          </p:stCondLst>
+                                        </p:cTn>
+                                        <p:tgtEl>
+                                          <p:spTgt spid="5"/>
+                                        </p:tgtEl>
+                                        <p:attrNameLst>
+                                          <p:attrName>style.visibility</p:attrName>
+                                        </p:attrNameLst>
+                                      </p:cBhvr>
+                                      <p:to>
+                                        <p:strVal val="visible"/>
+                                      </p:to>
+                                    </p:set>
+                                  </p:childTnLst>
+                                </p:cTn>
+                              </p:par>
+                            </p:childTnLst>
+                          </p:cTn>
+                        </p:par>
+                      </p:childTnLst>
+                    </p:cTn>
+                  </p:par>
                 </p:childTnLst>
               </p:cTn>
               <p:prevCondLst>
@@ -5272,6 +5410,7 @@
     </p:tnLst>
     <p:bldLst>
       <p:bldP spid="3" grpId="0" uiExpand="1" build="p" bldLvl="2"/>
+      <p:bldP spid="5" grpId="0" animBg="1"/>
     </p:bldLst>
   </p:timing>
 </p:sld>

--- a/R/Conda/conda.pptx
+++ b/R/Conda/conda.pptx
@@ -208,7 +208,7 @@
           <a:p>
             <a:fld id="{A75423B0-5559-4471-962E-44A27D80B424}" type="datetimeFigureOut">
               <a:rPr lang="nl-BE" smtClean="0"/>
-              <a:t>2016-01-13</a:t>
+              <a:t>2016-02-09</a:t>
             </a:fld>
             <a:endParaRPr lang="nl-BE"/>
           </a:p>
@@ -691,7 +691,7 @@
           <a:p>
             <a:fld id="{686FA373-BD9C-4E91-93F7-D33713AC9EC2}" type="datetime1">
               <a:rPr lang="nl-BE" smtClean="0"/>
-              <a:t>2016-01-13</a:t>
+              <a:t>2016-02-09</a:t>
             </a:fld>
             <a:endParaRPr lang="nl-BE"/>
           </a:p>
@@ -861,7 +861,7 @@
           <a:p>
             <a:fld id="{4DF2C210-D48F-4B06-BACE-3B126E0EBD8A}" type="datetime1">
               <a:rPr lang="nl-BE" smtClean="0"/>
-              <a:t>2016-01-13</a:t>
+              <a:t>2016-02-09</a:t>
             </a:fld>
             <a:endParaRPr lang="nl-BE"/>
           </a:p>
@@ -1041,7 +1041,7 @@
           <a:p>
             <a:fld id="{2A1C394C-E082-46E5-A29C-2B3E42C8C1B9}" type="datetime1">
               <a:rPr lang="nl-BE" smtClean="0"/>
-              <a:t>2016-01-13</a:t>
+              <a:t>2016-02-09</a:t>
             </a:fld>
             <a:endParaRPr lang="nl-BE"/>
           </a:p>
@@ -1211,7 +1211,7 @@
           <a:p>
             <a:fld id="{9DA0CB6E-F841-4348-835A-DFE7DEADFAB2}" type="datetime1">
               <a:rPr lang="nl-BE" smtClean="0"/>
-              <a:t>2016-01-13</a:t>
+              <a:t>2016-02-09</a:t>
             </a:fld>
             <a:endParaRPr lang="nl-BE"/>
           </a:p>
@@ -1455,7 +1455,7 @@
           <a:p>
             <a:fld id="{D72DEE7C-0189-434D-B689-ACD9BB284BB2}" type="datetime1">
               <a:rPr lang="nl-BE" smtClean="0"/>
-              <a:t>2016-01-13</a:t>
+              <a:t>2016-02-09</a:t>
             </a:fld>
             <a:endParaRPr lang="nl-BE"/>
           </a:p>
@@ -1687,7 +1687,7 @@
           <a:p>
             <a:fld id="{79D5BFDE-F220-49E4-A982-A73A2656829B}" type="datetime1">
               <a:rPr lang="nl-BE" smtClean="0"/>
-              <a:t>2016-01-13</a:t>
+              <a:t>2016-02-09</a:t>
             </a:fld>
             <a:endParaRPr lang="nl-BE"/>
           </a:p>
@@ -2054,7 +2054,7 @@
           <a:p>
             <a:fld id="{B586F026-0425-415D-BC1C-9DD54C5BE30C}" type="datetime1">
               <a:rPr lang="nl-BE" smtClean="0"/>
-              <a:t>2016-01-13</a:t>
+              <a:t>2016-02-09</a:t>
             </a:fld>
             <a:endParaRPr lang="nl-BE"/>
           </a:p>
@@ -2172,7 +2172,7 @@
           <a:p>
             <a:fld id="{909B9ED4-0FB0-4E91-9713-CF8AFB422703}" type="datetime1">
               <a:rPr lang="nl-BE" smtClean="0"/>
-              <a:t>2016-01-13</a:t>
+              <a:t>2016-02-09</a:t>
             </a:fld>
             <a:endParaRPr lang="nl-BE"/>
           </a:p>
@@ -2267,7 +2267,7 @@
           <a:p>
             <a:fld id="{C362DD12-1484-42BC-AC34-54C77652C51D}" type="datetime1">
               <a:rPr lang="nl-BE" smtClean="0"/>
-              <a:t>2016-01-13</a:t>
+              <a:t>2016-02-09</a:t>
             </a:fld>
             <a:endParaRPr lang="nl-BE"/>
           </a:p>
@@ -2544,7 +2544,7 @@
           <a:p>
             <a:fld id="{2D287371-76E5-493E-8E6D-41AE773DECA9}" type="datetime1">
               <a:rPr lang="nl-BE" smtClean="0"/>
-              <a:t>2016-01-13</a:t>
+              <a:t>2016-02-09</a:t>
             </a:fld>
             <a:endParaRPr lang="nl-BE"/>
           </a:p>
@@ -2801,7 +2801,7 @@
           <a:p>
             <a:fld id="{B1E0782B-8E35-4BFF-A594-A2C221F4E786}" type="datetime1">
               <a:rPr lang="nl-BE" smtClean="0"/>
-              <a:t>2016-01-13</a:t>
+              <a:t>2016-02-09</a:t>
             </a:fld>
             <a:endParaRPr lang="nl-BE"/>
           </a:p>
@@ -3014,7 +3014,7 @@
           <a:p>
             <a:fld id="{121B80C9-C09F-4ACE-B296-5791D63C3E98}" type="datetime1">
               <a:rPr lang="nl-BE" smtClean="0"/>
-              <a:t>2016-01-13</a:t>
+              <a:t>2016-02-09</a:t>
             </a:fld>
             <a:endParaRPr lang="nl-BE"/>
           </a:p>
@@ -4743,11 +4743,7 @@
             <a:pPr lvl="1"/>
             <a:r>
               <a:rPr lang="en-US" dirty="0" smtClean="0"/>
-              <a:t>Depends on Continuum </a:t>
-            </a:r>
-            <a:r>
-              <a:rPr lang="en-US" dirty="0" smtClean="0"/>
-              <a:t>Analytics</a:t>
+              <a:t>Depends on Continuum Analytics</a:t>
             </a:r>
           </a:p>
           <a:p>
@@ -7984,7 +7980,14 @@
                 <a:latin typeface="Courier New" panose="02070309020205020404" pitchFamily="49" charset="0"/>
                 <a:cs typeface="Courier New" panose="02070309020205020404" pitchFamily="49" charset="0"/>
               </a:rPr>
-              <a:t>$ conda </a:t>
+              <a:t>$ </a:t>
+            </a:r>
+            <a:r>
+              <a:rPr lang="pt-BR" dirty="0" smtClean="0">
+                <a:latin typeface="Courier New" panose="02070309020205020404" pitchFamily="49" charset="0"/>
+                <a:cs typeface="Courier New" panose="02070309020205020404" pitchFamily="49" charset="0"/>
+              </a:rPr>
+              <a:t>anaconda </a:t>
             </a:r>
             <a:r>
               <a:rPr lang="pt-BR" dirty="0" smtClean="0">

--- a/R/Conda/conda.pptx
+++ b/R/Conda/conda.pptx
@@ -7987,14 +7987,7 @@
                 <a:latin typeface="Courier New" panose="02070309020205020404" pitchFamily="49" charset="0"/>
                 <a:cs typeface="Courier New" panose="02070309020205020404" pitchFamily="49" charset="0"/>
               </a:rPr>
-              <a:t>anaconda </a:t>
-            </a:r>
-            <a:r>
-              <a:rPr lang="pt-BR" dirty="0" smtClean="0">
-                <a:latin typeface="Courier New" panose="02070309020205020404" pitchFamily="49" charset="0"/>
-                <a:cs typeface="Courier New" panose="02070309020205020404" pitchFamily="49" charset="0"/>
-              </a:rPr>
-              <a:t>search  --channel r  gsl</a:t>
+              <a:t>anaconda search  --channel r  gsl</a:t>
             </a:r>
             <a:endParaRPr lang="nl-BE" dirty="0">
               <a:latin typeface="Courier New" panose="02070309020205020404" pitchFamily="49" charset="0"/>
@@ -9563,7 +9556,21 @@
                 <a:latin typeface="Courier New" panose="02070309020205020404" pitchFamily="49" charset="0"/>
                 <a:cs typeface="Courier New" panose="02070309020205020404" pitchFamily="49" charset="0"/>
               </a:rPr>
-              <a:t>$ conda env  export  R_base_environment.yml</a:t>
+              <a:t>$ conda env  export </a:t>
+            </a:r>
+            <a:r>
+              <a:rPr lang="pt-BR" dirty="0" smtClean="0">
+                <a:latin typeface="Courier New" panose="02070309020205020404" pitchFamily="49" charset="0"/>
+                <a:cs typeface="Courier New" panose="02070309020205020404" pitchFamily="49" charset="0"/>
+              </a:rPr>
+              <a:t>&gt; </a:t>
+            </a:r>
+            <a:r>
+              <a:rPr lang="pt-BR" dirty="0">
+                <a:latin typeface="Courier New" panose="02070309020205020404" pitchFamily="49" charset="0"/>
+                <a:cs typeface="Courier New" panose="02070309020205020404" pitchFamily="49" charset="0"/>
+              </a:rPr>
+              <a:t>R_base_environment.yml</a:t>
             </a:r>
             <a:endParaRPr lang="nl-BE" dirty="0">
               <a:latin typeface="Courier New" panose="02070309020205020404" pitchFamily="49" charset="0"/>
